--- a/Docker讲解.pptx
+++ b/Docker讲解.pptx
@@ -9,16 +9,19 @@
     <p:sldId id="257" r:id="rId3"/>
     <p:sldId id="259" r:id="rId4"/>
     <p:sldId id="260" r:id="rId5"/>
-    <p:sldId id="262" r:id="rId6"/>
-    <p:sldId id="261" r:id="rId7"/>
+    <p:sldId id="272" r:id="rId6"/>
+    <p:sldId id="262" r:id="rId7"/>
     <p:sldId id="263" r:id="rId8"/>
-    <p:sldId id="264" r:id="rId9"/>
-    <p:sldId id="267" r:id="rId10"/>
-    <p:sldId id="268" r:id="rId11"/>
-    <p:sldId id="265" r:id="rId12"/>
-    <p:sldId id="269" r:id="rId13"/>
-    <p:sldId id="266" r:id="rId14"/>
-    <p:sldId id="258" r:id="rId15"/>
+    <p:sldId id="261" r:id="rId9"/>
+    <p:sldId id="270" r:id="rId10"/>
+    <p:sldId id="271" r:id="rId11"/>
+    <p:sldId id="264" r:id="rId12"/>
+    <p:sldId id="267" r:id="rId13"/>
+    <p:sldId id="268" r:id="rId14"/>
+    <p:sldId id="265" r:id="rId15"/>
+    <p:sldId id="269" r:id="rId16"/>
+    <p:sldId id="266" r:id="rId17"/>
+    <p:sldId id="258" r:id="rId18"/>
   </p:sldIdLst>
   <p:sldSz cx="9144000" cy="6858000" type="screen4x3"/>
   <p:notesSz cx="6858000" cy="9144000"/>
@@ -315,7 +318,7 @@
           <a:p>
             <a:fld id="{530820CF-B880-4189-942D-D702A7CBA730}" type="datetimeFigureOut">
               <a:rPr lang="zh-CN" altLang="en-US" smtClean="0"/>
-              <a:t>2018/11/6</a:t>
+              <a:t>2018/11/12</a:t>
             </a:fld>
             <a:endParaRPr lang="zh-CN" altLang="en-US"/>
           </a:p>
@@ -478,7 +481,7 @@
           <a:p>
             <a:fld id="{530820CF-B880-4189-942D-D702A7CBA730}" type="datetimeFigureOut">
               <a:rPr lang="zh-CN" altLang="en-US" smtClean="0"/>
-              <a:t>2018/11/6</a:t>
+              <a:t>2018/11/12</a:t>
             </a:fld>
             <a:endParaRPr lang="zh-CN" altLang="en-US"/>
           </a:p>
@@ -651,7 +654,7 @@
           <a:p>
             <a:fld id="{530820CF-B880-4189-942D-D702A7CBA730}" type="datetimeFigureOut">
               <a:rPr lang="zh-CN" altLang="en-US" smtClean="0"/>
-              <a:t>2018/11/6</a:t>
+              <a:t>2018/11/12</a:t>
             </a:fld>
             <a:endParaRPr lang="zh-CN" altLang="en-US"/>
           </a:p>
@@ -814,7 +817,7 @@
           <a:p>
             <a:fld id="{530820CF-B880-4189-942D-D702A7CBA730}" type="datetimeFigureOut">
               <a:rPr lang="zh-CN" altLang="en-US" smtClean="0"/>
-              <a:t>2018/11/6</a:t>
+              <a:t>2018/11/12</a:t>
             </a:fld>
             <a:endParaRPr lang="zh-CN" altLang="en-US"/>
           </a:p>
@@ -1054,7 +1057,7 @@
           <a:p>
             <a:fld id="{530820CF-B880-4189-942D-D702A7CBA730}" type="datetimeFigureOut">
               <a:rPr lang="zh-CN" altLang="en-US" smtClean="0"/>
-              <a:t>2018/11/6</a:t>
+              <a:t>2018/11/12</a:t>
             </a:fld>
             <a:endParaRPr lang="zh-CN" altLang="en-US"/>
           </a:p>
@@ -1334,7 +1337,7 @@
           <a:p>
             <a:fld id="{530820CF-B880-4189-942D-D702A7CBA730}" type="datetimeFigureOut">
               <a:rPr lang="zh-CN" altLang="en-US" smtClean="0"/>
-              <a:t>2018/11/6</a:t>
+              <a:t>2018/11/12</a:t>
             </a:fld>
             <a:endParaRPr lang="zh-CN" altLang="en-US"/>
           </a:p>
@@ -1748,7 +1751,7 @@
           <a:p>
             <a:fld id="{530820CF-B880-4189-942D-D702A7CBA730}" type="datetimeFigureOut">
               <a:rPr lang="zh-CN" altLang="en-US" smtClean="0"/>
-              <a:t>2018/11/6</a:t>
+              <a:t>2018/11/12</a:t>
             </a:fld>
             <a:endParaRPr lang="zh-CN" altLang="en-US"/>
           </a:p>
@@ -1860,7 +1863,7 @@
           <a:p>
             <a:fld id="{530820CF-B880-4189-942D-D702A7CBA730}" type="datetimeFigureOut">
               <a:rPr lang="zh-CN" altLang="en-US" smtClean="0"/>
-              <a:t>2018/11/6</a:t>
+              <a:t>2018/11/12</a:t>
             </a:fld>
             <a:endParaRPr lang="zh-CN" altLang="en-US"/>
           </a:p>
@@ -1950,7 +1953,7 @@
           <a:p>
             <a:fld id="{530820CF-B880-4189-942D-D702A7CBA730}" type="datetimeFigureOut">
               <a:rPr lang="zh-CN" altLang="en-US" smtClean="0"/>
-              <a:t>2018/11/6</a:t>
+              <a:t>2018/11/12</a:t>
             </a:fld>
             <a:endParaRPr lang="zh-CN" altLang="en-US"/>
           </a:p>
@@ -2220,7 +2223,7 @@
           <a:p>
             <a:fld id="{530820CF-B880-4189-942D-D702A7CBA730}" type="datetimeFigureOut">
               <a:rPr lang="zh-CN" altLang="en-US" smtClean="0"/>
-              <a:t>2018/11/6</a:t>
+              <a:t>2018/11/12</a:t>
             </a:fld>
             <a:endParaRPr lang="zh-CN" altLang="en-US"/>
           </a:p>
@@ -2467,7 +2470,7 @@
           <a:p>
             <a:fld id="{530820CF-B880-4189-942D-D702A7CBA730}" type="datetimeFigureOut">
               <a:rPr lang="zh-CN" altLang="en-US" smtClean="0"/>
-              <a:t>2018/11/6</a:t>
+              <a:t>2018/11/12</a:t>
             </a:fld>
             <a:endParaRPr lang="zh-CN" altLang="en-US"/>
           </a:p>
@@ -2673,7 +2676,7 @@
           <a:p>
             <a:fld id="{530820CF-B880-4189-942D-D702A7CBA730}" type="datetimeFigureOut">
               <a:rPr lang="zh-CN" altLang="en-US" smtClean="0"/>
-              <a:t>2018/11/6</a:t>
+              <a:t>2018/11/12</a:t>
             </a:fld>
             <a:endParaRPr lang="zh-CN" altLang="en-US"/>
           </a:p>
@@ -3206,6 +3209,1397 @@
       </p:grpSpPr>
       <p:sp>
         <p:nvSpPr>
+          <p:cNvPr id="4" name="矩形 3"/>
+          <p:cNvSpPr/>
+          <p:nvPr/>
+        </p:nvSpPr>
+        <p:spPr>
+          <a:xfrm>
+            <a:off x="107504" y="889844"/>
+            <a:ext cx="8856984" cy="2862322"/>
+          </a:xfrm>
+          <a:prstGeom prst="rect">
+            <a:avLst/>
+          </a:prstGeom>
+        </p:spPr>
+        <p:txBody>
+          <a:bodyPr wrap="square">
+            <a:spAutoFit/>
+          </a:bodyPr>
+          <a:lstStyle/>
+          <a:p>
+            <a:pPr marL="285750" indent="-285750">
+              <a:buFont typeface="Wingdings" charset="2"/>
+              <a:buChar char="l"/>
+            </a:pPr>
+            <a:r>
+              <a:rPr lang="zh-CN" altLang="en-US" dirty="0">
+                <a:solidFill>
+                  <a:srgbClr val="222222"/>
+                </a:solidFill>
+                <a:latin typeface="PingFang SC" charset="-122"/>
+              </a:rPr>
+              <a:t>可管理性。</a:t>
+            </a:r>
+            <a:r>
+              <a:rPr lang="en-US" altLang="zh-CN" dirty="0">
+                <a:solidFill>
+                  <a:srgbClr val="222222"/>
+                </a:solidFill>
+                <a:latin typeface="PingFang SC" charset="-122"/>
+              </a:rPr>
+              <a:t>Docker </a:t>
+            </a:r>
+            <a:r>
+              <a:rPr lang="zh-CN" altLang="en-US" dirty="0">
+                <a:solidFill>
+                  <a:srgbClr val="222222"/>
+                </a:solidFill>
+                <a:latin typeface="PingFang SC" charset="-122"/>
+              </a:rPr>
+              <a:t>的集中化管理工具还不算成熟。各种虚拟化技术都有成熟的管理工具，例如 </a:t>
+            </a:r>
+            <a:r>
+              <a:rPr lang="en-US" altLang="zh-CN" dirty="0">
+                <a:solidFill>
+                  <a:srgbClr val="222222"/>
+                </a:solidFill>
+                <a:latin typeface="PingFang SC" charset="-122"/>
+              </a:rPr>
+              <a:t>VMware </a:t>
+            </a:r>
+            <a:r>
+              <a:rPr lang="en-US" altLang="zh-CN" dirty="0" err="1">
+                <a:solidFill>
+                  <a:srgbClr val="222222"/>
+                </a:solidFill>
+                <a:latin typeface="PingFang SC" charset="-122"/>
+              </a:rPr>
+              <a:t>vCenter</a:t>
+            </a:r>
+            <a:r>
+              <a:rPr lang="en-US" altLang="zh-CN" dirty="0">
+                <a:solidFill>
+                  <a:srgbClr val="222222"/>
+                </a:solidFill>
+                <a:latin typeface="PingFang SC" charset="-122"/>
+              </a:rPr>
+              <a:t> </a:t>
+            </a:r>
+            <a:r>
+              <a:rPr lang="zh-CN" altLang="en-US" dirty="0">
+                <a:solidFill>
+                  <a:srgbClr val="222222"/>
+                </a:solidFill>
+                <a:latin typeface="PingFang SC" charset="-122"/>
+              </a:rPr>
+              <a:t>提供完备的虚拟机管理能力。</a:t>
+            </a:r>
+          </a:p>
+          <a:p>
+            <a:pPr marL="285750" indent="-285750">
+              <a:buFont typeface="Wingdings" charset="2"/>
+              <a:buChar char="l"/>
+            </a:pPr>
+            <a:r>
+              <a:rPr lang="zh-CN" altLang="en-US" dirty="0">
+                <a:solidFill>
+                  <a:srgbClr val="222222"/>
+                </a:solidFill>
+                <a:latin typeface="PingFang SC" charset="-122"/>
+              </a:rPr>
+              <a:t>高可用和可恢复性。</a:t>
+            </a:r>
+            <a:r>
+              <a:rPr lang="en-US" altLang="zh-CN" dirty="0">
+                <a:solidFill>
+                  <a:srgbClr val="222222"/>
+                </a:solidFill>
+                <a:latin typeface="PingFang SC" charset="-122"/>
+              </a:rPr>
+              <a:t>Docker </a:t>
+            </a:r>
+            <a:r>
+              <a:rPr lang="zh-CN" altLang="en-US" dirty="0">
+                <a:solidFill>
+                  <a:srgbClr val="222222"/>
+                </a:solidFill>
+                <a:latin typeface="PingFang SC" charset="-122"/>
+              </a:rPr>
+              <a:t>对业务的高可用支持是通过快速重新部署实现的。</a:t>
+            </a:r>
+          </a:p>
+          <a:p>
+            <a:pPr marL="285750" indent="-285750">
+              <a:buFont typeface="Wingdings" charset="2"/>
+              <a:buChar char="l"/>
+            </a:pPr>
+            <a:r>
+              <a:rPr lang="zh-CN" altLang="en-US" dirty="0">
+                <a:solidFill>
+                  <a:srgbClr val="222222"/>
+                </a:solidFill>
+                <a:latin typeface="PingFang SC" charset="-122"/>
+              </a:rPr>
+              <a:t>虚拟化具备负载均衡，高可用，容错，迁移和数据保护等经过生产实践检验的成熟保障机制， </a:t>
+            </a:r>
+            <a:r>
+              <a:rPr lang="en-US" altLang="zh-CN" dirty="0">
+                <a:solidFill>
+                  <a:srgbClr val="222222"/>
+                </a:solidFill>
+                <a:latin typeface="PingFang SC" charset="-122"/>
+              </a:rPr>
+              <a:t>VMware </a:t>
+            </a:r>
+            <a:r>
+              <a:rPr lang="zh-CN" altLang="en-US" dirty="0">
+                <a:solidFill>
+                  <a:srgbClr val="222222"/>
+                </a:solidFill>
+                <a:latin typeface="PingFang SC" charset="-122"/>
+              </a:rPr>
+              <a:t>可承诺虚拟机 </a:t>
+            </a:r>
+            <a:r>
+              <a:rPr lang="en-US" altLang="zh-CN" dirty="0">
+                <a:solidFill>
+                  <a:srgbClr val="222222"/>
+                </a:solidFill>
+                <a:latin typeface="PingFang SC" charset="-122"/>
+              </a:rPr>
+              <a:t>99.999% </a:t>
+            </a:r>
+            <a:r>
+              <a:rPr lang="zh-CN" altLang="en-US" dirty="0">
+                <a:solidFill>
+                  <a:srgbClr val="222222"/>
+                </a:solidFill>
+                <a:latin typeface="PingFang SC" charset="-122"/>
+              </a:rPr>
+              <a:t>高可用，保证业务连续性。</a:t>
+            </a:r>
+          </a:p>
+          <a:p>
+            <a:pPr marL="285750" indent="-285750">
+              <a:buFont typeface="Wingdings" charset="2"/>
+              <a:buChar char="l"/>
+            </a:pPr>
+            <a:r>
+              <a:rPr lang="zh-CN" altLang="en-US" dirty="0">
+                <a:solidFill>
+                  <a:srgbClr val="222222"/>
+                </a:solidFill>
+                <a:latin typeface="PingFang SC" charset="-122"/>
+              </a:rPr>
+              <a:t>快速创建、删除。虚拟化创建是分钟级别的，</a:t>
+            </a:r>
+            <a:r>
+              <a:rPr lang="en-US" altLang="zh-CN" dirty="0">
+                <a:solidFill>
+                  <a:srgbClr val="222222"/>
+                </a:solidFill>
+                <a:latin typeface="PingFang SC" charset="-122"/>
+              </a:rPr>
+              <a:t>Docker </a:t>
+            </a:r>
+            <a:r>
+              <a:rPr lang="zh-CN" altLang="en-US" dirty="0">
+                <a:solidFill>
+                  <a:srgbClr val="222222"/>
+                </a:solidFill>
+                <a:latin typeface="PingFang SC" charset="-122"/>
+              </a:rPr>
+              <a:t>容器创建是秒级别的，</a:t>
+            </a:r>
+            <a:r>
+              <a:rPr lang="en-US" altLang="zh-CN" dirty="0">
+                <a:solidFill>
+                  <a:srgbClr val="222222"/>
+                </a:solidFill>
+                <a:latin typeface="PingFang SC" charset="-122"/>
+              </a:rPr>
+              <a:t>Docker </a:t>
+            </a:r>
+            <a:r>
+              <a:rPr lang="zh-CN" altLang="en-US" dirty="0">
+                <a:solidFill>
+                  <a:srgbClr val="222222"/>
+                </a:solidFill>
+                <a:latin typeface="PingFang SC" charset="-122"/>
+              </a:rPr>
+              <a:t>的快速迭代性，决定了无论是开发、测试、部署都可以节约大量时间</a:t>
+            </a:r>
+          </a:p>
+          <a:p>
+            <a:pPr marL="285750" indent="-285750">
+              <a:buFont typeface="Wingdings" charset="2"/>
+              <a:buChar char="l"/>
+            </a:pPr>
+            <a:r>
+              <a:rPr lang="zh-CN" altLang="en-US" dirty="0">
+                <a:solidFill>
+                  <a:srgbClr val="222222"/>
+                </a:solidFill>
+                <a:latin typeface="PingFang SC" charset="-122"/>
+              </a:rPr>
+              <a:t>交付、部署。虚拟机可以通过镜像实现环境交付的一致性，但镜像分发无法体系化。</a:t>
+            </a:r>
+            <a:r>
+              <a:rPr lang="en-US" altLang="zh-CN" dirty="0">
+                <a:solidFill>
+                  <a:srgbClr val="222222"/>
+                </a:solidFill>
+                <a:latin typeface="PingFang SC" charset="-122"/>
+              </a:rPr>
+              <a:t>Docker </a:t>
+            </a:r>
+            <a:r>
+              <a:rPr lang="zh-CN" altLang="en-US" dirty="0">
+                <a:solidFill>
+                  <a:srgbClr val="222222"/>
+                </a:solidFill>
+                <a:latin typeface="PingFang SC" charset="-122"/>
+              </a:rPr>
+              <a:t>在 </a:t>
+            </a:r>
+            <a:r>
+              <a:rPr lang="en-US" altLang="zh-CN" dirty="0" err="1">
+                <a:solidFill>
+                  <a:srgbClr val="222222"/>
+                </a:solidFill>
+                <a:latin typeface="PingFang SC" charset="-122"/>
+              </a:rPr>
+              <a:t>Dockerfile</a:t>
+            </a:r>
+            <a:r>
+              <a:rPr lang="en-US" altLang="zh-CN" dirty="0">
+                <a:solidFill>
+                  <a:srgbClr val="222222"/>
+                </a:solidFill>
+                <a:latin typeface="PingFang SC" charset="-122"/>
+              </a:rPr>
+              <a:t> </a:t>
+            </a:r>
+            <a:r>
+              <a:rPr lang="zh-CN" altLang="en-US" dirty="0">
+                <a:solidFill>
+                  <a:srgbClr val="222222"/>
+                </a:solidFill>
+                <a:latin typeface="PingFang SC" charset="-122"/>
+              </a:rPr>
+              <a:t>中记录了容器构建过程，可在集群中实现快速分发和快速部署。</a:t>
+            </a:r>
+            <a:endParaRPr lang="zh-CN" altLang="en-US" b="0" i="0" dirty="0">
+              <a:solidFill>
+                <a:srgbClr val="222222"/>
+              </a:solidFill>
+              <a:effectLst/>
+              <a:latin typeface="PingFang SC" charset="-122"/>
+            </a:endParaRPr>
+          </a:p>
+        </p:txBody>
+      </p:sp>
+      <p:pic>
+        <p:nvPicPr>
+          <p:cNvPr id="1026" name="Picture 2" descr="¿å¯è½æ¯æä¸ºè¯¦ç»çDockerå+¥é¨åè¡æ»ç»"/>
+          <p:cNvPicPr>
+            <a:picLocks noChangeAspect="1" noChangeArrowheads="1"/>
+          </p:cNvPicPr>
+          <p:nvPr/>
+        </p:nvPicPr>
+        <p:blipFill>
+          <a:blip r:embed="rId3">
+            <a:extLst>
+              <a:ext uri="{28A0092B-C50C-407E-A947-70E740481C1C}">
+                <a14:useLocalDpi xmlns:a14="http://schemas.microsoft.com/office/drawing/2010/main" val="0"/>
+              </a:ext>
+            </a:extLst>
+          </a:blip>
+          <a:srcRect/>
+          <a:stretch>
+            <a:fillRect/>
+          </a:stretch>
+        </p:blipFill>
+        <p:spPr bwMode="auto">
+          <a:xfrm>
+            <a:off x="827584" y="3776902"/>
+            <a:ext cx="7704856" cy="2952328"/>
+          </a:xfrm>
+          <a:prstGeom prst="rect">
+            <a:avLst/>
+          </a:prstGeom>
+          <a:noFill/>
+          <a:extLst>
+            <a:ext uri="{909E8E84-426E-40DD-AFC4-6F175D3DCCD1}">
+              <a14:hiddenFill xmlns:a14="http://schemas.microsoft.com/office/drawing/2010/main">
+                <a:solidFill>
+                  <a:srgbClr val="FFFFFF"/>
+                </a:solidFill>
+              </a14:hiddenFill>
+            </a:ext>
+          </a:extLst>
+        </p:spPr>
+      </p:pic>
+    </p:spTree>
+    <p:extLst>
+      <p:ext uri="{BB962C8B-B14F-4D97-AF65-F5344CB8AC3E}">
+        <p14:creationId xmlns:p14="http://schemas.microsoft.com/office/powerpoint/2010/main" val="1687321846"/>
+      </p:ext>
+    </p:extLst>
+  </p:cSld>
+  <p:clrMapOvr>
+    <a:masterClrMapping/>
+  </p:clrMapOvr>
+  <p:timing>
+    <p:tnLst>
+      <p:par>
+        <p:cTn id="1" dur="indefinite" restart="never" nodeType="tmRoot"/>
+      </p:par>
+    </p:tnLst>
+  </p:timing>
+</p:sld>
+</file>
+
+<file path=ppt/slides/slide11.xml><?xml version="1.0" encoding="utf-8"?>
+<p:sld xmlns:a="http://schemas.openxmlformats.org/drawingml/2006/main" xmlns:r="http://schemas.openxmlformats.org/officeDocument/2006/relationships" xmlns:p="http://schemas.openxmlformats.org/presentationml/2006/main">
+  <p:cSld>
+    <p:bg>
+      <p:bgPr>
+        <a:blipFill dpi="0" rotWithShape="1">
+          <a:blip r:embed="rId2">
+            <a:lum/>
+          </a:blip>
+          <a:srcRect/>
+          <a:stretch>
+            <a:fillRect/>
+          </a:stretch>
+        </a:blipFill>
+        <a:effectLst/>
+      </p:bgPr>
+    </p:bg>
+    <p:spTree>
+      <p:nvGrpSpPr>
+        <p:cNvPr id="1" name=""/>
+        <p:cNvGrpSpPr/>
+        <p:nvPr/>
+      </p:nvGrpSpPr>
+      <p:grpSpPr>
+        <a:xfrm>
+          <a:off x="0" y="0"/>
+          <a:ext cx="0" cy="0"/>
+          <a:chOff x="0" y="0"/>
+          <a:chExt cx="0" cy="0"/>
+        </a:xfrm>
+      </p:grpSpPr>
+      <p:pic>
+        <p:nvPicPr>
+          <p:cNvPr id="8" name="图片 7"/>
+          <p:cNvPicPr>
+            <a:picLocks noChangeAspect="1"/>
+          </p:cNvPicPr>
+          <p:nvPr/>
+        </p:nvPicPr>
+        <p:blipFill>
+          <a:blip r:embed="rId3">
+            <a:extLst>
+              <a:ext uri="{28A0092B-C50C-407E-A947-70E740481C1C}">
+                <a14:useLocalDpi xmlns:a14="http://schemas.microsoft.com/office/drawing/2010/main" val="0"/>
+              </a:ext>
+            </a:extLst>
+          </a:blip>
+          <a:stretch>
+            <a:fillRect/>
+          </a:stretch>
+        </p:blipFill>
+        <p:spPr>
+          <a:xfrm>
+            <a:off x="0" y="1181100"/>
+            <a:ext cx="9144000" cy="4483100"/>
+          </a:xfrm>
+          <a:prstGeom prst="rect">
+            <a:avLst/>
+          </a:prstGeom>
+        </p:spPr>
+      </p:pic>
+      <p:pic>
+        <p:nvPicPr>
+          <p:cNvPr id="9" name="图片 8"/>
+          <p:cNvPicPr>
+            <a:picLocks noChangeAspect="1"/>
+          </p:cNvPicPr>
+          <p:nvPr/>
+        </p:nvPicPr>
+        <p:blipFill>
+          <a:blip r:embed="rId4">
+            <a:extLst>
+              <a:ext uri="{28A0092B-C50C-407E-A947-70E740481C1C}">
+                <a14:useLocalDpi xmlns:a14="http://schemas.microsoft.com/office/drawing/2010/main" val="0"/>
+              </a:ext>
+            </a:extLst>
+          </a:blip>
+          <a:stretch>
+            <a:fillRect/>
+          </a:stretch>
+        </p:blipFill>
+        <p:spPr>
+          <a:xfrm>
+            <a:off x="0" y="1384300"/>
+            <a:ext cx="9144000" cy="4081308"/>
+          </a:xfrm>
+          <a:prstGeom prst="rect">
+            <a:avLst/>
+          </a:prstGeom>
+        </p:spPr>
+      </p:pic>
+      <p:pic>
+        <p:nvPicPr>
+          <p:cNvPr id="10" name="图片 9"/>
+          <p:cNvPicPr>
+            <a:picLocks noChangeAspect="1"/>
+          </p:cNvPicPr>
+          <p:nvPr/>
+        </p:nvPicPr>
+        <p:blipFill>
+          <a:blip r:embed="rId5">
+            <a:extLst>
+              <a:ext uri="{28A0092B-C50C-407E-A947-70E740481C1C}">
+                <a14:useLocalDpi xmlns:a14="http://schemas.microsoft.com/office/drawing/2010/main" val="0"/>
+              </a:ext>
+            </a:extLst>
+          </a:blip>
+          <a:stretch>
+            <a:fillRect/>
+          </a:stretch>
+        </p:blipFill>
+        <p:spPr>
+          <a:xfrm>
+            <a:off x="0" y="1511300"/>
+            <a:ext cx="9144000" cy="3835400"/>
+          </a:xfrm>
+          <a:prstGeom prst="rect">
+            <a:avLst/>
+          </a:prstGeom>
+        </p:spPr>
+      </p:pic>
+    </p:spTree>
+    <p:extLst>
+      <p:ext uri="{BB962C8B-B14F-4D97-AF65-F5344CB8AC3E}">
+        <p14:creationId xmlns:p14="http://schemas.microsoft.com/office/powerpoint/2010/main" val="313040083"/>
+      </p:ext>
+    </p:extLst>
+  </p:cSld>
+  <p:clrMapOvr>
+    <a:masterClrMapping/>
+  </p:clrMapOvr>
+  <p:timing>
+    <p:tnLst>
+      <p:par>
+        <p:cTn id="1" dur="indefinite" restart="never" nodeType="tmRoot">
+          <p:childTnLst>
+            <p:seq concurrent="1" nextAc="seek">
+              <p:cTn id="2" dur="indefinite" nodeType="mainSeq">
+                <p:childTnLst>
+                  <p:par>
+                    <p:cTn id="3" fill="hold">
+                      <p:stCondLst>
+                        <p:cond delay="indefinite"/>
+                      </p:stCondLst>
+                      <p:childTnLst>
+                        <p:par>
+                          <p:cTn id="4" fill="hold">
+                            <p:stCondLst>
+                              <p:cond delay="0"/>
+                            </p:stCondLst>
+                            <p:childTnLst>
+                              <p:par>
+                                <p:cTn id="5" presetID="3" presetClass="entr" presetSubtype="10" fill="hold" nodeType="clickEffect">
+                                  <p:stCondLst>
+                                    <p:cond delay="0"/>
+                                  </p:stCondLst>
+                                  <p:childTnLst>
+                                    <p:set>
+                                      <p:cBhvr>
+                                        <p:cTn id="6" dur="1" fill="hold">
+                                          <p:stCondLst>
+                                            <p:cond delay="0"/>
+                                          </p:stCondLst>
+                                        </p:cTn>
+                                        <p:tgtEl>
+                                          <p:spTgt spid="8"/>
+                                        </p:tgtEl>
+                                        <p:attrNameLst>
+                                          <p:attrName>style.visibility</p:attrName>
+                                        </p:attrNameLst>
+                                      </p:cBhvr>
+                                      <p:to>
+                                        <p:strVal val="visible"/>
+                                      </p:to>
+                                    </p:set>
+                                    <p:animEffect transition="in" filter="blinds(horizontal)">
+                                      <p:cBhvr>
+                                        <p:cTn id="7" dur="500"/>
+                                        <p:tgtEl>
+                                          <p:spTgt spid="8"/>
+                                        </p:tgtEl>
+                                      </p:cBhvr>
+                                    </p:animEffect>
+                                  </p:childTnLst>
+                                </p:cTn>
+                              </p:par>
+                            </p:childTnLst>
+                          </p:cTn>
+                        </p:par>
+                      </p:childTnLst>
+                    </p:cTn>
+                  </p:par>
+                  <p:par>
+                    <p:cTn id="8" fill="hold">
+                      <p:stCondLst>
+                        <p:cond delay="indefinite"/>
+                      </p:stCondLst>
+                      <p:childTnLst>
+                        <p:par>
+                          <p:cTn id="9" fill="hold">
+                            <p:stCondLst>
+                              <p:cond delay="0"/>
+                            </p:stCondLst>
+                            <p:childTnLst>
+                              <p:par>
+                                <p:cTn id="10" presetID="5" presetClass="entr" presetSubtype="10" fill="hold" nodeType="clickEffect">
+                                  <p:stCondLst>
+                                    <p:cond delay="0"/>
+                                  </p:stCondLst>
+                                  <p:childTnLst>
+                                    <p:set>
+                                      <p:cBhvr>
+                                        <p:cTn id="11" dur="1" fill="hold">
+                                          <p:stCondLst>
+                                            <p:cond delay="0"/>
+                                          </p:stCondLst>
+                                        </p:cTn>
+                                        <p:tgtEl>
+                                          <p:spTgt spid="9"/>
+                                        </p:tgtEl>
+                                        <p:attrNameLst>
+                                          <p:attrName>style.visibility</p:attrName>
+                                        </p:attrNameLst>
+                                      </p:cBhvr>
+                                      <p:to>
+                                        <p:strVal val="visible"/>
+                                      </p:to>
+                                    </p:set>
+                                    <p:animEffect transition="in" filter="checkerboard(across)">
+                                      <p:cBhvr>
+                                        <p:cTn id="12" dur="500"/>
+                                        <p:tgtEl>
+                                          <p:spTgt spid="9"/>
+                                        </p:tgtEl>
+                                      </p:cBhvr>
+                                    </p:animEffect>
+                                  </p:childTnLst>
+                                </p:cTn>
+                              </p:par>
+                            </p:childTnLst>
+                          </p:cTn>
+                        </p:par>
+                      </p:childTnLst>
+                    </p:cTn>
+                  </p:par>
+                  <p:par>
+                    <p:cTn id="13" fill="hold">
+                      <p:stCondLst>
+                        <p:cond delay="indefinite"/>
+                      </p:stCondLst>
+                      <p:childTnLst>
+                        <p:par>
+                          <p:cTn id="14" fill="hold">
+                            <p:stCondLst>
+                              <p:cond delay="0"/>
+                            </p:stCondLst>
+                            <p:childTnLst>
+                              <p:par>
+                                <p:cTn id="15" presetID="18" presetClass="entr" presetSubtype="12" fill="hold" nodeType="clickEffect">
+                                  <p:stCondLst>
+                                    <p:cond delay="0"/>
+                                  </p:stCondLst>
+                                  <p:childTnLst>
+                                    <p:set>
+                                      <p:cBhvr>
+                                        <p:cTn id="16" dur="1" fill="hold">
+                                          <p:stCondLst>
+                                            <p:cond delay="0"/>
+                                          </p:stCondLst>
+                                        </p:cTn>
+                                        <p:tgtEl>
+                                          <p:spTgt spid="10"/>
+                                        </p:tgtEl>
+                                        <p:attrNameLst>
+                                          <p:attrName>style.visibility</p:attrName>
+                                        </p:attrNameLst>
+                                      </p:cBhvr>
+                                      <p:to>
+                                        <p:strVal val="visible"/>
+                                      </p:to>
+                                    </p:set>
+                                    <p:animEffect transition="in" filter="strips(downLeft)">
+                                      <p:cBhvr>
+                                        <p:cTn id="17" dur="500"/>
+                                        <p:tgtEl>
+                                          <p:spTgt spid="10"/>
+                                        </p:tgtEl>
+                                      </p:cBhvr>
+                                    </p:animEffect>
+                                  </p:childTnLst>
+                                </p:cTn>
+                              </p:par>
+                            </p:childTnLst>
+                          </p:cTn>
+                        </p:par>
+                      </p:childTnLst>
+                    </p:cTn>
+                  </p:par>
+                </p:childTnLst>
+              </p:cTn>
+              <p:prevCondLst>
+                <p:cond evt="onPrev" delay="0">
+                  <p:tgtEl>
+                    <p:sldTgt/>
+                  </p:tgtEl>
+                </p:cond>
+              </p:prevCondLst>
+              <p:nextCondLst>
+                <p:cond evt="onNext" delay="0">
+                  <p:tgtEl>
+                    <p:sldTgt/>
+                  </p:tgtEl>
+                </p:cond>
+              </p:nextCondLst>
+            </p:seq>
+          </p:childTnLst>
+        </p:cTn>
+      </p:par>
+    </p:tnLst>
+  </p:timing>
+</p:sld>
+</file>
+
+<file path=ppt/slides/slide12.xml><?xml version="1.0" encoding="utf-8"?>
+<p:sld xmlns:a="http://schemas.openxmlformats.org/drawingml/2006/main" xmlns:r="http://schemas.openxmlformats.org/officeDocument/2006/relationships" xmlns:p="http://schemas.openxmlformats.org/presentationml/2006/main">
+  <p:cSld>
+    <p:bg>
+      <p:bgPr>
+        <a:blipFill dpi="0" rotWithShape="1">
+          <a:blip r:embed="rId2">
+            <a:lum/>
+          </a:blip>
+          <a:srcRect/>
+          <a:stretch>
+            <a:fillRect/>
+          </a:stretch>
+        </a:blipFill>
+        <a:effectLst/>
+      </p:bgPr>
+    </p:bg>
+    <p:spTree>
+      <p:nvGrpSpPr>
+        <p:cNvPr id="1" name=""/>
+        <p:cNvGrpSpPr/>
+        <p:nvPr/>
+      </p:nvGrpSpPr>
+      <p:grpSpPr>
+        <a:xfrm>
+          <a:off x="0" y="0"/>
+          <a:ext cx="0" cy="0"/>
+          <a:chOff x="0" y="0"/>
+          <a:chExt cx="0" cy="0"/>
+        </a:xfrm>
+      </p:grpSpPr>
+      <p:sp>
+        <p:nvSpPr>
+          <p:cNvPr id="26" name="矩形 25"/>
+          <p:cNvSpPr/>
+          <p:nvPr/>
+        </p:nvSpPr>
+        <p:spPr>
+          <a:xfrm>
+            <a:off x="0" y="116632"/>
+            <a:ext cx="2843808" cy="461665"/>
+          </a:xfrm>
+          <a:prstGeom prst="rect">
+            <a:avLst/>
+          </a:prstGeom>
+        </p:spPr>
+        <p:txBody>
+          <a:bodyPr wrap="square">
+            <a:spAutoFit/>
+          </a:bodyPr>
+          <a:lstStyle/>
+          <a:p>
+            <a:r>
+              <a:rPr lang="en-US" altLang="zh-CN" sz="2400" b="1" dirty="0" smtClean="0">
+                <a:solidFill>
+                  <a:schemeClr val="tx1">
+                    <a:lumMod val="75000"/>
+                    <a:lumOff val="25000"/>
+                  </a:schemeClr>
+                </a:solidFill>
+              </a:rPr>
+              <a:t>Docker</a:t>
+            </a:r>
+            <a:r>
+              <a:rPr lang="zh-CN" altLang="en-US" sz="2400" b="1" dirty="0" smtClean="0">
+                <a:solidFill>
+                  <a:schemeClr val="tx1">
+                    <a:lumMod val="75000"/>
+                    <a:lumOff val="25000"/>
+                  </a:schemeClr>
+                </a:solidFill>
+              </a:rPr>
+              <a:t>常用仓库</a:t>
+            </a:r>
+            <a:endParaRPr lang="zh-CN" altLang="en-US" sz="2400" dirty="0">
+              <a:solidFill>
+                <a:schemeClr val="tx1">
+                  <a:lumMod val="75000"/>
+                  <a:lumOff val="25000"/>
+                </a:schemeClr>
+              </a:solidFill>
+              <a:latin typeface="微软雅黑" panose="020B0503020204020204" pitchFamily="34" charset="-122"/>
+              <a:ea typeface="微软雅黑" panose="020B0503020204020204" pitchFamily="34" charset="-122"/>
+            </a:endParaRPr>
+          </a:p>
+        </p:txBody>
+      </p:sp>
+      <p:sp>
+        <p:nvSpPr>
+          <p:cNvPr id="3" name="文本框 2"/>
+          <p:cNvSpPr txBox="1"/>
+          <p:nvPr/>
+        </p:nvSpPr>
+        <p:spPr>
+          <a:xfrm>
+            <a:off x="9511" y="908720"/>
+            <a:ext cx="8954978" cy="923330"/>
+          </a:xfrm>
+          <a:prstGeom prst="rect">
+            <a:avLst/>
+          </a:prstGeom>
+          <a:noFill/>
+        </p:spPr>
+        <p:txBody>
+          <a:bodyPr wrap="square" rtlCol="0">
+            <a:spAutoFit/>
+          </a:bodyPr>
+          <a:lstStyle/>
+          <a:p>
+            <a:r>
+              <a:rPr lang="en-US" altLang="zh-CN" dirty="0" smtClean="0"/>
+              <a:t>Docker</a:t>
+            </a:r>
+            <a:r>
+              <a:rPr lang="zh-CN" altLang="en-US" dirty="0"/>
+              <a:t>系统有两个程序：</a:t>
+            </a:r>
+            <a:r>
+              <a:rPr lang="en-US" altLang="zh-CN" dirty="0" err="1"/>
+              <a:t>docker</a:t>
+            </a:r>
+            <a:r>
+              <a:rPr lang="zh-CN" altLang="en-US" dirty="0"/>
+              <a:t>服务端和</a:t>
+            </a:r>
+            <a:r>
+              <a:rPr lang="en-US" altLang="zh-CN" dirty="0" err="1"/>
+              <a:t>docker</a:t>
+            </a:r>
+            <a:r>
+              <a:rPr lang="zh-CN" altLang="en-US" dirty="0"/>
+              <a:t>客户端。其中</a:t>
+            </a:r>
+            <a:r>
+              <a:rPr lang="en-US" altLang="zh-CN" dirty="0" err="1"/>
+              <a:t>docker</a:t>
+            </a:r>
+            <a:r>
+              <a:rPr lang="zh-CN" altLang="en-US" dirty="0"/>
+              <a:t>服务端是一个服务进程，管理着所有的容器。</a:t>
+            </a:r>
+            <a:r>
+              <a:rPr lang="en-US" altLang="zh-CN" dirty="0" err="1"/>
+              <a:t>docker</a:t>
+            </a:r>
+            <a:r>
+              <a:rPr lang="zh-CN" altLang="en-US" dirty="0"/>
+              <a:t>客户端则扮演着</a:t>
+            </a:r>
+            <a:r>
+              <a:rPr lang="en-US" altLang="zh-CN" dirty="0" err="1"/>
+              <a:t>docker</a:t>
+            </a:r>
+            <a:r>
+              <a:rPr lang="zh-CN" altLang="en-US" dirty="0"/>
+              <a:t>服务端的远程控制器，可以用来控制</a:t>
+            </a:r>
+            <a:r>
+              <a:rPr lang="en-US" altLang="zh-CN" dirty="0" err="1"/>
+              <a:t>docker</a:t>
+            </a:r>
+            <a:r>
+              <a:rPr lang="zh-CN" altLang="en-US" dirty="0"/>
+              <a:t>的服务端进程。大部分情况下，</a:t>
+            </a:r>
+            <a:r>
+              <a:rPr lang="en-US" altLang="zh-CN" dirty="0" err="1"/>
+              <a:t>docker</a:t>
+            </a:r>
+            <a:r>
+              <a:rPr lang="zh-CN" altLang="en-US" dirty="0"/>
+              <a:t>服务端和客户端运行在一台机器上。</a:t>
+            </a:r>
+            <a:endParaRPr kumimoji="1" lang="zh-CN" altLang="en-US" dirty="0"/>
+          </a:p>
+        </p:txBody>
+      </p:sp>
+      <p:sp>
+        <p:nvSpPr>
+          <p:cNvPr id="4" name="文本框 3"/>
+          <p:cNvSpPr txBox="1"/>
+          <p:nvPr/>
+        </p:nvSpPr>
+        <p:spPr>
+          <a:xfrm>
+            <a:off x="390248" y="2276872"/>
+            <a:ext cx="8193504" cy="2862322"/>
+          </a:xfrm>
+          <a:prstGeom prst="rect">
+            <a:avLst/>
+          </a:prstGeom>
+          <a:noFill/>
+        </p:spPr>
+        <p:txBody>
+          <a:bodyPr wrap="square" rtlCol="0">
+            <a:spAutoFit/>
+          </a:bodyPr>
+          <a:lstStyle/>
+          <a:p>
+            <a:pPr marL="285750" indent="-285750">
+              <a:buFont typeface="Wingdings" charset="2"/>
+              <a:buChar char="l"/>
+            </a:pPr>
+            <a:r>
+              <a:rPr kumimoji="1" lang="zh-CN" altLang="en-US" dirty="0"/>
+              <a:t>可视化管理镜像与容器</a:t>
+            </a:r>
+            <a:r>
+              <a:rPr kumimoji="1" lang="zh-CN" altLang="en-US" dirty="0" smtClean="0"/>
+              <a:t>工具</a:t>
+            </a:r>
+            <a:r>
+              <a:rPr kumimoji="1" lang="zh-CN" altLang="en-US" dirty="0"/>
+              <a:t>：</a:t>
+            </a:r>
+            <a:r>
+              <a:rPr kumimoji="1" lang="en-US" altLang="zh-CN" dirty="0"/>
+              <a:t> </a:t>
+            </a:r>
+            <a:r>
+              <a:rPr kumimoji="1" lang="en-US" altLang="zh-CN" dirty="0" err="1"/>
+              <a:t>Kitematic</a:t>
+            </a:r>
+            <a:r>
+              <a:rPr kumimoji="1" lang="zh-CN" altLang="en-US" dirty="0"/>
+              <a:t>，</a:t>
+            </a:r>
+            <a:r>
+              <a:rPr kumimoji="1" lang="en-US" altLang="zh-CN" dirty="0"/>
+              <a:t> </a:t>
+            </a:r>
+            <a:r>
+              <a:rPr kumimoji="1" lang="en-US" altLang="zh-CN" dirty="0">
+                <a:hlinkClick r:id="rId3"/>
+              </a:rPr>
+              <a:t>https://</a:t>
+            </a:r>
+            <a:r>
+              <a:rPr kumimoji="1" lang="en-US" altLang="zh-CN" dirty="0" err="1">
+                <a:hlinkClick r:id="rId3"/>
+              </a:rPr>
+              <a:t>kitematic.com</a:t>
+            </a:r>
+            <a:r>
+              <a:rPr kumimoji="1" lang="en-US" altLang="zh-CN" dirty="0">
+                <a:hlinkClick r:id="rId3"/>
+              </a:rPr>
+              <a:t>/</a:t>
+            </a:r>
+            <a:endParaRPr kumimoji="1" lang="en-US" altLang="zh-CN" dirty="0"/>
+          </a:p>
+          <a:p>
+            <a:pPr marL="285750" indent="-285750">
+              <a:buFont typeface="Wingdings" charset="2"/>
+              <a:buChar char="l"/>
+            </a:pPr>
+            <a:endParaRPr kumimoji="1" lang="en-US" altLang="zh-CN" dirty="0" smtClean="0"/>
+          </a:p>
+          <a:p>
+            <a:pPr marL="285750" indent="-285750">
+              <a:buFont typeface="Wingdings" charset="2"/>
+              <a:buChar char="l"/>
+            </a:pPr>
+            <a:r>
+              <a:rPr kumimoji="1" lang="zh-CN" altLang="en-US" dirty="0" smtClean="0"/>
+              <a:t>官方镜像仓库：</a:t>
+            </a:r>
+            <a:r>
+              <a:rPr kumimoji="1" lang="en-US" altLang="zh-CN" dirty="0"/>
+              <a:t> </a:t>
+            </a:r>
+            <a:r>
+              <a:rPr kumimoji="1" lang="en-US" altLang="zh-CN" dirty="0">
+                <a:hlinkClick r:id="rId4"/>
+              </a:rPr>
+              <a:t>https://</a:t>
+            </a:r>
+            <a:r>
+              <a:rPr kumimoji="1" lang="en-US" altLang="zh-CN" dirty="0" err="1">
+                <a:hlinkClick r:id="rId4"/>
+              </a:rPr>
+              <a:t>hub.docker.com</a:t>
+            </a:r>
+            <a:r>
+              <a:rPr kumimoji="1" lang="en-US" altLang="zh-CN" dirty="0">
+                <a:hlinkClick r:id="rId4"/>
+              </a:rPr>
+              <a:t>/</a:t>
+            </a:r>
+            <a:endParaRPr kumimoji="1" lang="en-US" altLang="zh-CN" dirty="0" smtClean="0"/>
+          </a:p>
+          <a:p>
+            <a:pPr marL="285750" indent="-285750">
+              <a:buFont typeface="Wingdings" charset="2"/>
+              <a:buChar char="l"/>
+            </a:pPr>
+            <a:endParaRPr kumimoji="1" lang="en-US" altLang="zh-CN" dirty="0" smtClean="0"/>
+          </a:p>
+          <a:p>
+            <a:pPr marL="285750" indent="-285750">
+              <a:buFont typeface="Wingdings" charset="2"/>
+              <a:buChar char="l"/>
+            </a:pPr>
+            <a:r>
+              <a:rPr kumimoji="1" lang="zh-CN" altLang="en-US" dirty="0" smtClean="0"/>
+              <a:t>阿里云镜像仓库：</a:t>
+            </a:r>
+            <a:r>
+              <a:rPr kumimoji="1" lang="en-US" altLang="zh-CN" dirty="0">
+                <a:hlinkClick r:id="rId5"/>
+              </a:rPr>
+              <a:t>https://dev.aliyun.com/search.html</a:t>
+            </a:r>
+            <a:endParaRPr kumimoji="1" lang="en-US" altLang="zh-CN" dirty="0" smtClean="0"/>
+          </a:p>
+          <a:p>
+            <a:pPr marL="285750" indent="-285750">
+              <a:buFont typeface="Wingdings" charset="2"/>
+              <a:buChar char="l"/>
+            </a:pPr>
+            <a:endParaRPr kumimoji="1" lang="en-US" altLang="zh-CN" dirty="0"/>
+          </a:p>
+          <a:p>
+            <a:pPr marL="285750" indent="-285750">
+              <a:buFont typeface="Wingdings" charset="2"/>
+              <a:buChar char="l"/>
+            </a:pPr>
+            <a:r>
+              <a:rPr kumimoji="1" lang="en-US" altLang="zh-CN" dirty="0" err="1" smtClean="0"/>
+              <a:t>DaoCloud</a:t>
+            </a:r>
+            <a:r>
+              <a:rPr kumimoji="1" lang="zh-CN" altLang="en-US" dirty="0" smtClean="0"/>
+              <a:t>镜像仓库：</a:t>
+            </a:r>
+            <a:r>
+              <a:rPr kumimoji="1" lang="en-US" altLang="zh-CN" dirty="0">
+                <a:hlinkClick r:id="rId6"/>
+              </a:rPr>
+              <a:t>https://</a:t>
+            </a:r>
+            <a:r>
+              <a:rPr kumimoji="1" lang="en-US" altLang="zh-CN" dirty="0" smtClean="0">
+                <a:hlinkClick r:id="rId6"/>
+              </a:rPr>
+              <a:t>dashboard.daocloud.io/packages/explore</a:t>
+            </a:r>
+            <a:endParaRPr kumimoji="1" lang="en-US" altLang="zh-CN" dirty="0" smtClean="0"/>
+          </a:p>
+          <a:p>
+            <a:pPr marL="285750" indent="-285750">
+              <a:buFont typeface="Wingdings" charset="2"/>
+              <a:buChar char="l"/>
+            </a:pPr>
+            <a:endParaRPr kumimoji="1" lang="en-US" altLang="zh-CN" dirty="0"/>
+          </a:p>
+          <a:p>
+            <a:pPr marL="285750" indent="-285750">
+              <a:buFont typeface="Wingdings" charset="2"/>
+              <a:buChar char="l"/>
+            </a:pPr>
+            <a:r>
+              <a:rPr kumimoji="1" lang="zh-CN" altLang="en-US" dirty="0" smtClean="0"/>
+              <a:t>其他镜像仓库：</a:t>
+            </a:r>
+            <a:r>
+              <a:rPr kumimoji="1" lang="en-US" altLang="zh-CN" dirty="0" smtClean="0"/>
+              <a:t>AWS</a:t>
+            </a:r>
+            <a:r>
+              <a:rPr kumimoji="1" lang="zh-CN" altLang="en-US" dirty="0" smtClean="0"/>
+              <a:t>、腾讯云、华为云等</a:t>
+            </a:r>
+            <a:endParaRPr kumimoji="1" lang="en-US" altLang="zh-CN" dirty="0" smtClean="0"/>
+          </a:p>
+          <a:p>
+            <a:pPr marL="285750" indent="-285750">
+              <a:buFont typeface="Wingdings" charset="2"/>
+              <a:buChar char="l"/>
+            </a:pPr>
+            <a:endParaRPr kumimoji="1" lang="en-US" altLang="zh-CN" dirty="0" smtClean="0"/>
+          </a:p>
+        </p:txBody>
+      </p:sp>
+      <p:sp>
+        <p:nvSpPr>
+          <p:cNvPr id="2" name="文本框 1"/>
+          <p:cNvSpPr txBox="1"/>
+          <p:nvPr/>
+        </p:nvSpPr>
+        <p:spPr>
+          <a:xfrm>
+            <a:off x="467544" y="5139194"/>
+            <a:ext cx="7128792" cy="1200329"/>
+          </a:xfrm>
+          <a:prstGeom prst="rect">
+            <a:avLst/>
+          </a:prstGeom>
+          <a:noFill/>
+        </p:spPr>
+        <p:txBody>
+          <a:bodyPr wrap="square" rtlCol="0">
+            <a:spAutoFit/>
+          </a:bodyPr>
+          <a:lstStyle/>
+          <a:p>
+            <a:r>
+              <a:rPr kumimoji="1" lang="zh-CN" altLang="en-US" dirty="0" smtClean="0"/>
+              <a:t>修改本地镜像仓库源：修改 </a:t>
+            </a:r>
+            <a:r>
+              <a:rPr lang="en-US" altLang="zh-CN" dirty="0"/>
+              <a:t>/</a:t>
+            </a:r>
+            <a:r>
+              <a:rPr lang="en-US" altLang="zh-CN" dirty="0" err="1" smtClean="0"/>
+              <a:t>etc</a:t>
+            </a:r>
+            <a:r>
+              <a:rPr lang="en-US" altLang="zh-CN" dirty="0" smtClean="0"/>
+              <a:t>/</a:t>
+            </a:r>
+            <a:r>
+              <a:rPr lang="en-US" altLang="zh-CN" dirty="0" err="1" smtClean="0"/>
+              <a:t>docker</a:t>
+            </a:r>
+            <a:r>
+              <a:rPr lang="en-US" altLang="zh-CN" dirty="0" smtClean="0"/>
+              <a:t>/</a:t>
+            </a:r>
+            <a:r>
+              <a:rPr lang="en-US" altLang="zh-CN" dirty="0" err="1" smtClean="0"/>
+              <a:t>daemon.json</a:t>
+            </a:r>
+            <a:endParaRPr lang="en-US" altLang="zh-CN" dirty="0" smtClean="0"/>
+          </a:p>
+          <a:p>
+            <a:r>
+              <a:rPr lang="en-US" altLang="zh-CN" dirty="0"/>
+              <a:t>{</a:t>
+            </a:r>
+            <a:br>
+              <a:rPr lang="en-US" altLang="zh-CN" dirty="0"/>
+            </a:br>
+            <a:r>
+              <a:rPr lang="en-US" altLang="zh-CN" dirty="0"/>
+              <a:t>  "registry-mirrors": ["https</a:t>
+            </a:r>
+            <a:r>
+              <a:rPr lang="en-US" altLang="zh-CN" dirty="0" smtClean="0"/>
+              <a:t>://</a:t>
+            </a:r>
+            <a:r>
+              <a:rPr lang="en-US" altLang="zh-CN" dirty="0" err="1" smtClean="0"/>
+              <a:t>XXXX.com</a:t>
+            </a:r>
+            <a:r>
+              <a:rPr lang="en-US" altLang="zh-CN" dirty="0" smtClean="0"/>
+              <a:t>"]</a:t>
+            </a:r>
+            <a:r>
+              <a:rPr lang="en-US" altLang="zh-CN" dirty="0"/>
+              <a:t/>
+            </a:r>
+            <a:br>
+              <a:rPr lang="en-US" altLang="zh-CN" dirty="0"/>
+            </a:br>
+            <a:r>
+              <a:rPr lang="en-US" altLang="zh-CN" dirty="0"/>
+              <a:t>}</a:t>
+            </a:r>
+            <a:endParaRPr kumimoji="1" lang="zh-CN" altLang="en-US" dirty="0"/>
+          </a:p>
+        </p:txBody>
+      </p:sp>
+    </p:spTree>
+    <p:extLst>
+      <p:ext uri="{BB962C8B-B14F-4D97-AF65-F5344CB8AC3E}">
+        <p14:creationId xmlns:p14="http://schemas.microsoft.com/office/powerpoint/2010/main" val="154152987"/>
+      </p:ext>
+    </p:extLst>
+  </p:cSld>
+  <p:clrMapOvr>
+    <a:masterClrMapping/>
+  </p:clrMapOvr>
+  <p:timing>
+    <p:tnLst>
+      <p:par>
+        <p:cTn id="1" dur="indefinite" restart="never" nodeType="tmRoot">
+          <p:childTnLst>
+            <p:seq concurrent="1" nextAc="seek">
+              <p:cTn id="2" dur="indefinite" nodeType="mainSeq">
+                <p:childTnLst>
+                  <p:par>
+                    <p:cTn id="3" fill="hold">
+                      <p:stCondLst>
+                        <p:cond delay="indefinite"/>
+                      </p:stCondLst>
+                      <p:childTnLst>
+                        <p:par>
+                          <p:cTn id="4" fill="hold">
+                            <p:stCondLst>
+                              <p:cond delay="0"/>
+                            </p:stCondLst>
+                            <p:childTnLst>
+                              <p:par>
+                                <p:cTn id="5" presetID="3" presetClass="entr" presetSubtype="10" fill="hold" grpId="0" nodeType="clickEffect">
+                                  <p:stCondLst>
+                                    <p:cond delay="0"/>
+                                  </p:stCondLst>
+                                  <p:childTnLst>
+                                    <p:set>
+                                      <p:cBhvr>
+                                        <p:cTn id="6" dur="1" fill="hold">
+                                          <p:stCondLst>
+                                            <p:cond delay="0"/>
+                                          </p:stCondLst>
+                                        </p:cTn>
+                                        <p:tgtEl>
+                                          <p:spTgt spid="3"/>
+                                        </p:tgtEl>
+                                        <p:attrNameLst>
+                                          <p:attrName>style.visibility</p:attrName>
+                                        </p:attrNameLst>
+                                      </p:cBhvr>
+                                      <p:to>
+                                        <p:strVal val="visible"/>
+                                      </p:to>
+                                    </p:set>
+                                    <p:animEffect transition="in" filter="blinds(horizontal)">
+                                      <p:cBhvr>
+                                        <p:cTn id="7" dur="500"/>
+                                        <p:tgtEl>
+                                          <p:spTgt spid="3"/>
+                                        </p:tgtEl>
+                                      </p:cBhvr>
+                                    </p:animEffect>
+                                  </p:childTnLst>
+                                </p:cTn>
+                              </p:par>
+                            </p:childTnLst>
+                          </p:cTn>
+                        </p:par>
+                      </p:childTnLst>
+                    </p:cTn>
+                  </p:par>
+                  <p:par>
+                    <p:cTn id="8" fill="hold">
+                      <p:stCondLst>
+                        <p:cond delay="indefinite"/>
+                      </p:stCondLst>
+                      <p:childTnLst>
+                        <p:par>
+                          <p:cTn id="9" fill="hold">
+                            <p:stCondLst>
+                              <p:cond delay="0"/>
+                            </p:stCondLst>
+                            <p:childTnLst>
+                              <p:par>
+                                <p:cTn id="10" presetID="3" presetClass="entr" presetSubtype="10" fill="hold" grpId="0" nodeType="clickEffect">
+                                  <p:stCondLst>
+                                    <p:cond delay="0"/>
+                                  </p:stCondLst>
+                                  <p:childTnLst>
+                                    <p:set>
+                                      <p:cBhvr>
+                                        <p:cTn id="11" dur="1" fill="hold">
+                                          <p:stCondLst>
+                                            <p:cond delay="0"/>
+                                          </p:stCondLst>
+                                        </p:cTn>
+                                        <p:tgtEl>
+                                          <p:spTgt spid="4"/>
+                                        </p:tgtEl>
+                                        <p:attrNameLst>
+                                          <p:attrName>style.visibility</p:attrName>
+                                        </p:attrNameLst>
+                                      </p:cBhvr>
+                                      <p:to>
+                                        <p:strVal val="visible"/>
+                                      </p:to>
+                                    </p:set>
+                                    <p:animEffect transition="in" filter="blinds(horizontal)">
+                                      <p:cBhvr>
+                                        <p:cTn id="12" dur="500"/>
+                                        <p:tgtEl>
+                                          <p:spTgt spid="4"/>
+                                        </p:tgtEl>
+                                      </p:cBhvr>
+                                    </p:animEffect>
+                                  </p:childTnLst>
+                                </p:cTn>
+                              </p:par>
+                            </p:childTnLst>
+                          </p:cTn>
+                        </p:par>
+                      </p:childTnLst>
+                    </p:cTn>
+                  </p:par>
+                  <p:par>
+                    <p:cTn id="13" fill="hold">
+                      <p:stCondLst>
+                        <p:cond delay="indefinite"/>
+                      </p:stCondLst>
+                      <p:childTnLst>
+                        <p:par>
+                          <p:cTn id="14" fill="hold">
+                            <p:stCondLst>
+                              <p:cond delay="0"/>
+                            </p:stCondLst>
+                            <p:childTnLst>
+                              <p:par>
+                                <p:cTn id="15" presetID="3" presetClass="entr" presetSubtype="10" fill="hold" grpId="0" nodeType="clickEffect">
+                                  <p:stCondLst>
+                                    <p:cond delay="0"/>
+                                  </p:stCondLst>
+                                  <p:childTnLst>
+                                    <p:set>
+                                      <p:cBhvr>
+                                        <p:cTn id="16" dur="1" fill="hold">
+                                          <p:stCondLst>
+                                            <p:cond delay="0"/>
+                                          </p:stCondLst>
+                                        </p:cTn>
+                                        <p:tgtEl>
+                                          <p:spTgt spid="2"/>
+                                        </p:tgtEl>
+                                        <p:attrNameLst>
+                                          <p:attrName>style.visibility</p:attrName>
+                                        </p:attrNameLst>
+                                      </p:cBhvr>
+                                      <p:to>
+                                        <p:strVal val="visible"/>
+                                      </p:to>
+                                    </p:set>
+                                    <p:animEffect transition="in" filter="blinds(horizontal)">
+                                      <p:cBhvr>
+                                        <p:cTn id="17" dur="500"/>
+                                        <p:tgtEl>
+                                          <p:spTgt spid="2"/>
+                                        </p:tgtEl>
+                                      </p:cBhvr>
+                                    </p:animEffect>
+                                  </p:childTnLst>
+                                </p:cTn>
+                              </p:par>
+                            </p:childTnLst>
+                          </p:cTn>
+                        </p:par>
+                      </p:childTnLst>
+                    </p:cTn>
+                  </p:par>
+                </p:childTnLst>
+              </p:cTn>
+              <p:prevCondLst>
+                <p:cond evt="onPrev" delay="0">
+                  <p:tgtEl>
+                    <p:sldTgt/>
+                  </p:tgtEl>
+                </p:cond>
+              </p:prevCondLst>
+              <p:nextCondLst>
+                <p:cond evt="onNext" delay="0">
+                  <p:tgtEl>
+                    <p:sldTgt/>
+                  </p:tgtEl>
+                </p:cond>
+              </p:nextCondLst>
+            </p:seq>
+          </p:childTnLst>
+        </p:cTn>
+      </p:par>
+    </p:tnLst>
+    <p:bldLst>
+      <p:bldP spid="3" grpId="0"/>
+      <p:bldP spid="4" grpId="0"/>
+      <p:bldP spid="2" grpId="0"/>
+    </p:bldLst>
+  </p:timing>
+</p:sld>
+</file>
+
+<file path=ppt/slides/slide13.xml><?xml version="1.0" encoding="utf-8"?>
+<p:sld xmlns:a="http://schemas.openxmlformats.org/drawingml/2006/main" xmlns:r="http://schemas.openxmlformats.org/officeDocument/2006/relationships" xmlns:p="http://schemas.openxmlformats.org/presentationml/2006/main">
+  <p:cSld>
+    <p:bg>
+      <p:bgPr>
+        <a:blipFill dpi="0" rotWithShape="1">
+          <a:blip r:embed="rId2">
+            <a:lum/>
+          </a:blip>
+          <a:srcRect/>
+          <a:stretch>
+            <a:fillRect/>
+          </a:stretch>
+        </a:blipFill>
+        <a:effectLst/>
+      </p:bgPr>
+    </p:bg>
+    <p:spTree>
+      <p:nvGrpSpPr>
+        <p:cNvPr id="1" name=""/>
+        <p:cNvGrpSpPr/>
+        <p:nvPr/>
+      </p:nvGrpSpPr>
+      <p:grpSpPr>
+        <a:xfrm>
+          <a:off x="0" y="0"/>
+          <a:ext cx="0" cy="0"/>
+          <a:chOff x="0" y="0"/>
+          <a:chExt cx="0" cy="0"/>
+        </a:xfrm>
+      </p:grpSpPr>
+      <p:sp>
+        <p:nvSpPr>
           <p:cNvPr id="26" name="矩形 25"/>
           <p:cNvSpPr/>
           <p:nvPr/>
@@ -3390,7 +4784,7 @@
 </p:sld>
 </file>
 
-<file path=ppt/slides/slide11.xml><?xml version="1.0" encoding="utf-8"?>
+<file path=ppt/slides/slide14.xml><?xml version="1.0" encoding="utf-8"?>
 <p:sld xmlns:a="http://schemas.openxmlformats.org/drawingml/2006/main" xmlns:r="http://schemas.openxmlformats.org/officeDocument/2006/relationships" xmlns:p="http://schemas.openxmlformats.org/presentationml/2006/main">
   <p:cSld>
     <p:bg>
@@ -3698,7 +5092,7 @@
 </p:sld>
 </file>
 
-<file path=ppt/slides/slide12.xml><?xml version="1.0" encoding="utf-8"?>
+<file path=ppt/slides/slide15.xml><?xml version="1.0" encoding="utf-8"?>
 <p:sld xmlns:a="http://schemas.openxmlformats.org/drawingml/2006/main" xmlns:r="http://schemas.openxmlformats.org/officeDocument/2006/relationships" xmlns:p="http://schemas.openxmlformats.org/presentationml/2006/main">
   <p:cSld>
     <p:bg>
@@ -3759,7 +5153,29 @@
                   </a:schemeClr>
                 </a:solidFill>
               </a:rPr>
-              <a:t>自定义镜像</a:t>
+              <a:t>自</a:t>
+            </a:r>
+            <a:r>
+              <a:rPr lang="zh-CN" altLang="en-US" sz="2400" b="1" dirty="0" smtClean="0">
+                <a:solidFill>
+                  <a:schemeClr val="tx1">
+                    <a:lumMod val="75000"/>
+                    <a:lumOff val="25000"/>
+                  </a:schemeClr>
+                </a:solidFill>
+              </a:rPr>
+              <a:t>定义</a:t>
+            </a:r>
+            <a:r>
+              <a:rPr lang="en-US" altLang="zh-CN" sz="2400" b="1" dirty="0" err="1" smtClean="0">
+                <a:solidFill>
+                  <a:schemeClr val="tx1">
+                    <a:lumMod val="75000"/>
+                    <a:lumOff val="25000"/>
+                  </a:schemeClr>
+                </a:solidFill>
+              </a:rPr>
+              <a:t>Dockerfile</a:t>
             </a:r>
             <a:endParaRPr lang="zh-CN" altLang="en-US" sz="2400" dirty="0">
               <a:solidFill>
@@ -3794,7 +5210,7 @@
 </p:sld>
 </file>
 
-<file path=ppt/slides/slide13.xml><?xml version="1.0" encoding="utf-8"?>
+<file path=ppt/slides/slide16.xml><?xml version="1.0" encoding="utf-8"?>
 <p:sld xmlns:a="http://schemas.openxmlformats.org/drawingml/2006/main" xmlns:r="http://schemas.openxmlformats.org/officeDocument/2006/relationships" xmlns:p="http://schemas.openxmlformats.org/presentationml/2006/main">
   <p:cSld>
     <p:bg>
@@ -3984,7 +5400,7 @@
 </p:sld>
 </file>
 
-<file path=ppt/slides/slide14.xml><?xml version="1.0" encoding="utf-8"?>
+<file path=ppt/slides/slide17.xml><?xml version="1.0" encoding="utf-8"?>
 <p:sld xmlns:a="http://schemas.openxmlformats.org/drawingml/2006/main" xmlns:r="http://schemas.openxmlformats.org/officeDocument/2006/relationships" xmlns:p="http://schemas.openxmlformats.org/presentationml/2006/main">
   <p:cSld>
     <p:bg>
@@ -5033,8 +6449,8 @@
         </p:nvSpPr>
         <p:spPr>
           <a:xfrm>
-            <a:off x="5076057" y="883672"/>
-            <a:ext cx="3600400" cy="3375283"/>
+            <a:off x="5076056" y="815528"/>
+            <a:ext cx="3910470" cy="5945217"/>
           </a:xfrm>
           <a:prstGeom prst="rect">
             <a:avLst/>
@@ -5055,39 +6471,144 @@
               </a:spcBef>
             </a:pPr>
             <a:r>
-              <a:rPr lang="en-US" altLang="zh-CN" b="1" dirty="0"/>
+              <a:rPr lang="en-US" altLang="zh-CN" sz="1400" b="1" dirty="0"/>
               <a:t>Docker</a:t>
             </a:r>
             <a:r>
-              <a:rPr lang="zh-CN" altLang="en-US" dirty="0"/>
+              <a:rPr lang="zh-CN" altLang="en-US" sz="1400" dirty="0"/>
               <a:t> 是一个开源的应用容器引擎， 可以自动化地部署应用到可移植的的容器中， 这些容器独立于硬件、语言、框架、打包系统。一个标准的 </a:t>
             </a:r>
             <a:r>
-              <a:rPr lang="en-US" altLang="zh-CN" dirty="0"/>
+              <a:rPr lang="en-US" altLang="zh-CN" sz="1400" dirty="0"/>
               <a:t>Docker </a:t>
             </a:r>
             <a:r>
-              <a:rPr lang="zh-CN" altLang="en-US" dirty="0"/>
+              <a:rPr lang="zh-CN" altLang="en-US" sz="1400" dirty="0"/>
               <a:t>容器包含一个软件组件及其所有的依赖 </a:t>
             </a:r>
             <a:r>
-              <a:rPr lang="en-US" altLang="zh-CN" dirty="0"/>
+              <a:rPr lang="en-US" altLang="zh-CN" sz="1400" dirty="0"/>
               <a:t>——</a:t>
             </a:r>
             <a:r>
-              <a:rPr lang="zh-CN" altLang="en-US" dirty="0"/>
-              <a:t>二进制文件，库，配置文件，脚本等等。</a:t>
-            </a:r>
-            <a:endParaRPr lang="zh-CN" altLang="en-US" u="sng" dirty="0">
-              <a:solidFill>
-                <a:schemeClr val="tx1">
-                  <a:lumMod val="75000"/>
-                  <a:lumOff val="25000"/>
-                </a:schemeClr>
-              </a:solidFill>
-              <a:latin typeface="微软雅黑" panose="020B0503020204020204" pitchFamily="34" charset="-122"/>
-              <a:ea typeface="微软雅黑" panose="020B0503020204020204" pitchFamily="34" charset="-122"/>
-            </a:endParaRPr>
+              <a:rPr lang="zh-CN" altLang="en-US" sz="1400" dirty="0"/>
+              <a:t>二进制文件，库，配置文件，脚本等等</a:t>
+            </a:r>
+            <a:r>
+              <a:rPr lang="zh-CN" altLang="en-US" sz="1400" dirty="0" smtClean="0"/>
+              <a:t>。</a:t>
+            </a:r>
+            <a:endParaRPr lang="en-US" altLang="zh-CN" sz="1400" dirty="0" smtClean="0"/>
+          </a:p>
+          <a:p>
+            <a:pPr eaLnBrk="0" hangingPunct="0">
+              <a:lnSpc>
+                <a:spcPts val="3200"/>
+              </a:lnSpc>
+              <a:spcBef>
+                <a:spcPct val="50000"/>
+              </a:spcBef>
+            </a:pPr>
+            <a:r>
+              <a:rPr lang="en-US" altLang="zh-CN" sz="1400" dirty="0"/>
+              <a:t>Docker</a:t>
+            </a:r>
+            <a:r>
+              <a:rPr lang="zh-CN" altLang="en-US" sz="1400" dirty="0"/>
+              <a:t>是</a:t>
+            </a:r>
+            <a:r>
+              <a:rPr lang="en-US" altLang="zh-CN" sz="1400" dirty="0" err="1"/>
+              <a:t>DotCloud</a:t>
+            </a:r>
+            <a:r>
+              <a:rPr lang="zh-CN" altLang="en-US" sz="1400" dirty="0"/>
+              <a:t>开源的、可以将任何应用包装在</a:t>
+            </a:r>
+            <a:r>
+              <a:rPr lang="en-US" altLang="zh-CN" sz="1400" dirty="0"/>
+              <a:t>Linux container</a:t>
+            </a:r>
+            <a:r>
+              <a:rPr lang="zh-CN" altLang="en-US" sz="1400" dirty="0"/>
+              <a:t>中运行的</a:t>
+            </a:r>
+            <a:r>
+              <a:rPr lang="zh-CN" altLang="en-US" sz="1400" dirty="0" smtClean="0"/>
+              <a:t>工具。</a:t>
+            </a:r>
+            <a:r>
+              <a:rPr lang="en-US" altLang="zh-CN" sz="1400" dirty="0" smtClean="0"/>
+              <a:t>Docker</a:t>
+            </a:r>
+            <a:r>
+              <a:rPr lang="zh-CN" altLang="en-US" sz="1400" dirty="0"/>
+              <a:t>基于</a:t>
+            </a:r>
+            <a:r>
+              <a:rPr lang="en-US" altLang="zh-CN" sz="1400" dirty="0"/>
+              <a:t>Go</a:t>
+            </a:r>
+            <a:r>
+              <a:rPr lang="zh-CN" altLang="en-US" sz="1400" dirty="0"/>
+              <a:t>语言开发，代码托管在</a:t>
+            </a:r>
+            <a:r>
+              <a:rPr lang="en-US" altLang="zh-CN" sz="1400" dirty="0" err="1"/>
+              <a:t>Github</a:t>
+            </a:r>
+            <a:r>
+              <a:rPr lang="zh-CN" altLang="en-US" sz="1400" dirty="0"/>
+              <a:t>上，目前超过</a:t>
+            </a:r>
+            <a:r>
+              <a:rPr lang="en-US" altLang="zh-CN" sz="1400" dirty="0"/>
+              <a:t>10000</a:t>
+            </a:r>
+            <a:r>
+              <a:rPr lang="zh-CN" altLang="en-US" sz="1400" dirty="0"/>
+              <a:t>次</a:t>
+            </a:r>
+            <a:r>
+              <a:rPr lang="en-US" altLang="zh-CN" sz="1400" dirty="0"/>
+              <a:t>commit</a:t>
+            </a:r>
+            <a:r>
+              <a:rPr lang="zh-CN" altLang="en-US" sz="1400" dirty="0" smtClean="0"/>
+              <a:t>。基于</a:t>
+            </a:r>
+            <a:r>
+              <a:rPr lang="en-US" altLang="zh-CN" sz="1400" dirty="0"/>
+              <a:t>Docker</a:t>
+            </a:r>
+            <a:r>
+              <a:rPr lang="zh-CN" altLang="en-US" sz="1400" dirty="0"/>
+              <a:t>的沙箱环境可以实现轻型隔离，多个容器间不会相互影响；</a:t>
+            </a:r>
+            <a:r>
+              <a:rPr lang="en-US" altLang="zh-CN" sz="1400" dirty="0"/>
+              <a:t>Docker</a:t>
+            </a:r>
+            <a:r>
+              <a:rPr lang="zh-CN" altLang="en-US" sz="1400" dirty="0"/>
+              <a:t>可以自动化打包和部署任何应用，方便地创建一个轻量级私有</a:t>
+            </a:r>
+            <a:r>
+              <a:rPr lang="en-US" altLang="zh-CN" sz="1400" dirty="0" err="1"/>
+              <a:t>PaaS</a:t>
+            </a:r>
+            <a:r>
+              <a:rPr lang="zh-CN" altLang="en-US" sz="1400" dirty="0"/>
+              <a:t>云，也可以用于搭建开发测试环境以及部署可扩展的</a:t>
+            </a:r>
+            <a:r>
+              <a:rPr lang="en-US" altLang="zh-CN" sz="1400" dirty="0"/>
+              <a:t>web</a:t>
+            </a:r>
+            <a:r>
+              <a:rPr lang="zh-CN" altLang="en-US" sz="1400" dirty="0"/>
+              <a:t>应用等。</a:t>
+            </a:r>
           </a:p>
         </p:txBody>
       </p:sp>
@@ -5312,11 +6833,990 @@
           <a:chExt cx="0" cy="0"/>
         </a:xfrm>
       </p:grpSpPr>
+      <p:sp>
+        <p:nvSpPr>
+          <p:cNvPr id="2" name="矩形 1"/>
+          <p:cNvSpPr/>
+          <p:nvPr/>
+        </p:nvSpPr>
+        <p:spPr>
+          <a:xfrm>
+            <a:off x="0" y="836712"/>
+            <a:ext cx="9144000" cy="4893647"/>
+          </a:xfrm>
+          <a:prstGeom prst="rect">
+            <a:avLst/>
+          </a:prstGeom>
+        </p:spPr>
+        <p:txBody>
+          <a:bodyPr wrap="square">
+            <a:spAutoFit/>
+          </a:bodyPr>
+          <a:lstStyle/>
+          <a:p>
+            <a:r>
+              <a:rPr lang="en-US" altLang="zh-CN" sz="2400" dirty="0">
+                <a:solidFill>
+                  <a:srgbClr val="222222"/>
+                </a:solidFill>
+                <a:latin typeface="PingFang SC" charset="-122"/>
+              </a:rPr>
+              <a:t> </a:t>
+            </a:r>
+            <a:r>
+              <a:rPr lang="en-US" altLang="zh-CN" sz="2400" dirty="0" smtClean="0">
+                <a:solidFill>
+                  <a:srgbClr val="222222"/>
+                </a:solidFill>
+                <a:latin typeface="PingFang SC" charset="-122"/>
+              </a:rPr>
+              <a:t>     Docker </a:t>
+            </a:r>
+            <a:r>
+              <a:rPr lang="zh-CN" altLang="en-US" sz="2400" dirty="0">
+                <a:solidFill>
+                  <a:srgbClr val="222222"/>
+                </a:solidFill>
+                <a:latin typeface="PingFang SC" charset="-122"/>
+              </a:rPr>
+              <a:t>属于 </a:t>
+            </a:r>
+            <a:r>
+              <a:rPr lang="en-US" altLang="zh-CN" sz="2400" dirty="0">
+                <a:solidFill>
+                  <a:srgbClr val="222222"/>
+                </a:solidFill>
+                <a:latin typeface="PingFang SC" charset="-122"/>
+              </a:rPr>
+              <a:t>Linux </a:t>
+            </a:r>
+            <a:r>
+              <a:rPr lang="zh-CN" altLang="en-US" sz="2400" dirty="0">
+                <a:solidFill>
+                  <a:srgbClr val="222222"/>
+                </a:solidFill>
+                <a:latin typeface="PingFang SC" charset="-122"/>
+              </a:rPr>
+              <a:t>容器的一种封装，提供简单易用的容器使用接口。它是目前最流行的 </a:t>
+            </a:r>
+            <a:r>
+              <a:rPr lang="en-US" altLang="zh-CN" sz="2400" dirty="0">
+                <a:solidFill>
+                  <a:srgbClr val="222222"/>
+                </a:solidFill>
+                <a:latin typeface="PingFang SC" charset="-122"/>
+              </a:rPr>
+              <a:t>Linux </a:t>
+            </a:r>
+            <a:r>
+              <a:rPr lang="zh-CN" altLang="en-US" sz="2400" dirty="0">
+                <a:solidFill>
+                  <a:srgbClr val="222222"/>
+                </a:solidFill>
+                <a:latin typeface="PingFang SC" charset="-122"/>
+              </a:rPr>
+              <a:t>容器解决方案</a:t>
+            </a:r>
+            <a:r>
+              <a:rPr lang="zh-CN" altLang="en-US" sz="2400" dirty="0" smtClean="0">
+                <a:solidFill>
+                  <a:srgbClr val="222222"/>
+                </a:solidFill>
+                <a:latin typeface="PingFang SC" charset="-122"/>
+              </a:rPr>
+              <a:t>。而 </a:t>
+            </a:r>
+            <a:r>
+              <a:rPr lang="en-US" altLang="zh-CN" sz="2400" dirty="0">
+                <a:solidFill>
+                  <a:srgbClr val="222222"/>
+                </a:solidFill>
+                <a:latin typeface="PingFang SC" charset="-122"/>
+              </a:rPr>
+              <a:t>Linux </a:t>
+            </a:r>
+            <a:r>
+              <a:rPr lang="zh-CN" altLang="en-US" sz="2400" dirty="0">
+                <a:solidFill>
+                  <a:srgbClr val="222222"/>
+                </a:solidFill>
+                <a:latin typeface="PingFang SC" charset="-122"/>
+              </a:rPr>
+              <a:t>容器是 </a:t>
+            </a:r>
+            <a:r>
+              <a:rPr lang="en-US" altLang="zh-CN" sz="2400" dirty="0">
+                <a:solidFill>
+                  <a:srgbClr val="222222"/>
+                </a:solidFill>
+                <a:latin typeface="PingFang SC" charset="-122"/>
+              </a:rPr>
+              <a:t>Linux </a:t>
+            </a:r>
+            <a:r>
+              <a:rPr lang="zh-CN" altLang="en-US" sz="2400" dirty="0">
+                <a:solidFill>
+                  <a:srgbClr val="222222"/>
+                </a:solidFill>
+                <a:latin typeface="PingFang SC" charset="-122"/>
+              </a:rPr>
+              <a:t>发展出的另一种虚拟化技术，简单来讲， </a:t>
+            </a:r>
+            <a:r>
+              <a:rPr lang="en-US" altLang="zh-CN" sz="2400" dirty="0">
+                <a:solidFill>
+                  <a:srgbClr val="222222"/>
+                </a:solidFill>
+                <a:latin typeface="PingFang SC" charset="-122"/>
+              </a:rPr>
+              <a:t>Linux </a:t>
+            </a:r>
+            <a:r>
+              <a:rPr lang="zh-CN" altLang="en-US" sz="2400" dirty="0">
+                <a:solidFill>
+                  <a:srgbClr val="222222"/>
+                </a:solidFill>
+                <a:latin typeface="PingFang SC" charset="-122"/>
+              </a:rPr>
+              <a:t>容器不是模拟一个完整的操作系统，而是对进程进行隔离，相当于是在正常进程的外面套了一个保护层</a:t>
+            </a:r>
+            <a:r>
+              <a:rPr lang="zh-CN" altLang="en-US" sz="2400" dirty="0" smtClean="0">
+                <a:solidFill>
+                  <a:srgbClr val="222222"/>
+                </a:solidFill>
+                <a:latin typeface="PingFang SC" charset="-122"/>
+              </a:rPr>
+              <a:t>。对于</a:t>
+            </a:r>
+            <a:r>
+              <a:rPr lang="zh-CN" altLang="en-US" sz="2400" dirty="0">
+                <a:solidFill>
+                  <a:srgbClr val="222222"/>
+                </a:solidFill>
+                <a:latin typeface="PingFang SC" charset="-122"/>
+              </a:rPr>
+              <a:t>容器里面的进程来说，它接触到的各种资源都是虚拟的，从而实现与底层系统的隔离</a:t>
+            </a:r>
+            <a:r>
+              <a:rPr lang="zh-CN" altLang="en-US" sz="2400" dirty="0" smtClean="0">
+                <a:solidFill>
+                  <a:srgbClr val="222222"/>
+                </a:solidFill>
+                <a:latin typeface="PingFang SC" charset="-122"/>
+              </a:rPr>
+              <a:t>。</a:t>
+            </a:r>
+            <a:r>
+              <a:rPr lang="en-US" altLang="zh-CN" sz="2400" dirty="0" smtClean="0">
+                <a:solidFill>
+                  <a:srgbClr val="222222"/>
+                </a:solidFill>
+                <a:latin typeface="PingFang SC" charset="-122"/>
+              </a:rPr>
+              <a:t>Docker </a:t>
+            </a:r>
+            <a:r>
+              <a:rPr lang="zh-CN" altLang="en-US" sz="2400" dirty="0">
+                <a:solidFill>
+                  <a:srgbClr val="222222"/>
+                </a:solidFill>
+                <a:latin typeface="PingFang SC" charset="-122"/>
+              </a:rPr>
+              <a:t>将应用程序与该程序的依赖，打包在一个文件里面。运行这个文件，就会生成一个虚拟容器</a:t>
+            </a:r>
+            <a:r>
+              <a:rPr lang="zh-CN" altLang="en-US" sz="2400" dirty="0" smtClean="0">
+                <a:solidFill>
+                  <a:srgbClr val="222222"/>
+                </a:solidFill>
+                <a:latin typeface="PingFang SC" charset="-122"/>
+              </a:rPr>
+              <a:t>。程序</a:t>
+            </a:r>
+            <a:r>
+              <a:rPr lang="zh-CN" altLang="en-US" sz="2400" dirty="0">
+                <a:solidFill>
+                  <a:srgbClr val="222222"/>
+                </a:solidFill>
+                <a:latin typeface="PingFang SC" charset="-122"/>
+              </a:rPr>
+              <a:t>在这个虚拟容器里运行，就好像在真实的物理机上运行一样。有了 </a:t>
+            </a:r>
+            <a:r>
+              <a:rPr lang="en-US" altLang="zh-CN" sz="2400" dirty="0">
+                <a:solidFill>
+                  <a:srgbClr val="222222"/>
+                </a:solidFill>
+                <a:latin typeface="PingFang SC" charset="-122"/>
+              </a:rPr>
+              <a:t>Docker </a:t>
+            </a:r>
+            <a:r>
+              <a:rPr lang="zh-CN" altLang="en-US" sz="2400" dirty="0">
+                <a:solidFill>
+                  <a:srgbClr val="222222"/>
+                </a:solidFill>
+                <a:latin typeface="PingFang SC" charset="-122"/>
+              </a:rPr>
+              <a:t>，就不用担心环境问题</a:t>
+            </a:r>
+            <a:r>
+              <a:rPr lang="zh-CN" altLang="en-US" sz="2400" dirty="0" smtClean="0">
+                <a:solidFill>
+                  <a:srgbClr val="222222"/>
+                </a:solidFill>
+                <a:latin typeface="PingFang SC" charset="-122"/>
+              </a:rPr>
+              <a:t>。</a:t>
+            </a:r>
+            <a:endParaRPr lang="en-US" altLang="zh-CN" sz="2400" dirty="0" smtClean="0">
+              <a:solidFill>
+                <a:srgbClr val="222222"/>
+              </a:solidFill>
+              <a:latin typeface="PingFang SC" charset="-122"/>
+            </a:endParaRPr>
+          </a:p>
+          <a:p>
+            <a:endParaRPr lang="en-US" altLang="zh-CN" sz="2400" dirty="0">
+              <a:solidFill>
+                <a:srgbClr val="222222"/>
+              </a:solidFill>
+              <a:latin typeface="PingFang SC" charset="-122"/>
+            </a:endParaRPr>
+          </a:p>
+          <a:p>
+            <a:r>
+              <a:rPr lang="en-US" altLang="zh-CN" sz="2400" dirty="0" smtClean="0">
+                <a:solidFill>
+                  <a:srgbClr val="222222"/>
+                </a:solidFill>
+                <a:latin typeface="PingFang SC" charset="-122"/>
+              </a:rPr>
+              <a:t>      </a:t>
+            </a:r>
+            <a:r>
+              <a:rPr lang="zh-CN" altLang="en-US" sz="2400" dirty="0" smtClean="0">
+                <a:solidFill>
+                  <a:srgbClr val="222222"/>
+                </a:solidFill>
+                <a:latin typeface="PingFang SC" charset="-122"/>
+              </a:rPr>
+              <a:t>总体</a:t>
+            </a:r>
+            <a:r>
+              <a:rPr lang="zh-CN" altLang="en-US" sz="2400" dirty="0">
+                <a:solidFill>
+                  <a:srgbClr val="222222"/>
+                </a:solidFill>
+                <a:latin typeface="PingFang SC" charset="-122"/>
+              </a:rPr>
+              <a:t>来说，</a:t>
+            </a:r>
+            <a:r>
+              <a:rPr lang="en-US" altLang="zh-CN" sz="2400" dirty="0">
+                <a:solidFill>
+                  <a:srgbClr val="222222"/>
+                </a:solidFill>
+                <a:latin typeface="PingFang SC" charset="-122"/>
+              </a:rPr>
+              <a:t>Docker </a:t>
+            </a:r>
+            <a:r>
+              <a:rPr lang="zh-CN" altLang="en-US" sz="2400" dirty="0">
+                <a:solidFill>
+                  <a:srgbClr val="222222"/>
+                </a:solidFill>
+                <a:latin typeface="PingFang SC" charset="-122"/>
+              </a:rPr>
+              <a:t>的接口相当简单，用户可以方便地创建和使用容器，把自己的应用放入容器。容器还可以进行版本管理、复制、分享、修改，就像管理普通的代码一样。</a:t>
+            </a:r>
+            <a:endParaRPr lang="zh-CN" altLang="en-US" sz="2400" b="0" i="0" dirty="0">
+              <a:solidFill>
+                <a:srgbClr val="222222"/>
+              </a:solidFill>
+              <a:effectLst/>
+              <a:latin typeface="PingFang SC" charset="-122"/>
+            </a:endParaRPr>
+          </a:p>
+        </p:txBody>
+      </p:sp>
+    </p:spTree>
+    <p:extLst>
+      <p:ext uri="{BB962C8B-B14F-4D97-AF65-F5344CB8AC3E}">
+        <p14:creationId xmlns:p14="http://schemas.microsoft.com/office/powerpoint/2010/main" val="754191729"/>
+      </p:ext>
+    </p:extLst>
+  </p:cSld>
+  <p:clrMapOvr>
+    <a:masterClrMapping/>
+  </p:clrMapOvr>
+  <p:timing>
+    <p:tnLst>
+      <p:par>
+        <p:cTn id="1" dur="indefinite" restart="never" nodeType="tmRoot"/>
+      </p:par>
+    </p:tnLst>
+  </p:timing>
+</p:sld>
+</file>
+
+<file path=ppt/slides/slide5.xml><?xml version="1.0" encoding="utf-8"?>
+<p:sld xmlns:a="http://schemas.openxmlformats.org/drawingml/2006/main" xmlns:r="http://schemas.openxmlformats.org/officeDocument/2006/relationships" xmlns:p="http://schemas.openxmlformats.org/presentationml/2006/main">
+  <p:cSld>
+    <p:bg>
+      <p:bgPr>
+        <a:blipFill dpi="0" rotWithShape="1">
+          <a:blip r:embed="rId2">
+            <a:lum/>
+          </a:blip>
+          <a:srcRect/>
+          <a:stretch>
+            <a:fillRect/>
+          </a:stretch>
+        </a:blipFill>
+        <a:effectLst/>
+      </p:bgPr>
+    </p:bg>
+    <p:spTree>
+      <p:nvGrpSpPr>
+        <p:cNvPr id="1" name=""/>
+        <p:cNvGrpSpPr/>
+        <p:nvPr/>
+      </p:nvGrpSpPr>
+      <p:grpSpPr>
+        <a:xfrm>
+          <a:off x="0" y="0"/>
+          <a:ext cx="0" cy="0"/>
+          <a:chOff x="0" y="0"/>
+          <a:chExt cx="0" cy="0"/>
+        </a:xfrm>
+      </p:grpSpPr>
+      <p:sp>
+        <p:nvSpPr>
+          <p:cNvPr id="3" name="矩形 2"/>
+          <p:cNvSpPr/>
+          <p:nvPr/>
+        </p:nvSpPr>
+        <p:spPr>
+          <a:xfrm>
+            <a:off x="0" y="188640"/>
+            <a:ext cx="2658100" cy="369332"/>
+          </a:xfrm>
+          <a:prstGeom prst="rect">
+            <a:avLst/>
+          </a:prstGeom>
+        </p:spPr>
+        <p:txBody>
+          <a:bodyPr wrap="none">
+            <a:spAutoFit/>
+          </a:bodyPr>
+          <a:lstStyle/>
+          <a:p>
+            <a:r>
+              <a:rPr lang="en-US" altLang="zh-CN" b="1" dirty="0">
+                <a:solidFill>
+                  <a:srgbClr val="222222"/>
+                </a:solidFill>
+                <a:latin typeface="PingFang SC" charset="-122"/>
+              </a:rPr>
+              <a:t>Docker </a:t>
+            </a:r>
+            <a:r>
+              <a:rPr lang="zh-CN" altLang="en-US" b="1" dirty="0">
+                <a:solidFill>
+                  <a:srgbClr val="222222"/>
+                </a:solidFill>
+                <a:latin typeface="PingFang SC" charset="-122"/>
+              </a:rPr>
+              <a:t>的三个基本概念</a:t>
+            </a:r>
+            <a:endParaRPr lang="zh-CN" altLang="en-US" dirty="0"/>
+          </a:p>
+        </p:txBody>
+      </p:sp>
+      <p:sp>
+        <p:nvSpPr>
+          <p:cNvPr id="4" name="矩形 3"/>
+          <p:cNvSpPr/>
+          <p:nvPr/>
+        </p:nvSpPr>
+        <p:spPr>
+          <a:xfrm>
+            <a:off x="16074" y="836712"/>
+            <a:ext cx="9020422" cy="3139321"/>
+          </a:xfrm>
+          <a:prstGeom prst="rect">
+            <a:avLst/>
+          </a:prstGeom>
+        </p:spPr>
+        <p:txBody>
+          <a:bodyPr wrap="square">
+            <a:spAutoFit/>
+          </a:bodyPr>
+          <a:lstStyle/>
+          <a:p>
+            <a:pPr marL="285750" indent="-285750">
+              <a:buFont typeface="Wingdings" charset="2"/>
+              <a:buChar char="l"/>
+            </a:pPr>
+            <a:r>
+              <a:rPr lang="en-US" altLang="zh-CN" b="1" dirty="0">
+                <a:solidFill>
+                  <a:srgbClr val="222222"/>
+                </a:solidFill>
+                <a:latin typeface="PingFang SC" charset="-122"/>
+              </a:rPr>
+              <a:t>Image(</a:t>
+            </a:r>
+            <a:r>
+              <a:rPr lang="zh-CN" altLang="en-US" b="1" dirty="0">
+                <a:solidFill>
+                  <a:srgbClr val="222222"/>
+                </a:solidFill>
+                <a:latin typeface="PingFang SC" charset="-122"/>
+              </a:rPr>
+              <a:t>镜像</a:t>
+            </a:r>
+            <a:r>
+              <a:rPr lang="en-US" altLang="zh-CN" b="1" dirty="0" smtClean="0">
+                <a:solidFill>
+                  <a:srgbClr val="222222"/>
+                </a:solidFill>
+                <a:latin typeface="PingFang SC" charset="-122"/>
+              </a:rPr>
+              <a:t>)	</a:t>
+            </a:r>
+            <a:r>
+              <a:rPr lang="en-US" altLang="zh-CN" dirty="0" smtClean="0"/>
+              <a:t>Docker </a:t>
+            </a:r>
+            <a:r>
+              <a:rPr lang="zh-CN" altLang="en-US" dirty="0"/>
+              <a:t>镜像可以看作是一个特殊的文件系统，除了提供容器运行时所需的程序、库、资源、配置等文件外，还包含了一些为运行时准备的一些配置参数</a:t>
+            </a:r>
+            <a:r>
+              <a:rPr lang="en-US" altLang="zh-CN" dirty="0"/>
+              <a:t>(</a:t>
+            </a:r>
+            <a:r>
+              <a:rPr lang="zh-CN" altLang="en-US" dirty="0"/>
+              <a:t>如匿名卷、环境变量、用户等</a:t>
+            </a:r>
+            <a:r>
+              <a:rPr lang="en-US" altLang="zh-CN" dirty="0"/>
+              <a:t>)</a:t>
+            </a:r>
+            <a:r>
+              <a:rPr lang="zh-CN" altLang="en-US" dirty="0" smtClean="0"/>
+              <a:t>。</a:t>
+            </a:r>
+            <a:r>
+              <a:rPr lang="zh-CN" altLang="en-US" dirty="0"/>
+              <a:t>镜像不包含任何动态数据，其内容在构建之后也不会被</a:t>
+            </a:r>
+            <a:r>
+              <a:rPr lang="zh-CN" altLang="en-US" dirty="0" smtClean="0"/>
+              <a:t>改变。</a:t>
+            </a:r>
+            <a:r>
+              <a:rPr lang="zh-CN" altLang="en-US" dirty="0"/>
+              <a:t>镜像</a:t>
+            </a:r>
+            <a:r>
+              <a:rPr lang="en-US" altLang="zh-CN" dirty="0"/>
+              <a:t>(Image)</a:t>
+            </a:r>
+            <a:r>
+              <a:rPr lang="zh-CN" altLang="en-US" dirty="0"/>
+              <a:t>就是一堆只读层</a:t>
+            </a:r>
+            <a:r>
+              <a:rPr lang="en-US" altLang="zh-CN" dirty="0"/>
+              <a:t>(read-only layer)</a:t>
+            </a:r>
+            <a:r>
+              <a:rPr lang="zh-CN" altLang="en-US" dirty="0"/>
+              <a:t>的统一</a:t>
+            </a:r>
+            <a:r>
+              <a:rPr lang="zh-CN" altLang="en-US" dirty="0" smtClean="0"/>
+              <a:t>视角。</a:t>
+            </a:r>
+            <a:endParaRPr lang="en-US" altLang="zh-CN" dirty="0" smtClean="0">
+              <a:solidFill>
+                <a:srgbClr val="222222"/>
+              </a:solidFill>
+              <a:latin typeface="PingFang SC" charset="-122"/>
+            </a:endParaRPr>
+          </a:p>
+          <a:p>
+            <a:pPr marL="285750" indent="-285750">
+              <a:buFont typeface="Wingdings" charset="2"/>
+              <a:buChar char="l"/>
+            </a:pPr>
+            <a:r>
+              <a:rPr lang="en-US" altLang="zh-CN" b="1" dirty="0" smtClean="0">
+                <a:solidFill>
+                  <a:srgbClr val="222222"/>
+                </a:solidFill>
+                <a:latin typeface="PingFang SC" charset="-122"/>
+              </a:rPr>
+              <a:t>Container</a:t>
+            </a:r>
+            <a:r>
+              <a:rPr lang="en-US" altLang="zh-CN" b="1" dirty="0">
+                <a:solidFill>
+                  <a:srgbClr val="222222"/>
+                </a:solidFill>
+                <a:latin typeface="PingFang SC" charset="-122"/>
+              </a:rPr>
+              <a:t>(</a:t>
+            </a:r>
+            <a:r>
+              <a:rPr lang="zh-CN" altLang="en-US" b="1" dirty="0">
+                <a:solidFill>
+                  <a:srgbClr val="222222"/>
+                </a:solidFill>
+                <a:latin typeface="PingFang SC" charset="-122"/>
+              </a:rPr>
+              <a:t>容器</a:t>
+            </a:r>
+            <a:r>
+              <a:rPr lang="en-US" altLang="zh-CN" b="1" dirty="0" smtClean="0">
+                <a:solidFill>
+                  <a:srgbClr val="222222"/>
+                </a:solidFill>
+                <a:latin typeface="PingFang SC" charset="-122"/>
+              </a:rPr>
+              <a:t>)</a:t>
+            </a:r>
+            <a:r>
+              <a:rPr lang="zh-CN" altLang="en-US" b="1" dirty="0" smtClean="0">
+                <a:solidFill>
+                  <a:srgbClr val="222222"/>
+                </a:solidFill>
+                <a:latin typeface="PingFang SC" charset="-122"/>
+              </a:rPr>
+              <a:t>  </a:t>
+            </a:r>
+            <a:r>
+              <a:rPr lang="zh-CN" altLang="en-US" dirty="0" smtClean="0"/>
+              <a:t>容器</a:t>
+            </a:r>
+            <a:r>
+              <a:rPr lang="en-US" altLang="zh-CN" dirty="0"/>
+              <a:t>(Container)</a:t>
+            </a:r>
+            <a:r>
+              <a:rPr lang="zh-CN" altLang="en-US" dirty="0"/>
+              <a:t>的定义和镜像</a:t>
+            </a:r>
+            <a:r>
+              <a:rPr lang="en-US" altLang="zh-CN" dirty="0"/>
+              <a:t>(Image)</a:t>
+            </a:r>
+            <a:r>
+              <a:rPr lang="zh-CN" altLang="en-US" dirty="0"/>
+              <a:t>几乎一模一样，也是一堆层的统一视角，唯一区别在于容器的最上面那一层是可读可写的</a:t>
+            </a:r>
+            <a:r>
+              <a:rPr lang="zh-CN" altLang="en-US" dirty="0" smtClean="0"/>
+              <a:t>。 </a:t>
+            </a:r>
+            <a:r>
+              <a:rPr lang="zh-CN" altLang="en-US" dirty="0"/>
+              <a:t> </a:t>
+            </a:r>
+            <a:r>
+              <a:rPr lang="zh-CN" altLang="en-US" dirty="0" smtClean="0"/>
+              <a:t>  容器 </a:t>
+            </a:r>
+            <a:r>
+              <a:rPr lang="en-US" altLang="zh-CN" dirty="0"/>
+              <a:t>= </a:t>
+            </a:r>
+            <a:r>
+              <a:rPr lang="zh-CN" altLang="en-US" dirty="0"/>
+              <a:t>镜像 </a:t>
+            </a:r>
+            <a:r>
+              <a:rPr lang="en-US" altLang="zh-CN" dirty="0"/>
+              <a:t>+ </a:t>
+            </a:r>
+            <a:r>
+              <a:rPr lang="zh-CN" altLang="en-US" dirty="0"/>
+              <a:t>读写层</a:t>
+            </a:r>
+            <a:endParaRPr lang="en-US" altLang="zh-CN" dirty="0">
+              <a:solidFill>
+                <a:srgbClr val="222222"/>
+              </a:solidFill>
+              <a:latin typeface="PingFang SC" charset="-122"/>
+            </a:endParaRPr>
+          </a:p>
+          <a:p>
+            <a:pPr marL="285750" indent="-285750">
+              <a:buFont typeface="Wingdings" charset="2"/>
+              <a:buChar char="l"/>
+            </a:pPr>
+            <a:r>
+              <a:rPr lang="en-US" altLang="zh-CN" b="1" dirty="0">
+                <a:solidFill>
+                  <a:srgbClr val="222222"/>
+                </a:solidFill>
+                <a:latin typeface="PingFang SC" charset="-122"/>
+              </a:rPr>
+              <a:t>Repository(</a:t>
+            </a:r>
+            <a:r>
+              <a:rPr lang="zh-CN" altLang="en-US" b="1" dirty="0">
+                <a:solidFill>
+                  <a:srgbClr val="222222"/>
+                </a:solidFill>
+                <a:latin typeface="PingFang SC" charset="-122"/>
+              </a:rPr>
+              <a:t>仓库</a:t>
+            </a:r>
+            <a:r>
+              <a:rPr lang="en-US" altLang="zh-CN" b="1" dirty="0" smtClean="0">
+                <a:solidFill>
+                  <a:srgbClr val="222222"/>
+                </a:solidFill>
+                <a:latin typeface="PingFang SC" charset="-122"/>
+              </a:rPr>
+              <a:t>)</a:t>
+            </a:r>
+            <a:r>
+              <a:rPr lang="zh-CN" altLang="en-US" b="1" dirty="0" smtClean="0">
+                <a:solidFill>
+                  <a:srgbClr val="222222"/>
+                </a:solidFill>
+                <a:latin typeface="PingFang SC" charset="-122"/>
+              </a:rPr>
+              <a:t> </a:t>
+            </a:r>
+            <a:r>
+              <a:rPr lang="en-US" altLang="zh-CN" dirty="0"/>
+              <a:t>Docker </a:t>
+            </a:r>
+            <a:r>
+              <a:rPr lang="zh-CN" altLang="en-US" dirty="0"/>
+              <a:t>仓库是集中存放镜像文件的场所。镜像构建完成后，可以很容易的在当前宿主上运行</a:t>
+            </a:r>
+            <a:r>
+              <a:rPr lang="zh-CN" altLang="en-US" dirty="0"/>
+              <a:t>。</a:t>
+            </a:r>
+            <a:r>
+              <a:rPr lang="zh-CN" altLang="en-US" dirty="0"/>
+              <a:t>镜像仓库是 </a:t>
+            </a:r>
+            <a:r>
+              <a:rPr lang="en-US" altLang="zh-CN" dirty="0"/>
+              <a:t>Docker </a:t>
+            </a:r>
+            <a:r>
+              <a:rPr lang="zh-CN" altLang="en-US" dirty="0"/>
+              <a:t>用来集中存放镜像文件的地方，类似于我们之前常用的代码仓库</a:t>
+            </a:r>
+            <a:r>
+              <a:rPr lang="zh-CN" altLang="en-US" dirty="0"/>
+              <a:t>。</a:t>
+            </a:r>
+            <a:r>
+              <a:rPr lang="zh-CN" altLang="en-US" dirty="0"/>
+              <a:t>通常，一个仓库会包含同一个软件不同版本的镜像，而标签就常用于对应该软件的各个版本 </a:t>
+            </a:r>
+            <a:r>
+              <a:rPr lang="zh-CN" altLang="en-US" dirty="0"/>
+              <a:t>。</a:t>
+            </a:r>
+            <a:r>
+              <a:rPr lang="en-US" altLang="zh-CN" dirty="0"/>
+              <a:t>Public(</a:t>
+            </a:r>
+            <a:r>
+              <a:rPr lang="zh-CN" altLang="en-US" dirty="0"/>
+              <a:t>公有仓库</a:t>
+            </a:r>
+            <a:r>
+              <a:rPr lang="en-US" altLang="zh-CN" dirty="0"/>
+              <a:t>)</a:t>
+            </a:r>
+            <a:r>
+              <a:rPr lang="zh-CN" altLang="en-US" dirty="0"/>
+              <a:t>、</a:t>
+            </a:r>
+            <a:r>
+              <a:rPr lang="en-US" altLang="zh-CN" dirty="0"/>
+              <a:t>Private(</a:t>
+            </a:r>
+            <a:r>
+              <a:rPr lang="zh-CN" altLang="en-US" dirty="0"/>
+              <a:t>私有仓库</a:t>
+            </a:r>
+            <a:r>
+              <a:rPr lang="en-US" altLang="zh-CN" dirty="0"/>
+              <a:t>)</a:t>
+            </a:r>
+            <a:endParaRPr lang="zh-CN" altLang="en-US" dirty="0"/>
+          </a:p>
+          <a:p>
+            <a:pPr marL="285750" indent="-285750">
+              <a:buFont typeface="Wingdings" charset="2"/>
+              <a:buChar char="l"/>
+            </a:pPr>
+            <a:endParaRPr lang="zh-CN" altLang="en-US" dirty="0"/>
+          </a:p>
+        </p:txBody>
+      </p:sp>
+      <p:sp>
+        <p:nvSpPr>
+          <p:cNvPr id="5" name="矩形 4"/>
+          <p:cNvSpPr/>
+          <p:nvPr/>
+        </p:nvSpPr>
+        <p:spPr>
+          <a:xfrm>
+            <a:off x="41258" y="3789041"/>
+            <a:ext cx="8995237" cy="1200329"/>
+          </a:xfrm>
+          <a:prstGeom prst="rect">
+            <a:avLst/>
+          </a:prstGeom>
+        </p:spPr>
+        <p:txBody>
+          <a:bodyPr wrap="square">
+            <a:spAutoFit/>
+          </a:bodyPr>
+          <a:lstStyle/>
+          <a:p>
+            <a:r>
+              <a:rPr lang="en-US" altLang="zh-CN" dirty="0">
+                <a:solidFill>
+                  <a:srgbClr val="222222"/>
+                </a:solidFill>
+                <a:latin typeface="PingFang SC" charset="-122"/>
+              </a:rPr>
+              <a:t>Docker </a:t>
+            </a:r>
+            <a:r>
+              <a:rPr lang="zh-CN" altLang="en-US" dirty="0">
+                <a:solidFill>
+                  <a:srgbClr val="222222"/>
+                </a:solidFill>
+                <a:latin typeface="PingFang SC" charset="-122"/>
+              </a:rPr>
+              <a:t>使用 </a:t>
+            </a:r>
+            <a:r>
+              <a:rPr lang="en-US" altLang="zh-CN" dirty="0">
+                <a:solidFill>
+                  <a:srgbClr val="222222"/>
+                </a:solidFill>
+                <a:latin typeface="PingFang SC" charset="-122"/>
+              </a:rPr>
+              <a:t>C/S </a:t>
+            </a:r>
+            <a:r>
+              <a:rPr lang="zh-CN" altLang="en-US" dirty="0">
+                <a:solidFill>
+                  <a:srgbClr val="222222"/>
+                </a:solidFill>
+                <a:latin typeface="PingFang SC" charset="-122"/>
+              </a:rPr>
+              <a:t>结构，即客户端</a:t>
+            </a:r>
+            <a:r>
+              <a:rPr lang="en-US" altLang="zh-CN" dirty="0">
+                <a:solidFill>
+                  <a:srgbClr val="222222"/>
+                </a:solidFill>
+                <a:latin typeface="PingFang SC" charset="-122"/>
+              </a:rPr>
+              <a:t>/</a:t>
+            </a:r>
+            <a:r>
+              <a:rPr lang="zh-CN" altLang="en-US" dirty="0">
+                <a:solidFill>
+                  <a:srgbClr val="222222"/>
+                </a:solidFill>
+                <a:latin typeface="PingFang SC" charset="-122"/>
+              </a:rPr>
+              <a:t>服务器体系结构。</a:t>
+            </a:r>
+            <a:r>
+              <a:rPr lang="en-US" altLang="zh-CN" dirty="0">
+                <a:solidFill>
+                  <a:srgbClr val="222222"/>
+                </a:solidFill>
+                <a:latin typeface="PingFang SC" charset="-122"/>
+              </a:rPr>
+              <a:t>Docker </a:t>
+            </a:r>
+            <a:r>
+              <a:rPr lang="zh-CN" altLang="en-US" dirty="0">
+                <a:solidFill>
+                  <a:srgbClr val="222222"/>
+                </a:solidFill>
+                <a:latin typeface="PingFang SC" charset="-122"/>
+              </a:rPr>
+              <a:t>客户端与 </a:t>
+            </a:r>
+            <a:r>
+              <a:rPr lang="en-US" altLang="zh-CN" dirty="0">
+                <a:solidFill>
+                  <a:srgbClr val="222222"/>
+                </a:solidFill>
+                <a:latin typeface="PingFang SC" charset="-122"/>
+              </a:rPr>
+              <a:t>Docker </a:t>
+            </a:r>
+            <a:r>
+              <a:rPr lang="zh-CN" altLang="en-US" dirty="0">
+                <a:solidFill>
+                  <a:srgbClr val="222222"/>
+                </a:solidFill>
+                <a:latin typeface="PingFang SC" charset="-122"/>
+              </a:rPr>
+              <a:t>服务器进行交互，</a:t>
+            </a:r>
+            <a:r>
+              <a:rPr lang="en-US" altLang="zh-CN" dirty="0">
+                <a:solidFill>
+                  <a:srgbClr val="222222"/>
+                </a:solidFill>
+                <a:latin typeface="PingFang SC" charset="-122"/>
+              </a:rPr>
+              <a:t>Docker</a:t>
+            </a:r>
+            <a:r>
+              <a:rPr lang="zh-CN" altLang="en-US" dirty="0">
+                <a:solidFill>
+                  <a:srgbClr val="222222"/>
+                </a:solidFill>
+                <a:latin typeface="PingFang SC" charset="-122"/>
+              </a:rPr>
+              <a:t>服务端负责构建、运行和分发 </a:t>
+            </a:r>
+            <a:r>
+              <a:rPr lang="en-US" altLang="zh-CN" dirty="0">
+                <a:solidFill>
+                  <a:srgbClr val="222222"/>
+                </a:solidFill>
+                <a:latin typeface="PingFang SC" charset="-122"/>
+              </a:rPr>
+              <a:t>Docker </a:t>
+            </a:r>
+            <a:r>
+              <a:rPr lang="zh-CN" altLang="en-US" dirty="0">
+                <a:solidFill>
+                  <a:srgbClr val="222222"/>
+                </a:solidFill>
+                <a:latin typeface="PingFang SC" charset="-122"/>
+              </a:rPr>
+              <a:t>镜像。</a:t>
+            </a:r>
+          </a:p>
+          <a:p>
+            <a:r>
+              <a:rPr lang="en-US" altLang="zh-CN" dirty="0">
+                <a:solidFill>
+                  <a:srgbClr val="222222"/>
+                </a:solidFill>
+                <a:latin typeface="PingFang SC" charset="-122"/>
+              </a:rPr>
+              <a:t>Docker </a:t>
+            </a:r>
+            <a:r>
+              <a:rPr lang="zh-CN" altLang="en-US" dirty="0">
+                <a:solidFill>
+                  <a:srgbClr val="222222"/>
+                </a:solidFill>
+                <a:latin typeface="PingFang SC" charset="-122"/>
+              </a:rPr>
+              <a:t>客户端和服务端可以运行在一台机器上，也可以通过 </a:t>
+            </a:r>
+            <a:r>
+              <a:rPr lang="en-US" altLang="zh-CN" dirty="0" err="1">
+                <a:solidFill>
+                  <a:srgbClr val="222222"/>
+                </a:solidFill>
+                <a:latin typeface="PingFang SC" charset="-122"/>
+              </a:rPr>
+              <a:t>RESTful</a:t>
+            </a:r>
+            <a:r>
+              <a:rPr lang="en-US" altLang="zh-CN" dirty="0">
+                <a:solidFill>
+                  <a:srgbClr val="222222"/>
+                </a:solidFill>
+                <a:latin typeface="PingFang SC" charset="-122"/>
+              </a:rPr>
+              <a:t> </a:t>
+            </a:r>
+            <a:r>
+              <a:rPr lang="zh-CN" altLang="en-US" dirty="0">
+                <a:solidFill>
+                  <a:srgbClr val="222222"/>
+                </a:solidFill>
+                <a:latin typeface="PingFang SC" charset="-122"/>
+              </a:rPr>
+              <a:t>、 </a:t>
+            </a:r>
+            <a:r>
+              <a:rPr lang="en-US" altLang="zh-CN" dirty="0">
+                <a:solidFill>
+                  <a:srgbClr val="222222"/>
+                </a:solidFill>
+                <a:latin typeface="PingFang SC" charset="-122"/>
+              </a:rPr>
+              <a:t>Stock </a:t>
+            </a:r>
+            <a:r>
+              <a:rPr lang="zh-CN" altLang="en-US" dirty="0">
+                <a:solidFill>
+                  <a:srgbClr val="222222"/>
+                </a:solidFill>
+                <a:latin typeface="PingFang SC" charset="-122"/>
+              </a:rPr>
+              <a:t>或网络接口与远程 </a:t>
+            </a:r>
+            <a:r>
+              <a:rPr lang="en-US" altLang="zh-CN" dirty="0">
+                <a:solidFill>
+                  <a:srgbClr val="222222"/>
+                </a:solidFill>
+                <a:latin typeface="PingFang SC" charset="-122"/>
+              </a:rPr>
+              <a:t>Docker </a:t>
+            </a:r>
+            <a:r>
+              <a:rPr lang="zh-CN" altLang="en-US" dirty="0">
+                <a:solidFill>
+                  <a:srgbClr val="222222"/>
+                </a:solidFill>
+                <a:latin typeface="PingFang SC" charset="-122"/>
+              </a:rPr>
+              <a:t>服务端进行通信。</a:t>
+            </a:r>
+            <a:endParaRPr lang="zh-CN" altLang="en-US" b="0" i="0" dirty="0">
+              <a:solidFill>
+                <a:srgbClr val="222222"/>
+              </a:solidFill>
+              <a:effectLst/>
+              <a:latin typeface="PingFang SC" charset="-122"/>
+            </a:endParaRPr>
+          </a:p>
+        </p:txBody>
+      </p:sp>
       <p:pic>
         <p:nvPicPr>
-          <p:cNvPr id="5" name="图片 4"/>
+          <p:cNvPr id="2052" name="Picture 4" descr="¿å¯è½æ¯æä¸ºè¯¦ç»çDockerå+¥é¨åè¡æ»ç»"/>
           <p:cNvPicPr>
-            <a:picLocks noChangeAspect="1"/>
+            <a:picLocks noChangeAspect="1" noChangeArrowheads="1"/>
           </p:cNvPicPr>
           <p:nvPr/>
         </p:nvPicPr>
@@ -5328,80 +7828,35 @@
               </a:ext>
             </a:extLst>
           </a:blip>
+          <a:srcRect/>
           <a:stretch>
             <a:fillRect/>
           </a:stretch>
         </p:blipFill>
-        <p:spPr>
+        <p:spPr bwMode="auto">
           <a:xfrm>
-            <a:off x="18889" y="836712"/>
-            <a:ext cx="9125111" cy="6021288"/>
+            <a:off x="2157626" y="4905699"/>
+            <a:ext cx="4762500" cy="2197760"/>
           </a:xfrm>
           <a:prstGeom prst="rect">
             <a:avLst/>
           </a:prstGeom>
+          <a:noFill/>
+          <a:extLst>
+            <a:ext uri="{909E8E84-426E-40DD-AFC4-6F175D3DCCD1}">
+              <a14:hiddenFill xmlns:a14="http://schemas.microsoft.com/office/drawing/2010/main">
+                <a:solidFill>
+                  <a:srgbClr val="FFFFFF"/>
+                </a:solidFill>
+              </a14:hiddenFill>
+            </a:ext>
+          </a:extLst>
         </p:spPr>
       </p:pic>
-      <p:sp>
-        <p:nvSpPr>
-          <p:cNvPr id="4" name="矩形 3"/>
-          <p:cNvSpPr/>
-          <p:nvPr/>
-        </p:nvSpPr>
-        <p:spPr>
-          <a:xfrm>
-            <a:off x="0" y="116632"/>
-            <a:ext cx="2843808" cy="461665"/>
-          </a:xfrm>
-          <a:prstGeom prst="rect">
-            <a:avLst/>
-          </a:prstGeom>
-        </p:spPr>
-        <p:txBody>
-          <a:bodyPr wrap="square">
-            <a:spAutoFit/>
-          </a:bodyPr>
-          <a:lstStyle/>
-          <a:p>
-            <a:r>
-              <a:rPr lang="en-US" altLang="zh-CN" sz="2400" b="1" dirty="0">
-                <a:solidFill>
-                  <a:schemeClr val="tx1">
-                    <a:lumMod val="75000"/>
-                    <a:lumOff val="25000"/>
-                  </a:schemeClr>
-                </a:solidFill>
-              </a:rPr>
-              <a:t>Docker</a:t>
-            </a:r>
-            <a:r>
-              <a:rPr lang="zh-CN" altLang="en-US" sz="2400" b="1" dirty="0">
-                <a:solidFill>
-                  <a:schemeClr val="tx1">
-                    <a:lumMod val="75000"/>
-                    <a:lumOff val="25000"/>
-                  </a:schemeClr>
-                </a:solidFill>
-              </a:rPr>
-              <a:t>是什么</a:t>
-            </a:r>
-            <a:endParaRPr lang="zh-CN" altLang="en-US" sz="2400" dirty="0">
-              <a:solidFill>
-                <a:schemeClr val="tx1">
-                  <a:lumMod val="75000"/>
-                  <a:lumOff val="25000"/>
-                </a:schemeClr>
-              </a:solidFill>
-              <a:latin typeface="微软雅黑" panose="020B0503020204020204" pitchFamily="34" charset="-122"/>
-              <a:ea typeface="微软雅黑" panose="020B0503020204020204" pitchFamily="34" charset="-122"/>
-            </a:endParaRPr>
-          </a:p>
-        </p:txBody>
-      </p:sp>
     </p:spTree>
     <p:extLst>
       <p:ext uri="{BB962C8B-B14F-4D97-AF65-F5344CB8AC3E}">
-        <p14:creationId xmlns:p14="http://schemas.microsoft.com/office/powerpoint/2010/main" val="754191729"/>
+        <p14:creationId xmlns:p14="http://schemas.microsoft.com/office/powerpoint/2010/main" val="418910004"/>
       </p:ext>
     </p:extLst>
   </p:cSld>
@@ -5429,7 +7884,7 @@
                             </p:stCondLst>
                             <p:childTnLst>
                               <p:par>
-                                <p:cTn id="5" presetID="6" presetClass="entr" presetSubtype="16" fill="hold" nodeType="clickEffect">
+                                <p:cTn id="5" presetID="3" presetClass="entr" presetSubtype="10" fill="hold" grpId="0" nodeType="clickEffect">
                                   <p:stCondLst>
                                     <p:cond delay="0"/>
                                   </p:stCondLst>
@@ -5437,6 +7892,59 @@
                                     <p:set>
                                       <p:cBhvr>
                                         <p:cTn id="6" dur="1" fill="hold">
+                                          <p:stCondLst>
+                                            <p:cond delay="0"/>
+                                          </p:stCondLst>
+                                        </p:cTn>
+                                        <p:tgtEl>
+                                          <p:spTgt spid="4"/>
+                                        </p:tgtEl>
+                                        <p:attrNameLst>
+                                          <p:attrName>style.visibility</p:attrName>
+                                        </p:attrNameLst>
+                                      </p:cBhvr>
+                                      <p:to>
+                                        <p:strVal val="visible"/>
+                                      </p:to>
+                                    </p:set>
+                                    <p:animEffect transition="in" filter="blinds(horizontal)">
+                                      <p:cBhvr>
+                                        <p:cTn id="7" dur="500"/>
+                                        <p:tgtEl>
+                                          <p:spTgt spid="4"/>
+                                        </p:tgtEl>
+                                      </p:cBhvr>
+                                    </p:animEffect>
+                                  </p:childTnLst>
+                                </p:cTn>
+                              </p:par>
+                            </p:childTnLst>
+                          </p:cTn>
+                        </p:par>
+                      </p:childTnLst>
+                    </p:cTn>
+                  </p:par>
+                  <p:par>
+                    <p:cTn id="8" fill="hold">
+                      <p:stCondLst>
+                        <p:cond delay="indefinite"/>
+                      </p:stCondLst>
+                      <p:childTnLst>
+                        <p:par>
+                          <p:cTn id="9" fill="hold">
+                            <p:stCondLst>
+                              <p:cond delay="0"/>
+                            </p:stCondLst>
+                            <p:childTnLst>
+                              <p:par>
+                                <p:cTn id="10" presetID="3" presetClass="entr" presetSubtype="10" fill="hold" grpId="0" nodeType="clickEffect">
+                                  <p:stCondLst>
+                                    <p:cond delay="0"/>
+                                  </p:stCondLst>
+                                  <p:childTnLst>
+                                    <p:set>
+                                      <p:cBhvr>
+                                        <p:cTn id="11" dur="1" fill="hold">
                                           <p:stCondLst>
                                             <p:cond delay="0"/>
                                           </p:stCondLst>
@@ -5452,11 +7960,46 @@
                                         <p:strVal val="visible"/>
                                       </p:to>
                                     </p:set>
-                                    <p:animEffect transition="in" filter="circle(in)">
+                                    <p:animEffect transition="in" filter="blinds(horizontal)">
                                       <p:cBhvr>
-                                        <p:cTn id="7" dur="2000"/>
+                                        <p:cTn id="12" dur="500"/>
                                         <p:tgtEl>
                                           <p:spTgt spid="5"/>
+                                        </p:tgtEl>
+                                      </p:cBhvr>
+                                    </p:animEffect>
+                                  </p:childTnLst>
+                                </p:cTn>
+                              </p:par>
+                              <p:par>
+                                <p:cTn id="13" presetID="3" presetClass="entr" presetSubtype="10" fill="hold" nodeType="withEffect">
+                                  <p:stCondLst>
+                                    <p:cond delay="0"/>
+                                  </p:stCondLst>
+                                  <p:childTnLst>
+                                    <p:set>
+                                      <p:cBhvr>
+                                        <p:cTn id="14" dur="1" fill="hold">
+                                          <p:stCondLst>
+                                            <p:cond delay="0"/>
+                                          </p:stCondLst>
+                                        </p:cTn>
+                                        <p:tgtEl>
+                                          <p:spTgt spid="2052"/>
+                                        </p:tgtEl>
+                                        <p:attrNameLst>
+                                          <p:attrName>style.visibility</p:attrName>
+                                        </p:attrNameLst>
+                                      </p:cBhvr>
+                                      <p:to>
+                                        <p:strVal val="visible"/>
+                                      </p:to>
+                                    </p:set>
+                                    <p:animEffect transition="in" filter="blinds(horizontal)">
+                                      <p:cBhvr>
+                                        <p:cTn id="15" dur="500"/>
+                                        <p:tgtEl>
+                                          <p:spTgt spid="2052"/>
                                         </p:tgtEl>
                                       </p:cBhvr>
                                     </p:animEffect>
@@ -5490,11 +8033,15 @@
         </p:cTn>
       </p:par>
     </p:tnLst>
+    <p:bldLst>
+      <p:bldP spid="4" grpId="0"/>
+      <p:bldP spid="5" grpId="0"/>
+    </p:bldLst>
   </p:timing>
 </p:sld>
 </file>
 
-<file path=ppt/slides/slide5.xml><?xml version="1.0" encoding="utf-8"?>
+<file path=ppt/slides/slide6.xml><?xml version="1.0" encoding="utf-8"?>
 <p:sld xmlns:a="http://schemas.openxmlformats.org/drawingml/2006/main" xmlns:r="http://schemas.openxmlformats.org/officeDocument/2006/relationships" xmlns:p="http://schemas.openxmlformats.org/presentationml/2006/main">
   <p:cSld>
     <p:bg>
@@ -8527,7 +11074,474 @@
 </p:sld>
 </file>
 
-<file path=ppt/slides/slide6.xml><?xml version="1.0" encoding="utf-8"?>
+<file path=ppt/slides/slide7.xml><?xml version="1.0" encoding="utf-8"?>
+<p:sld xmlns:a="http://schemas.openxmlformats.org/drawingml/2006/main" xmlns:r="http://schemas.openxmlformats.org/officeDocument/2006/relationships" xmlns:p="http://schemas.openxmlformats.org/presentationml/2006/main">
+  <p:cSld>
+    <p:bg>
+      <p:bgPr>
+        <a:blipFill dpi="0" rotWithShape="1">
+          <a:blip r:embed="rId2">
+            <a:lum/>
+          </a:blip>
+          <a:srcRect/>
+          <a:stretch>
+            <a:fillRect/>
+          </a:stretch>
+        </a:blipFill>
+        <a:effectLst/>
+      </p:bgPr>
+    </p:bg>
+    <p:spTree>
+      <p:nvGrpSpPr>
+        <p:cNvPr id="1" name=""/>
+        <p:cNvGrpSpPr/>
+        <p:nvPr/>
+      </p:nvGrpSpPr>
+      <p:grpSpPr>
+        <a:xfrm>
+          <a:off x="0" y="0"/>
+          <a:ext cx="0" cy="0"/>
+          <a:chOff x="0" y="0"/>
+          <a:chExt cx="0" cy="0"/>
+        </a:xfrm>
+      </p:grpSpPr>
+      <p:sp>
+        <p:nvSpPr>
+          <p:cNvPr id="26" name="矩形 25"/>
+          <p:cNvSpPr/>
+          <p:nvPr/>
+        </p:nvSpPr>
+        <p:spPr>
+          <a:xfrm>
+            <a:off x="0" y="116632"/>
+            <a:ext cx="2843808" cy="461665"/>
+          </a:xfrm>
+          <a:prstGeom prst="rect">
+            <a:avLst/>
+          </a:prstGeom>
+        </p:spPr>
+        <p:txBody>
+          <a:bodyPr wrap="square">
+            <a:spAutoFit/>
+          </a:bodyPr>
+          <a:lstStyle/>
+          <a:p>
+            <a:r>
+              <a:rPr lang="en-US" altLang="zh-CN" sz="2400" b="1" dirty="0" smtClean="0">
+                <a:solidFill>
+                  <a:schemeClr val="tx1">
+                    <a:lumMod val="75000"/>
+                    <a:lumOff val="25000"/>
+                  </a:schemeClr>
+                </a:solidFill>
+              </a:rPr>
+              <a:t>Docker</a:t>
+            </a:r>
+            <a:r>
+              <a:rPr lang="zh-CN" altLang="en-US" sz="2400" b="1" dirty="0" smtClean="0">
+                <a:solidFill>
+                  <a:schemeClr val="tx1">
+                    <a:lumMod val="75000"/>
+                    <a:lumOff val="25000"/>
+                  </a:schemeClr>
+                </a:solidFill>
+              </a:rPr>
+              <a:t> </a:t>
+            </a:r>
+            <a:r>
+              <a:rPr lang="en-US" altLang="zh-CN" sz="2400" b="1" dirty="0" smtClean="0">
+                <a:solidFill>
+                  <a:schemeClr val="tx1">
+                    <a:lumMod val="75000"/>
+                    <a:lumOff val="25000"/>
+                  </a:schemeClr>
+                </a:solidFill>
+              </a:rPr>
+              <a:t>VS </a:t>
+            </a:r>
+            <a:r>
+              <a:rPr lang="zh-CN" altLang="en-US" sz="2400" b="1" dirty="0" smtClean="0">
+                <a:solidFill>
+                  <a:schemeClr val="tx1">
+                    <a:lumMod val="75000"/>
+                    <a:lumOff val="25000"/>
+                  </a:schemeClr>
+                </a:solidFill>
+              </a:rPr>
+              <a:t>虚拟机</a:t>
+            </a:r>
+            <a:endParaRPr lang="zh-CN" altLang="en-US" sz="2400" dirty="0">
+              <a:solidFill>
+                <a:schemeClr val="tx1">
+                  <a:lumMod val="75000"/>
+                  <a:lumOff val="25000"/>
+                </a:schemeClr>
+              </a:solidFill>
+              <a:latin typeface="微软雅黑" panose="020B0503020204020204" pitchFamily="34" charset="-122"/>
+              <a:ea typeface="微软雅黑" panose="020B0503020204020204" pitchFamily="34" charset="-122"/>
+            </a:endParaRPr>
+          </a:p>
+        </p:txBody>
+      </p:sp>
+      <p:pic>
+        <p:nvPicPr>
+          <p:cNvPr id="2" name="图片 1"/>
+          <p:cNvPicPr>
+            <a:picLocks noChangeAspect="1"/>
+          </p:cNvPicPr>
+          <p:nvPr/>
+        </p:nvPicPr>
+        <p:blipFill>
+          <a:blip r:embed="rId3">
+            <a:extLst>
+              <a:ext uri="{28A0092B-C50C-407E-A947-70E740481C1C}">
+                <a14:useLocalDpi xmlns:a14="http://schemas.microsoft.com/office/drawing/2010/main" val="0"/>
+              </a:ext>
+            </a:extLst>
+          </a:blip>
+          <a:stretch>
+            <a:fillRect/>
+          </a:stretch>
+        </p:blipFill>
+        <p:spPr>
+          <a:xfrm>
+            <a:off x="0" y="1484785"/>
+            <a:ext cx="9144000" cy="3096344"/>
+          </a:xfrm>
+          <a:prstGeom prst="rect">
+            <a:avLst/>
+          </a:prstGeom>
+        </p:spPr>
+      </p:pic>
+      <p:sp>
+        <p:nvSpPr>
+          <p:cNvPr id="3" name="文本框 2"/>
+          <p:cNvSpPr txBox="1"/>
+          <p:nvPr/>
+        </p:nvSpPr>
+        <p:spPr>
+          <a:xfrm>
+            <a:off x="0" y="908720"/>
+            <a:ext cx="9036496" cy="646331"/>
+          </a:xfrm>
+          <a:prstGeom prst="rect">
+            <a:avLst/>
+          </a:prstGeom>
+          <a:noFill/>
+        </p:spPr>
+        <p:txBody>
+          <a:bodyPr wrap="square" rtlCol="0">
+            <a:spAutoFit/>
+          </a:bodyPr>
+          <a:lstStyle/>
+          <a:p>
+            <a:r>
+              <a:rPr lang="zh-CN" altLang="en-US" b="1"/>
+              <a:t>容器和虚拟机具有相似的资源隔离和分配优势，但功能有所不同，因为容器虚拟化的是操作系统，而不是硬件，因此容器更容易移植，效率也更高。</a:t>
+            </a:r>
+            <a:endParaRPr kumimoji="1" lang="zh-CN" altLang="en-US"/>
+          </a:p>
+        </p:txBody>
+      </p:sp>
+      <p:sp>
+        <p:nvSpPr>
+          <p:cNvPr id="5" name="文本框 4"/>
+          <p:cNvSpPr txBox="1"/>
+          <p:nvPr/>
+        </p:nvSpPr>
+        <p:spPr>
+          <a:xfrm>
+            <a:off x="0" y="4581129"/>
+            <a:ext cx="9006080" cy="2031325"/>
+          </a:xfrm>
+          <a:prstGeom prst="rect">
+            <a:avLst/>
+          </a:prstGeom>
+          <a:noFill/>
+        </p:spPr>
+        <p:txBody>
+          <a:bodyPr wrap="square" rtlCol="0">
+            <a:spAutoFit/>
+          </a:bodyPr>
+          <a:lstStyle/>
+          <a:p>
+            <a:pPr marL="285750" indent="-285750">
+              <a:buFont typeface="Wingdings" charset="2"/>
+              <a:buChar char="l"/>
+            </a:pPr>
+            <a:r>
+              <a:rPr lang="zh-CN" altLang="en-US" b="1" dirty="0" smtClean="0"/>
+              <a:t>容器</a:t>
+            </a:r>
+            <a:r>
+              <a:rPr lang="zh-CN" altLang="en-US" b="1" dirty="0"/>
+              <a:t>是</a:t>
+            </a:r>
+            <a:r>
+              <a:rPr lang="zh-CN" altLang="en-US" dirty="0"/>
+              <a:t>一个应用层抽象，用于将代码和依赖资源打包在一起。 多个容器可以在同一台机器上运行，共享操作系统内核，但各自作为独立的进程在用户空间中运行 。与虚拟机相比， 容器占用的空间较少（容器镜像大小通常只有几十兆），瞬间就能完成启动 </a:t>
+            </a:r>
+            <a:r>
+              <a:rPr lang="zh-CN" altLang="en-US" dirty="0" smtClean="0"/>
+              <a:t>。</a:t>
+            </a:r>
+            <a:endParaRPr lang="en-US" altLang="zh-CN" dirty="0" smtClean="0"/>
+          </a:p>
+          <a:p>
+            <a:pPr marL="285750" indent="-285750">
+              <a:buFont typeface="Wingdings" charset="2"/>
+              <a:buChar char="l"/>
+            </a:pPr>
+            <a:r>
+              <a:rPr lang="zh-CN" altLang="en-US" dirty="0" smtClean="0"/>
+              <a:t>虚拟</a:t>
+            </a:r>
+            <a:r>
+              <a:rPr lang="zh-CN" altLang="en-US" dirty="0"/>
+              <a:t>机 </a:t>
+            </a:r>
+            <a:r>
+              <a:rPr lang="en-US" altLang="zh-CN" dirty="0"/>
+              <a:t>(VM) </a:t>
+            </a:r>
+            <a:r>
+              <a:rPr lang="zh-CN" altLang="en-US" dirty="0"/>
+              <a:t>是一个物理硬件层抽象，用于将一台服务器变成多台服务器。 管理程序允许多个 </a:t>
+            </a:r>
+            <a:r>
+              <a:rPr lang="en-US" altLang="zh-CN" dirty="0"/>
+              <a:t>VM </a:t>
+            </a:r>
+            <a:r>
+              <a:rPr lang="zh-CN" altLang="en-US" dirty="0"/>
+              <a:t>在一台机器上运行。每个</a:t>
+            </a:r>
+            <a:r>
+              <a:rPr lang="en-US" altLang="zh-CN" dirty="0"/>
+              <a:t>VM</a:t>
+            </a:r>
+            <a:r>
+              <a:rPr lang="zh-CN" altLang="en-US" dirty="0"/>
+              <a:t>都包含一整套操作系统、一个或多个应用、必要的二进制文件和库资源，因此 占用大量空间 。而且 </a:t>
+            </a:r>
+            <a:r>
+              <a:rPr lang="en-US" altLang="zh-CN" dirty="0"/>
+              <a:t>VM </a:t>
+            </a:r>
+            <a:r>
+              <a:rPr lang="zh-CN" altLang="en-US" dirty="0"/>
+              <a:t>启动也十分缓慢 。</a:t>
+            </a:r>
+          </a:p>
+        </p:txBody>
+      </p:sp>
+    </p:spTree>
+    <p:extLst>
+      <p:ext uri="{BB962C8B-B14F-4D97-AF65-F5344CB8AC3E}">
+        <p14:creationId xmlns:p14="http://schemas.microsoft.com/office/powerpoint/2010/main" val="2118948316"/>
+      </p:ext>
+    </p:extLst>
+  </p:cSld>
+  <p:clrMapOvr>
+    <a:masterClrMapping/>
+  </p:clrMapOvr>
+  <p:timing>
+    <p:tnLst>
+      <p:par>
+        <p:cTn id="1" dur="indefinite" restart="never" nodeType="tmRoot">
+          <p:childTnLst>
+            <p:seq concurrent="1" nextAc="seek">
+              <p:cTn id="2" dur="indefinite" nodeType="mainSeq">
+                <p:childTnLst>
+                  <p:par>
+                    <p:cTn id="3" fill="hold">
+                      <p:stCondLst>
+                        <p:cond delay="indefinite"/>
+                      </p:stCondLst>
+                      <p:childTnLst>
+                        <p:par>
+                          <p:cTn id="4" fill="hold">
+                            <p:stCondLst>
+                              <p:cond delay="0"/>
+                            </p:stCondLst>
+                            <p:childTnLst>
+                              <p:par>
+                                <p:cTn id="5" presetID="5" presetClass="entr" presetSubtype="10" fill="hold" grpId="0" nodeType="clickEffect">
+                                  <p:stCondLst>
+                                    <p:cond delay="0"/>
+                                  </p:stCondLst>
+                                  <p:childTnLst>
+                                    <p:set>
+                                      <p:cBhvr>
+                                        <p:cTn id="6" dur="1" fill="hold">
+                                          <p:stCondLst>
+                                            <p:cond delay="0"/>
+                                          </p:stCondLst>
+                                        </p:cTn>
+                                        <p:tgtEl>
+                                          <p:spTgt spid="3"/>
+                                        </p:tgtEl>
+                                        <p:attrNameLst>
+                                          <p:attrName>style.visibility</p:attrName>
+                                        </p:attrNameLst>
+                                      </p:cBhvr>
+                                      <p:to>
+                                        <p:strVal val="visible"/>
+                                      </p:to>
+                                    </p:set>
+                                    <p:animEffect transition="in" filter="checkerboard(across)">
+                                      <p:cBhvr>
+                                        <p:cTn id="7" dur="500"/>
+                                        <p:tgtEl>
+                                          <p:spTgt spid="3"/>
+                                        </p:tgtEl>
+                                      </p:cBhvr>
+                                    </p:animEffect>
+                                  </p:childTnLst>
+                                </p:cTn>
+                              </p:par>
+                            </p:childTnLst>
+                          </p:cTn>
+                        </p:par>
+                      </p:childTnLst>
+                    </p:cTn>
+                  </p:par>
+                  <p:par>
+                    <p:cTn id="8" fill="hold">
+                      <p:stCondLst>
+                        <p:cond delay="indefinite"/>
+                      </p:stCondLst>
+                      <p:childTnLst>
+                        <p:par>
+                          <p:cTn id="9" fill="hold">
+                            <p:stCondLst>
+                              <p:cond delay="0"/>
+                            </p:stCondLst>
+                            <p:childTnLst>
+                              <p:par>
+                                <p:cTn id="10" presetID="5" presetClass="entr" presetSubtype="10" fill="hold" nodeType="clickEffect">
+                                  <p:stCondLst>
+                                    <p:cond delay="0"/>
+                                  </p:stCondLst>
+                                  <p:childTnLst>
+                                    <p:set>
+                                      <p:cBhvr>
+                                        <p:cTn id="11" dur="1" fill="hold">
+                                          <p:stCondLst>
+                                            <p:cond delay="0"/>
+                                          </p:stCondLst>
+                                        </p:cTn>
+                                        <p:tgtEl>
+                                          <p:spTgt spid="2"/>
+                                        </p:tgtEl>
+                                        <p:attrNameLst>
+                                          <p:attrName>style.visibility</p:attrName>
+                                        </p:attrNameLst>
+                                      </p:cBhvr>
+                                      <p:to>
+                                        <p:strVal val="visible"/>
+                                      </p:to>
+                                    </p:set>
+                                    <p:animEffect transition="in" filter="checkerboard(across)">
+                                      <p:cBhvr>
+                                        <p:cTn id="12" dur="500"/>
+                                        <p:tgtEl>
+                                          <p:spTgt spid="2"/>
+                                        </p:tgtEl>
+                                      </p:cBhvr>
+                                    </p:animEffect>
+                                  </p:childTnLst>
+                                </p:cTn>
+                              </p:par>
+                            </p:childTnLst>
+                          </p:cTn>
+                        </p:par>
+                      </p:childTnLst>
+                    </p:cTn>
+                  </p:par>
+                  <p:par>
+                    <p:cTn id="13" fill="hold">
+                      <p:stCondLst>
+                        <p:cond delay="indefinite"/>
+                      </p:stCondLst>
+                      <p:childTnLst>
+                        <p:par>
+                          <p:cTn id="14" fill="hold">
+                            <p:stCondLst>
+                              <p:cond delay="0"/>
+                            </p:stCondLst>
+                            <p:childTnLst>
+                              <p:par>
+                                <p:cTn id="15" presetID="3" presetClass="entr" presetSubtype="10" fill="hold" grpId="0" nodeType="clickEffect">
+                                  <p:stCondLst>
+                                    <p:cond delay="0"/>
+                                  </p:stCondLst>
+                                  <p:childTnLst>
+                                    <p:set>
+                                      <p:cBhvr>
+                                        <p:cTn id="16" dur="1" fill="hold">
+                                          <p:stCondLst>
+                                            <p:cond delay="0"/>
+                                          </p:stCondLst>
+                                        </p:cTn>
+                                        <p:tgtEl>
+                                          <p:spTgt spid="5"/>
+                                        </p:tgtEl>
+                                        <p:attrNameLst>
+                                          <p:attrName>style.visibility</p:attrName>
+                                        </p:attrNameLst>
+                                      </p:cBhvr>
+                                      <p:to>
+                                        <p:strVal val="visible"/>
+                                      </p:to>
+                                    </p:set>
+                                    <p:animEffect transition="in" filter="blinds(horizontal)">
+                                      <p:cBhvr>
+                                        <p:cTn id="17" dur="500"/>
+                                        <p:tgtEl>
+                                          <p:spTgt spid="5"/>
+                                        </p:tgtEl>
+                                      </p:cBhvr>
+                                    </p:animEffect>
+                                  </p:childTnLst>
+                                </p:cTn>
+                              </p:par>
+                            </p:childTnLst>
+                          </p:cTn>
+                        </p:par>
+                      </p:childTnLst>
+                    </p:cTn>
+                  </p:par>
+                </p:childTnLst>
+              </p:cTn>
+              <p:prevCondLst>
+                <p:cond evt="onPrev" delay="0">
+                  <p:tgtEl>
+                    <p:sldTgt/>
+                  </p:tgtEl>
+                </p:cond>
+              </p:prevCondLst>
+              <p:nextCondLst>
+                <p:cond evt="onNext" delay="0">
+                  <p:tgtEl>
+                    <p:sldTgt/>
+                  </p:tgtEl>
+                </p:cond>
+              </p:nextCondLst>
+            </p:seq>
+          </p:childTnLst>
+        </p:cTn>
+      </p:par>
+    </p:tnLst>
+    <p:bldLst>
+      <p:bldP spid="3" grpId="0"/>
+      <p:bldP spid="5" grpId="0"/>
+    </p:bldLst>
+  </p:timing>
+</p:sld>
+</file>
+
+<file path=ppt/slides/slide8.xml><?xml version="1.0" encoding="utf-8"?>
 <p:sld xmlns:a="http://schemas.openxmlformats.org/drawingml/2006/main" xmlns:r="http://schemas.openxmlformats.org/officeDocument/2006/relationships" xmlns:p="http://schemas.openxmlformats.org/presentationml/2006/main">
   <p:cSld>
     <p:bg>
@@ -9668,874 +12682,6 @@
 </p:sld>
 </file>
 
-<file path=ppt/slides/slide7.xml><?xml version="1.0" encoding="utf-8"?>
-<p:sld xmlns:a="http://schemas.openxmlformats.org/drawingml/2006/main" xmlns:r="http://schemas.openxmlformats.org/officeDocument/2006/relationships" xmlns:p="http://schemas.openxmlformats.org/presentationml/2006/main">
-  <p:cSld>
-    <p:bg>
-      <p:bgPr>
-        <a:blipFill dpi="0" rotWithShape="1">
-          <a:blip r:embed="rId2">
-            <a:lum/>
-          </a:blip>
-          <a:srcRect/>
-          <a:stretch>
-            <a:fillRect/>
-          </a:stretch>
-        </a:blipFill>
-        <a:effectLst/>
-      </p:bgPr>
-    </p:bg>
-    <p:spTree>
-      <p:nvGrpSpPr>
-        <p:cNvPr id="1" name=""/>
-        <p:cNvGrpSpPr/>
-        <p:nvPr/>
-      </p:nvGrpSpPr>
-      <p:grpSpPr>
-        <a:xfrm>
-          <a:off x="0" y="0"/>
-          <a:ext cx="0" cy="0"/>
-          <a:chOff x="0" y="0"/>
-          <a:chExt cx="0" cy="0"/>
-        </a:xfrm>
-      </p:grpSpPr>
-      <p:sp>
-        <p:nvSpPr>
-          <p:cNvPr id="26" name="矩形 25"/>
-          <p:cNvSpPr/>
-          <p:nvPr/>
-        </p:nvSpPr>
-        <p:spPr>
-          <a:xfrm>
-            <a:off x="0" y="116632"/>
-            <a:ext cx="2843808" cy="461665"/>
-          </a:xfrm>
-          <a:prstGeom prst="rect">
-            <a:avLst/>
-          </a:prstGeom>
-        </p:spPr>
-        <p:txBody>
-          <a:bodyPr wrap="square">
-            <a:spAutoFit/>
-          </a:bodyPr>
-          <a:lstStyle/>
-          <a:p>
-            <a:r>
-              <a:rPr lang="en-US" altLang="zh-CN" sz="2400" b="1" dirty="0" smtClean="0">
-                <a:solidFill>
-                  <a:schemeClr val="tx1">
-                    <a:lumMod val="75000"/>
-                    <a:lumOff val="25000"/>
-                  </a:schemeClr>
-                </a:solidFill>
-              </a:rPr>
-              <a:t>Docker</a:t>
-            </a:r>
-            <a:r>
-              <a:rPr lang="zh-CN" altLang="en-US" sz="2400" b="1" dirty="0" smtClean="0">
-                <a:solidFill>
-                  <a:schemeClr val="tx1">
-                    <a:lumMod val="75000"/>
-                    <a:lumOff val="25000"/>
-                  </a:schemeClr>
-                </a:solidFill>
-              </a:rPr>
-              <a:t> </a:t>
-            </a:r>
-            <a:r>
-              <a:rPr lang="en-US" altLang="zh-CN" sz="2400" b="1" dirty="0" smtClean="0">
-                <a:solidFill>
-                  <a:schemeClr val="tx1">
-                    <a:lumMod val="75000"/>
-                    <a:lumOff val="25000"/>
-                  </a:schemeClr>
-                </a:solidFill>
-              </a:rPr>
-              <a:t>VS </a:t>
-            </a:r>
-            <a:r>
-              <a:rPr lang="zh-CN" altLang="en-US" sz="2400" b="1" dirty="0" smtClean="0">
-                <a:solidFill>
-                  <a:schemeClr val="tx1">
-                    <a:lumMod val="75000"/>
-                    <a:lumOff val="25000"/>
-                  </a:schemeClr>
-                </a:solidFill>
-              </a:rPr>
-              <a:t>虚拟机</a:t>
-            </a:r>
-            <a:endParaRPr lang="zh-CN" altLang="en-US" sz="2400" dirty="0">
-              <a:solidFill>
-                <a:schemeClr val="tx1">
-                  <a:lumMod val="75000"/>
-                  <a:lumOff val="25000"/>
-                </a:schemeClr>
-              </a:solidFill>
-              <a:latin typeface="微软雅黑" panose="020B0503020204020204" pitchFamily="34" charset="-122"/>
-              <a:ea typeface="微软雅黑" panose="020B0503020204020204" pitchFamily="34" charset="-122"/>
-            </a:endParaRPr>
-          </a:p>
-        </p:txBody>
-      </p:sp>
-      <p:pic>
-        <p:nvPicPr>
-          <p:cNvPr id="2" name="图片 1"/>
-          <p:cNvPicPr>
-            <a:picLocks noChangeAspect="1"/>
-          </p:cNvPicPr>
-          <p:nvPr/>
-        </p:nvPicPr>
-        <p:blipFill>
-          <a:blip r:embed="rId3">
-            <a:extLst>
-              <a:ext uri="{28A0092B-C50C-407E-A947-70E740481C1C}">
-                <a14:useLocalDpi xmlns:a14="http://schemas.microsoft.com/office/drawing/2010/main" val="0"/>
-              </a:ext>
-            </a:extLst>
-          </a:blip>
-          <a:stretch>
-            <a:fillRect/>
-          </a:stretch>
-        </p:blipFill>
-        <p:spPr>
-          <a:xfrm>
-            <a:off x="0" y="1484785"/>
-            <a:ext cx="9144000" cy="3096344"/>
-          </a:xfrm>
-          <a:prstGeom prst="rect">
-            <a:avLst/>
-          </a:prstGeom>
-        </p:spPr>
-      </p:pic>
-      <p:sp>
-        <p:nvSpPr>
-          <p:cNvPr id="3" name="文本框 2"/>
-          <p:cNvSpPr txBox="1"/>
-          <p:nvPr/>
-        </p:nvSpPr>
-        <p:spPr>
-          <a:xfrm>
-            <a:off x="0" y="908720"/>
-            <a:ext cx="9036496" cy="646331"/>
-          </a:xfrm>
-          <a:prstGeom prst="rect">
-            <a:avLst/>
-          </a:prstGeom>
-          <a:noFill/>
-        </p:spPr>
-        <p:txBody>
-          <a:bodyPr wrap="square" rtlCol="0">
-            <a:spAutoFit/>
-          </a:bodyPr>
-          <a:lstStyle/>
-          <a:p>
-            <a:r>
-              <a:rPr lang="zh-CN" altLang="en-US" b="1"/>
-              <a:t>容器和虚拟机具有相似的资源隔离和分配优势，但功能有所不同，因为容器虚拟化的是操作系统，而不是硬件，因此容器更容易移植，效率也更高。</a:t>
-            </a:r>
-            <a:endParaRPr kumimoji="1" lang="zh-CN" altLang="en-US"/>
-          </a:p>
-        </p:txBody>
-      </p:sp>
-      <p:sp>
-        <p:nvSpPr>
-          <p:cNvPr id="5" name="文本框 4"/>
-          <p:cNvSpPr txBox="1"/>
-          <p:nvPr/>
-        </p:nvSpPr>
-        <p:spPr>
-          <a:xfrm>
-            <a:off x="0" y="4581129"/>
-            <a:ext cx="9006080" cy="2031325"/>
-          </a:xfrm>
-          <a:prstGeom prst="rect">
-            <a:avLst/>
-          </a:prstGeom>
-          <a:noFill/>
-        </p:spPr>
-        <p:txBody>
-          <a:bodyPr wrap="square" rtlCol="0">
-            <a:spAutoFit/>
-          </a:bodyPr>
-          <a:lstStyle/>
-          <a:p>
-            <a:pPr marL="285750" indent="-285750">
-              <a:buFont typeface="Wingdings" charset="2"/>
-              <a:buChar char="l"/>
-            </a:pPr>
-            <a:r>
-              <a:rPr lang="zh-CN" altLang="en-US" b="1" dirty="0" smtClean="0"/>
-              <a:t>容器</a:t>
-            </a:r>
-            <a:r>
-              <a:rPr lang="zh-CN" altLang="en-US" b="1" dirty="0"/>
-              <a:t>是</a:t>
-            </a:r>
-            <a:r>
-              <a:rPr lang="zh-CN" altLang="en-US" dirty="0"/>
-              <a:t>一个应用层抽象，用于将代码和依赖资源打包在一起。 多个容器可以在同一台机器上运行，共享操作系统内核，但各自作为独立的进程在用户空间中运行 。与虚拟机相比， 容器占用的空间较少（容器镜像大小通常只有几十兆），瞬间就能完成启动 </a:t>
-            </a:r>
-            <a:r>
-              <a:rPr lang="zh-CN" altLang="en-US" dirty="0" smtClean="0"/>
-              <a:t>。</a:t>
-            </a:r>
-            <a:endParaRPr lang="en-US" altLang="zh-CN" dirty="0" smtClean="0"/>
-          </a:p>
-          <a:p>
-            <a:pPr marL="285750" indent="-285750">
-              <a:buFont typeface="Wingdings" charset="2"/>
-              <a:buChar char="l"/>
-            </a:pPr>
-            <a:r>
-              <a:rPr lang="zh-CN" altLang="en-US" dirty="0" smtClean="0"/>
-              <a:t>虚拟</a:t>
-            </a:r>
-            <a:r>
-              <a:rPr lang="zh-CN" altLang="en-US" dirty="0"/>
-              <a:t>机 </a:t>
-            </a:r>
-            <a:r>
-              <a:rPr lang="en-US" altLang="zh-CN" dirty="0"/>
-              <a:t>(VM) </a:t>
-            </a:r>
-            <a:r>
-              <a:rPr lang="zh-CN" altLang="en-US" dirty="0"/>
-              <a:t>是一个物理硬件层抽象，用于将一台服务器变成多台服务器。 管理程序允许多个 </a:t>
-            </a:r>
-            <a:r>
-              <a:rPr lang="en-US" altLang="zh-CN" dirty="0"/>
-              <a:t>VM </a:t>
-            </a:r>
-            <a:r>
-              <a:rPr lang="zh-CN" altLang="en-US" dirty="0"/>
-              <a:t>在一台机器上运行。每个</a:t>
-            </a:r>
-            <a:r>
-              <a:rPr lang="en-US" altLang="zh-CN" dirty="0"/>
-              <a:t>VM</a:t>
-            </a:r>
-            <a:r>
-              <a:rPr lang="zh-CN" altLang="en-US" dirty="0"/>
-              <a:t>都包含一整套操作系统、一个或多个应用、必要的二进制文件和库资源，因此 占用大量空间 。而且 </a:t>
-            </a:r>
-            <a:r>
-              <a:rPr lang="en-US" altLang="zh-CN" dirty="0"/>
-              <a:t>VM </a:t>
-            </a:r>
-            <a:r>
-              <a:rPr lang="zh-CN" altLang="en-US" dirty="0"/>
-              <a:t>启动也十分缓慢 。</a:t>
-            </a:r>
-          </a:p>
-        </p:txBody>
-      </p:sp>
-    </p:spTree>
-    <p:extLst>
-      <p:ext uri="{BB962C8B-B14F-4D97-AF65-F5344CB8AC3E}">
-        <p14:creationId xmlns:p14="http://schemas.microsoft.com/office/powerpoint/2010/main" val="2118948316"/>
-      </p:ext>
-    </p:extLst>
-  </p:cSld>
-  <p:clrMapOvr>
-    <a:masterClrMapping/>
-  </p:clrMapOvr>
-  <p:timing>
-    <p:tnLst>
-      <p:par>
-        <p:cTn id="1" dur="indefinite" restart="never" nodeType="tmRoot">
-          <p:childTnLst>
-            <p:seq concurrent="1" nextAc="seek">
-              <p:cTn id="2" dur="indefinite" nodeType="mainSeq">
-                <p:childTnLst>
-                  <p:par>
-                    <p:cTn id="3" fill="hold">
-                      <p:stCondLst>
-                        <p:cond delay="indefinite"/>
-                      </p:stCondLst>
-                      <p:childTnLst>
-                        <p:par>
-                          <p:cTn id="4" fill="hold">
-                            <p:stCondLst>
-                              <p:cond delay="0"/>
-                            </p:stCondLst>
-                            <p:childTnLst>
-                              <p:par>
-                                <p:cTn id="5" presetID="5" presetClass="entr" presetSubtype="10" fill="hold" grpId="0" nodeType="clickEffect">
-                                  <p:stCondLst>
-                                    <p:cond delay="0"/>
-                                  </p:stCondLst>
-                                  <p:childTnLst>
-                                    <p:set>
-                                      <p:cBhvr>
-                                        <p:cTn id="6" dur="1" fill="hold">
-                                          <p:stCondLst>
-                                            <p:cond delay="0"/>
-                                          </p:stCondLst>
-                                        </p:cTn>
-                                        <p:tgtEl>
-                                          <p:spTgt spid="3"/>
-                                        </p:tgtEl>
-                                        <p:attrNameLst>
-                                          <p:attrName>style.visibility</p:attrName>
-                                        </p:attrNameLst>
-                                      </p:cBhvr>
-                                      <p:to>
-                                        <p:strVal val="visible"/>
-                                      </p:to>
-                                    </p:set>
-                                    <p:animEffect transition="in" filter="checkerboard(across)">
-                                      <p:cBhvr>
-                                        <p:cTn id="7" dur="500"/>
-                                        <p:tgtEl>
-                                          <p:spTgt spid="3"/>
-                                        </p:tgtEl>
-                                      </p:cBhvr>
-                                    </p:animEffect>
-                                  </p:childTnLst>
-                                </p:cTn>
-                              </p:par>
-                            </p:childTnLst>
-                          </p:cTn>
-                        </p:par>
-                      </p:childTnLst>
-                    </p:cTn>
-                  </p:par>
-                  <p:par>
-                    <p:cTn id="8" fill="hold">
-                      <p:stCondLst>
-                        <p:cond delay="indefinite"/>
-                      </p:stCondLst>
-                      <p:childTnLst>
-                        <p:par>
-                          <p:cTn id="9" fill="hold">
-                            <p:stCondLst>
-                              <p:cond delay="0"/>
-                            </p:stCondLst>
-                            <p:childTnLst>
-                              <p:par>
-                                <p:cTn id="10" presetID="5" presetClass="entr" presetSubtype="10" fill="hold" nodeType="clickEffect">
-                                  <p:stCondLst>
-                                    <p:cond delay="0"/>
-                                  </p:stCondLst>
-                                  <p:childTnLst>
-                                    <p:set>
-                                      <p:cBhvr>
-                                        <p:cTn id="11" dur="1" fill="hold">
-                                          <p:stCondLst>
-                                            <p:cond delay="0"/>
-                                          </p:stCondLst>
-                                        </p:cTn>
-                                        <p:tgtEl>
-                                          <p:spTgt spid="2"/>
-                                        </p:tgtEl>
-                                        <p:attrNameLst>
-                                          <p:attrName>style.visibility</p:attrName>
-                                        </p:attrNameLst>
-                                      </p:cBhvr>
-                                      <p:to>
-                                        <p:strVal val="visible"/>
-                                      </p:to>
-                                    </p:set>
-                                    <p:animEffect transition="in" filter="checkerboard(across)">
-                                      <p:cBhvr>
-                                        <p:cTn id="12" dur="500"/>
-                                        <p:tgtEl>
-                                          <p:spTgt spid="2"/>
-                                        </p:tgtEl>
-                                      </p:cBhvr>
-                                    </p:animEffect>
-                                  </p:childTnLst>
-                                </p:cTn>
-                              </p:par>
-                            </p:childTnLst>
-                          </p:cTn>
-                        </p:par>
-                      </p:childTnLst>
-                    </p:cTn>
-                  </p:par>
-                  <p:par>
-                    <p:cTn id="13" fill="hold">
-                      <p:stCondLst>
-                        <p:cond delay="indefinite"/>
-                      </p:stCondLst>
-                      <p:childTnLst>
-                        <p:par>
-                          <p:cTn id="14" fill="hold">
-                            <p:stCondLst>
-                              <p:cond delay="0"/>
-                            </p:stCondLst>
-                            <p:childTnLst>
-                              <p:par>
-                                <p:cTn id="15" presetID="3" presetClass="entr" presetSubtype="10" fill="hold" grpId="0" nodeType="clickEffect">
-                                  <p:stCondLst>
-                                    <p:cond delay="0"/>
-                                  </p:stCondLst>
-                                  <p:childTnLst>
-                                    <p:set>
-                                      <p:cBhvr>
-                                        <p:cTn id="16" dur="1" fill="hold">
-                                          <p:stCondLst>
-                                            <p:cond delay="0"/>
-                                          </p:stCondLst>
-                                        </p:cTn>
-                                        <p:tgtEl>
-                                          <p:spTgt spid="5"/>
-                                        </p:tgtEl>
-                                        <p:attrNameLst>
-                                          <p:attrName>style.visibility</p:attrName>
-                                        </p:attrNameLst>
-                                      </p:cBhvr>
-                                      <p:to>
-                                        <p:strVal val="visible"/>
-                                      </p:to>
-                                    </p:set>
-                                    <p:animEffect transition="in" filter="blinds(horizontal)">
-                                      <p:cBhvr>
-                                        <p:cTn id="17" dur="500"/>
-                                        <p:tgtEl>
-                                          <p:spTgt spid="5"/>
-                                        </p:tgtEl>
-                                      </p:cBhvr>
-                                    </p:animEffect>
-                                  </p:childTnLst>
-                                </p:cTn>
-                              </p:par>
-                            </p:childTnLst>
-                          </p:cTn>
-                        </p:par>
-                      </p:childTnLst>
-                    </p:cTn>
-                  </p:par>
-                </p:childTnLst>
-              </p:cTn>
-              <p:prevCondLst>
-                <p:cond evt="onPrev" delay="0">
-                  <p:tgtEl>
-                    <p:sldTgt/>
-                  </p:tgtEl>
-                </p:cond>
-              </p:prevCondLst>
-              <p:nextCondLst>
-                <p:cond evt="onNext" delay="0">
-                  <p:tgtEl>
-                    <p:sldTgt/>
-                  </p:tgtEl>
-                </p:cond>
-              </p:nextCondLst>
-            </p:seq>
-          </p:childTnLst>
-        </p:cTn>
-      </p:par>
-    </p:tnLst>
-    <p:bldLst>
-      <p:bldP spid="3" grpId="0"/>
-      <p:bldP spid="5" grpId="0"/>
-    </p:bldLst>
-  </p:timing>
-</p:sld>
-</file>
-
-<file path=ppt/slides/slide8.xml><?xml version="1.0" encoding="utf-8"?>
-<p:sld xmlns:a="http://schemas.openxmlformats.org/drawingml/2006/main" xmlns:r="http://schemas.openxmlformats.org/officeDocument/2006/relationships" xmlns:p="http://schemas.openxmlformats.org/presentationml/2006/main">
-  <p:cSld>
-    <p:bg>
-      <p:bgPr>
-        <a:blipFill dpi="0" rotWithShape="1">
-          <a:blip r:embed="rId2">
-            <a:lum/>
-          </a:blip>
-          <a:srcRect/>
-          <a:stretch>
-            <a:fillRect/>
-          </a:stretch>
-        </a:blipFill>
-        <a:effectLst/>
-      </p:bgPr>
-    </p:bg>
-    <p:spTree>
-      <p:nvGrpSpPr>
-        <p:cNvPr id="1" name=""/>
-        <p:cNvGrpSpPr/>
-        <p:nvPr/>
-      </p:nvGrpSpPr>
-      <p:grpSpPr>
-        <a:xfrm>
-          <a:off x="0" y="0"/>
-          <a:ext cx="0" cy="0"/>
-          <a:chOff x="0" y="0"/>
-          <a:chExt cx="0" cy="0"/>
-        </a:xfrm>
-      </p:grpSpPr>
-      <p:sp>
-        <p:nvSpPr>
-          <p:cNvPr id="26" name="矩形 25"/>
-          <p:cNvSpPr/>
-          <p:nvPr/>
-        </p:nvSpPr>
-        <p:spPr>
-          <a:xfrm>
-            <a:off x="0" y="116632"/>
-            <a:ext cx="2843808" cy="461665"/>
-          </a:xfrm>
-          <a:prstGeom prst="rect">
-            <a:avLst/>
-          </a:prstGeom>
-        </p:spPr>
-        <p:txBody>
-          <a:bodyPr wrap="square">
-            <a:spAutoFit/>
-          </a:bodyPr>
-          <a:lstStyle/>
-          <a:p>
-            <a:r>
-              <a:rPr lang="en-US" altLang="zh-CN" sz="2400" b="1" dirty="0" smtClean="0">
-                <a:solidFill>
-                  <a:schemeClr val="tx1">
-                    <a:lumMod val="75000"/>
-                    <a:lumOff val="25000"/>
-                  </a:schemeClr>
-                </a:solidFill>
-              </a:rPr>
-              <a:t>Docker</a:t>
-            </a:r>
-            <a:r>
-              <a:rPr lang="zh-CN" altLang="en-US" sz="2400" b="1" dirty="0" smtClean="0">
-                <a:solidFill>
-                  <a:schemeClr val="tx1">
-                    <a:lumMod val="75000"/>
-                    <a:lumOff val="25000"/>
-                  </a:schemeClr>
-                </a:solidFill>
-              </a:rPr>
-              <a:t> </a:t>
-            </a:r>
-            <a:r>
-              <a:rPr lang="en-US" altLang="zh-CN" sz="2400" b="1" dirty="0" smtClean="0">
-                <a:solidFill>
-                  <a:schemeClr val="tx1">
-                    <a:lumMod val="75000"/>
-                    <a:lumOff val="25000"/>
-                  </a:schemeClr>
-                </a:solidFill>
-              </a:rPr>
-              <a:t>VS </a:t>
-            </a:r>
-            <a:r>
-              <a:rPr lang="zh-CN" altLang="en-US" sz="2400" b="1" dirty="0" smtClean="0">
-                <a:solidFill>
-                  <a:schemeClr val="tx1">
-                    <a:lumMod val="75000"/>
-                    <a:lumOff val="25000"/>
-                  </a:schemeClr>
-                </a:solidFill>
-              </a:rPr>
-              <a:t>虚拟机</a:t>
-            </a:r>
-            <a:endParaRPr lang="zh-CN" altLang="en-US" sz="2400" dirty="0">
-              <a:solidFill>
-                <a:schemeClr val="tx1">
-                  <a:lumMod val="75000"/>
-                  <a:lumOff val="25000"/>
-                </a:schemeClr>
-              </a:solidFill>
-              <a:latin typeface="微软雅黑" panose="020B0503020204020204" pitchFamily="34" charset="-122"/>
-              <a:ea typeface="微软雅黑" panose="020B0503020204020204" pitchFamily="34" charset="-122"/>
-            </a:endParaRPr>
-          </a:p>
-        </p:txBody>
-      </p:sp>
-      <p:pic>
-        <p:nvPicPr>
-          <p:cNvPr id="8" name="图片 7"/>
-          <p:cNvPicPr>
-            <a:picLocks noChangeAspect="1"/>
-          </p:cNvPicPr>
-          <p:nvPr/>
-        </p:nvPicPr>
-        <p:blipFill>
-          <a:blip r:embed="rId3">
-            <a:extLst>
-              <a:ext uri="{28A0092B-C50C-407E-A947-70E740481C1C}">
-                <a14:useLocalDpi xmlns:a14="http://schemas.microsoft.com/office/drawing/2010/main" val="0"/>
-              </a:ext>
-            </a:extLst>
-          </a:blip>
-          <a:stretch>
-            <a:fillRect/>
-          </a:stretch>
-        </p:blipFill>
-        <p:spPr>
-          <a:xfrm>
-            <a:off x="0" y="1181100"/>
-            <a:ext cx="9144000" cy="4483100"/>
-          </a:xfrm>
-          <a:prstGeom prst="rect">
-            <a:avLst/>
-          </a:prstGeom>
-        </p:spPr>
-      </p:pic>
-      <p:pic>
-        <p:nvPicPr>
-          <p:cNvPr id="9" name="图片 8"/>
-          <p:cNvPicPr>
-            <a:picLocks noChangeAspect="1"/>
-          </p:cNvPicPr>
-          <p:nvPr/>
-        </p:nvPicPr>
-        <p:blipFill>
-          <a:blip r:embed="rId4">
-            <a:extLst>
-              <a:ext uri="{28A0092B-C50C-407E-A947-70E740481C1C}">
-                <a14:useLocalDpi xmlns:a14="http://schemas.microsoft.com/office/drawing/2010/main" val="0"/>
-              </a:ext>
-            </a:extLst>
-          </a:blip>
-          <a:stretch>
-            <a:fillRect/>
-          </a:stretch>
-        </p:blipFill>
-        <p:spPr>
-          <a:xfrm>
-            <a:off x="0" y="1384300"/>
-            <a:ext cx="9144000" cy="4081308"/>
-          </a:xfrm>
-          <a:prstGeom prst="rect">
-            <a:avLst/>
-          </a:prstGeom>
-        </p:spPr>
-      </p:pic>
-      <p:pic>
-        <p:nvPicPr>
-          <p:cNvPr id="10" name="图片 9"/>
-          <p:cNvPicPr>
-            <a:picLocks noChangeAspect="1"/>
-          </p:cNvPicPr>
-          <p:nvPr/>
-        </p:nvPicPr>
-        <p:blipFill>
-          <a:blip r:embed="rId5">
-            <a:extLst>
-              <a:ext uri="{28A0092B-C50C-407E-A947-70E740481C1C}">
-                <a14:useLocalDpi xmlns:a14="http://schemas.microsoft.com/office/drawing/2010/main" val="0"/>
-              </a:ext>
-            </a:extLst>
-          </a:blip>
-          <a:stretch>
-            <a:fillRect/>
-          </a:stretch>
-        </p:blipFill>
-        <p:spPr>
-          <a:xfrm>
-            <a:off x="0" y="1511300"/>
-            <a:ext cx="9144000" cy="3835400"/>
-          </a:xfrm>
-          <a:prstGeom prst="rect">
-            <a:avLst/>
-          </a:prstGeom>
-        </p:spPr>
-      </p:pic>
-    </p:spTree>
-    <p:extLst>
-      <p:ext uri="{BB962C8B-B14F-4D97-AF65-F5344CB8AC3E}">
-        <p14:creationId xmlns:p14="http://schemas.microsoft.com/office/powerpoint/2010/main" val="313040083"/>
-      </p:ext>
-    </p:extLst>
-  </p:cSld>
-  <p:clrMapOvr>
-    <a:masterClrMapping/>
-  </p:clrMapOvr>
-  <p:timing>
-    <p:tnLst>
-      <p:par>
-        <p:cTn id="1" dur="indefinite" restart="never" nodeType="tmRoot">
-          <p:childTnLst>
-            <p:seq concurrent="1" nextAc="seek">
-              <p:cTn id="2" dur="indefinite" nodeType="mainSeq">
-                <p:childTnLst>
-                  <p:par>
-                    <p:cTn id="3" fill="hold">
-                      <p:stCondLst>
-                        <p:cond delay="indefinite"/>
-                      </p:stCondLst>
-                      <p:childTnLst>
-                        <p:par>
-                          <p:cTn id="4" fill="hold">
-                            <p:stCondLst>
-                              <p:cond delay="0"/>
-                            </p:stCondLst>
-                            <p:childTnLst>
-                              <p:par>
-                                <p:cTn id="5" presetID="3" presetClass="entr" presetSubtype="10" fill="hold" nodeType="clickEffect">
-                                  <p:stCondLst>
-                                    <p:cond delay="0"/>
-                                  </p:stCondLst>
-                                  <p:childTnLst>
-                                    <p:set>
-                                      <p:cBhvr>
-                                        <p:cTn id="6" dur="1" fill="hold">
-                                          <p:stCondLst>
-                                            <p:cond delay="0"/>
-                                          </p:stCondLst>
-                                        </p:cTn>
-                                        <p:tgtEl>
-                                          <p:spTgt spid="8"/>
-                                        </p:tgtEl>
-                                        <p:attrNameLst>
-                                          <p:attrName>style.visibility</p:attrName>
-                                        </p:attrNameLst>
-                                      </p:cBhvr>
-                                      <p:to>
-                                        <p:strVal val="visible"/>
-                                      </p:to>
-                                    </p:set>
-                                    <p:animEffect transition="in" filter="blinds(horizontal)">
-                                      <p:cBhvr>
-                                        <p:cTn id="7" dur="500"/>
-                                        <p:tgtEl>
-                                          <p:spTgt spid="8"/>
-                                        </p:tgtEl>
-                                      </p:cBhvr>
-                                    </p:animEffect>
-                                  </p:childTnLst>
-                                </p:cTn>
-                              </p:par>
-                            </p:childTnLst>
-                          </p:cTn>
-                        </p:par>
-                      </p:childTnLst>
-                    </p:cTn>
-                  </p:par>
-                  <p:par>
-                    <p:cTn id="8" fill="hold">
-                      <p:stCondLst>
-                        <p:cond delay="indefinite"/>
-                      </p:stCondLst>
-                      <p:childTnLst>
-                        <p:par>
-                          <p:cTn id="9" fill="hold">
-                            <p:stCondLst>
-                              <p:cond delay="0"/>
-                            </p:stCondLst>
-                            <p:childTnLst>
-                              <p:par>
-                                <p:cTn id="10" presetID="5" presetClass="entr" presetSubtype="10" fill="hold" nodeType="clickEffect">
-                                  <p:stCondLst>
-                                    <p:cond delay="0"/>
-                                  </p:stCondLst>
-                                  <p:childTnLst>
-                                    <p:set>
-                                      <p:cBhvr>
-                                        <p:cTn id="11" dur="1" fill="hold">
-                                          <p:stCondLst>
-                                            <p:cond delay="0"/>
-                                          </p:stCondLst>
-                                        </p:cTn>
-                                        <p:tgtEl>
-                                          <p:spTgt spid="9"/>
-                                        </p:tgtEl>
-                                        <p:attrNameLst>
-                                          <p:attrName>style.visibility</p:attrName>
-                                        </p:attrNameLst>
-                                      </p:cBhvr>
-                                      <p:to>
-                                        <p:strVal val="visible"/>
-                                      </p:to>
-                                    </p:set>
-                                    <p:animEffect transition="in" filter="checkerboard(across)">
-                                      <p:cBhvr>
-                                        <p:cTn id="12" dur="500"/>
-                                        <p:tgtEl>
-                                          <p:spTgt spid="9"/>
-                                        </p:tgtEl>
-                                      </p:cBhvr>
-                                    </p:animEffect>
-                                  </p:childTnLst>
-                                </p:cTn>
-                              </p:par>
-                            </p:childTnLst>
-                          </p:cTn>
-                        </p:par>
-                      </p:childTnLst>
-                    </p:cTn>
-                  </p:par>
-                  <p:par>
-                    <p:cTn id="13" fill="hold">
-                      <p:stCondLst>
-                        <p:cond delay="indefinite"/>
-                      </p:stCondLst>
-                      <p:childTnLst>
-                        <p:par>
-                          <p:cTn id="14" fill="hold">
-                            <p:stCondLst>
-                              <p:cond delay="0"/>
-                            </p:stCondLst>
-                            <p:childTnLst>
-                              <p:par>
-                                <p:cTn id="15" presetID="18" presetClass="entr" presetSubtype="12" fill="hold" nodeType="clickEffect">
-                                  <p:stCondLst>
-                                    <p:cond delay="0"/>
-                                  </p:stCondLst>
-                                  <p:childTnLst>
-                                    <p:set>
-                                      <p:cBhvr>
-                                        <p:cTn id="16" dur="1" fill="hold">
-                                          <p:stCondLst>
-                                            <p:cond delay="0"/>
-                                          </p:stCondLst>
-                                        </p:cTn>
-                                        <p:tgtEl>
-                                          <p:spTgt spid="10"/>
-                                        </p:tgtEl>
-                                        <p:attrNameLst>
-                                          <p:attrName>style.visibility</p:attrName>
-                                        </p:attrNameLst>
-                                      </p:cBhvr>
-                                      <p:to>
-                                        <p:strVal val="visible"/>
-                                      </p:to>
-                                    </p:set>
-                                    <p:animEffect transition="in" filter="strips(downLeft)">
-                                      <p:cBhvr>
-                                        <p:cTn id="17" dur="500"/>
-                                        <p:tgtEl>
-                                          <p:spTgt spid="10"/>
-                                        </p:tgtEl>
-                                      </p:cBhvr>
-                                    </p:animEffect>
-                                  </p:childTnLst>
-                                </p:cTn>
-                              </p:par>
-                            </p:childTnLst>
-                          </p:cTn>
-                        </p:par>
-                      </p:childTnLst>
-                    </p:cTn>
-                  </p:par>
-                </p:childTnLst>
-              </p:cTn>
-              <p:prevCondLst>
-                <p:cond evt="onPrev" delay="0">
-                  <p:tgtEl>
-                    <p:sldTgt/>
-                  </p:tgtEl>
-                </p:cond>
-              </p:prevCondLst>
-              <p:nextCondLst>
-                <p:cond evt="onNext" delay="0">
-                  <p:tgtEl>
-                    <p:sldTgt/>
-                  </p:tgtEl>
-                </p:cond>
-              </p:nextCondLst>
-            </p:seq>
-          </p:childTnLst>
-        </p:cTn>
-      </p:par>
-    </p:tnLst>
-  </p:timing>
-</p:sld>
-</file>
-
 <file path=ppt/slides/slide9.xml><?xml version="1.0" encoding="utf-8"?>
 <p:sld xmlns:a="http://schemas.openxmlformats.org/drawingml/2006/main" xmlns:r="http://schemas.openxmlformats.org/officeDocument/2006/relationships" xmlns:p="http://schemas.openxmlformats.org/presentationml/2006/main">
   <p:cSld>
@@ -10589,7 +12735,7 @@
           <a:lstStyle/>
           <a:p>
             <a:r>
-              <a:rPr lang="en-US" altLang="zh-CN" sz="2400" b="1" dirty="0" smtClean="0">
+              <a:rPr lang="en-US" altLang="zh-CN" sz="2400" b="1" smtClean="0">
                 <a:solidFill>
                   <a:schemeClr val="tx1">
                     <a:lumMod val="75000"/>
@@ -10600,7 +12746,7 @@
               <a:t>Docker</a:t>
             </a:r>
             <a:r>
-              <a:rPr lang="zh-CN" altLang="en-US" sz="2400" b="1" dirty="0" smtClean="0">
+              <a:rPr lang="zh-CN" altLang="en-US" sz="2400" b="1" smtClean="0">
                 <a:solidFill>
                   <a:schemeClr val="tx1">
                     <a:lumMod val="75000"/>
@@ -10608,7 +12754,18 @@
                   </a:schemeClr>
                 </a:solidFill>
               </a:rPr>
-              <a:t>常用仓库</a:t>
+              <a:t> </a:t>
+            </a:r>
+            <a:r>
+              <a:rPr lang="zh-CN" altLang="en-US" sz="2400" b="1" dirty="0" smtClean="0">
+                <a:solidFill>
+                  <a:schemeClr val="tx1">
+                    <a:lumMod val="75000"/>
+                    <a:lumOff val="25000"/>
+                  </a:schemeClr>
+                </a:solidFill>
+              </a:rPr>
+              <a:t>的优势</a:t>
             </a:r>
             <a:endParaRPr lang="zh-CN" altLang="en-US" sz="2400" dirty="0">
               <a:solidFill>
@@ -10625,112 +12782,73 @@
       </p:sp>
       <p:sp>
         <p:nvSpPr>
-          <p:cNvPr id="3" name="文本框 2"/>
-          <p:cNvSpPr txBox="1"/>
+          <p:cNvPr id="2" name="矩形 1"/>
+          <p:cNvSpPr/>
           <p:nvPr/>
         </p:nvSpPr>
         <p:spPr>
           <a:xfrm>
-            <a:off x="9511" y="908720"/>
-            <a:ext cx="8954978" cy="923330"/>
+            <a:off x="179512" y="908720"/>
+            <a:ext cx="7776864" cy="369332"/>
           </a:xfrm>
           <a:prstGeom prst="rect">
             <a:avLst/>
           </a:prstGeom>
-          <a:noFill/>
         </p:spPr>
         <p:txBody>
-          <a:bodyPr wrap="square" rtlCol="0">
+          <a:bodyPr wrap="square">
             <a:spAutoFit/>
           </a:bodyPr>
           <a:lstStyle/>
           <a:p>
             <a:r>
-              <a:rPr lang="en-US" altLang="zh-CN" dirty="0" smtClean="0"/>
-              <a:t>Docker</a:t>
-            </a:r>
-            <a:r>
-              <a:rPr lang="zh-CN" altLang="en-US" dirty="0"/>
-              <a:t>系统有两个程序：</a:t>
-            </a:r>
-            <a:r>
-              <a:rPr lang="en-US" altLang="zh-CN" dirty="0" err="1"/>
-              <a:t>docker</a:t>
-            </a:r>
-            <a:r>
-              <a:rPr lang="zh-CN" altLang="en-US" dirty="0"/>
-              <a:t>服务端和</a:t>
-            </a:r>
-            <a:r>
-              <a:rPr lang="en-US" altLang="zh-CN" dirty="0" err="1"/>
-              <a:t>docker</a:t>
-            </a:r>
-            <a:r>
-              <a:rPr lang="zh-CN" altLang="en-US" dirty="0"/>
-              <a:t>客户端。其中</a:t>
-            </a:r>
-            <a:r>
-              <a:rPr lang="en-US" altLang="zh-CN" dirty="0" err="1"/>
-              <a:t>docker</a:t>
-            </a:r>
-            <a:r>
-              <a:rPr lang="zh-CN" altLang="en-US" dirty="0"/>
-              <a:t>服务端是一个服务进程，管理着所有的容器。</a:t>
-            </a:r>
-            <a:r>
-              <a:rPr lang="en-US" altLang="zh-CN" dirty="0" err="1"/>
-              <a:t>docker</a:t>
-            </a:r>
-            <a:r>
-              <a:rPr lang="zh-CN" altLang="en-US" dirty="0"/>
-              <a:t>客户端则扮演着</a:t>
-            </a:r>
-            <a:r>
-              <a:rPr lang="en-US" altLang="zh-CN" dirty="0" err="1"/>
-              <a:t>docker</a:t>
-            </a:r>
-            <a:r>
-              <a:rPr lang="zh-CN" altLang="en-US" dirty="0"/>
-              <a:t>服务端的远程控制器，可以用来控制</a:t>
-            </a:r>
-            <a:r>
-              <a:rPr lang="en-US" altLang="zh-CN" dirty="0" err="1"/>
-              <a:t>docker</a:t>
-            </a:r>
-            <a:r>
-              <a:rPr lang="zh-CN" altLang="en-US" dirty="0"/>
-              <a:t>的服务端进程。大部分情况下，</a:t>
-            </a:r>
-            <a:r>
-              <a:rPr lang="en-US" altLang="zh-CN" dirty="0" err="1"/>
-              <a:t>docker</a:t>
-            </a:r>
-            <a:r>
-              <a:rPr lang="zh-CN" altLang="en-US" dirty="0"/>
-              <a:t>服务端和客户端运行在一台机器上。</a:t>
-            </a:r>
-            <a:endParaRPr kumimoji="1" lang="zh-CN" altLang="en-US" dirty="0"/>
+              <a:rPr lang="en-US" altLang="zh-CN" dirty="0">
+                <a:solidFill>
+                  <a:srgbClr val="222222"/>
+                </a:solidFill>
+                <a:latin typeface="PingFang SC" charset="-122"/>
+              </a:rPr>
+              <a:t>Docker </a:t>
+            </a:r>
+            <a:r>
+              <a:rPr lang="zh-CN" altLang="en-US" dirty="0">
+                <a:solidFill>
+                  <a:srgbClr val="222222"/>
+                </a:solidFill>
+                <a:latin typeface="PingFang SC" charset="-122"/>
+              </a:rPr>
+              <a:t>相比于传统虚拟化</a:t>
+            </a:r>
+            <a:r>
+              <a:rPr lang="zh-CN" altLang="en-US" dirty="0" smtClean="0">
+                <a:solidFill>
+                  <a:srgbClr val="222222"/>
+                </a:solidFill>
+                <a:latin typeface="PingFang SC" charset="-122"/>
+              </a:rPr>
+              <a:t>方式：</a:t>
+            </a:r>
+            <a:endParaRPr lang="zh-CN" altLang="en-US" dirty="0"/>
           </a:p>
         </p:txBody>
       </p:sp>
       <p:sp>
         <p:nvSpPr>
-          <p:cNvPr id="4" name="文本框 3"/>
-          <p:cNvSpPr txBox="1"/>
+          <p:cNvPr id="3" name="矩形 2"/>
+          <p:cNvSpPr/>
           <p:nvPr/>
         </p:nvSpPr>
         <p:spPr>
           <a:xfrm>
-            <a:off x="390248" y="2276872"/>
-            <a:ext cx="8193504" cy="2862322"/>
+            <a:off x="323528" y="1284898"/>
+            <a:ext cx="8640960" cy="3152214"/>
           </a:xfrm>
           <a:prstGeom prst="rect">
             <a:avLst/>
           </a:prstGeom>
-          <a:noFill/>
         </p:spPr>
         <p:txBody>
-          <a:bodyPr wrap="square" rtlCol="0">
+          <a:bodyPr wrap="square">
             <a:spAutoFit/>
           </a:bodyPr>
           <a:lstStyle/>
@@ -10740,59 +12858,101 @@
               <a:buChar char="l"/>
             </a:pPr>
             <a:r>
-              <a:rPr kumimoji="1" lang="zh-CN" altLang="en-US" dirty="0"/>
-              <a:t>可视化管理镜像与容器</a:t>
-            </a:r>
-            <a:r>
-              <a:rPr kumimoji="1" lang="zh-CN" altLang="en-US" dirty="0" smtClean="0"/>
-              <a:t>工具</a:t>
-            </a:r>
-            <a:r>
-              <a:rPr kumimoji="1" lang="zh-CN" altLang="en-US" dirty="0"/>
-              <a:t>：</a:t>
-            </a:r>
-            <a:r>
-              <a:rPr kumimoji="1" lang="en-US" altLang="zh-CN" dirty="0"/>
-              <a:t> </a:t>
-            </a:r>
-            <a:r>
-              <a:rPr kumimoji="1" lang="en-US" altLang="zh-CN" dirty="0" err="1"/>
-              <a:t>Kitematic</a:t>
-            </a:r>
-            <a:r>
-              <a:rPr kumimoji="1" lang="zh-CN" altLang="en-US" dirty="0"/>
-              <a:t>，</a:t>
-            </a:r>
-            <a:r>
-              <a:rPr kumimoji="1" lang="en-US" altLang="zh-CN" dirty="0"/>
-              <a:t> </a:t>
-            </a:r>
-            <a:r>
-              <a:rPr kumimoji="1" lang="en-US" altLang="zh-CN" dirty="0">
-                <a:hlinkClick r:id="rId3"/>
-              </a:rPr>
-              <a:t>https://</a:t>
-            </a:r>
-            <a:r>
-              <a:rPr kumimoji="1" lang="en-US" altLang="zh-CN" dirty="0" err="1">
-                <a:hlinkClick r:id="rId3"/>
-              </a:rPr>
-              <a:t>kitematic.com</a:t>
-            </a:r>
-            <a:r>
-              <a:rPr kumimoji="1" lang="en-US" altLang="zh-CN" dirty="0">
-                <a:hlinkClick r:id="rId3"/>
-              </a:rPr>
-              <a:t>/</a:t>
-            </a:r>
-            <a:endParaRPr kumimoji="1" lang="en-US" altLang="zh-CN" dirty="0"/>
+              <a:rPr lang="en-US" altLang="zh-CN" dirty="0">
+                <a:solidFill>
+                  <a:srgbClr val="222222"/>
+                </a:solidFill>
+                <a:latin typeface="PingFang SC" charset="-122"/>
+              </a:rPr>
+              <a:t>Docker </a:t>
+            </a:r>
+            <a:r>
+              <a:rPr lang="zh-CN" altLang="en-US" dirty="0">
+                <a:solidFill>
+                  <a:srgbClr val="222222"/>
+                </a:solidFill>
+                <a:latin typeface="PingFang SC" charset="-122"/>
+              </a:rPr>
+              <a:t>启动快速属于秒级别。虚拟机通常需要几分钟去启动。</a:t>
+            </a:r>
           </a:p>
           <a:p>
             <a:pPr marL="285750" indent="-285750">
               <a:buFont typeface="Wingdings" charset="2"/>
               <a:buChar char="l"/>
             </a:pPr>
-            <a:endParaRPr kumimoji="1" lang="en-US" altLang="zh-CN" dirty="0" smtClean="0"/>
+            <a:r>
+              <a:rPr lang="en-US" altLang="zh-CN" dirty="0">
+                <a:solidFill>
+                  <a:srgbClr val="222222"/>
+                </a:solidFill>
+                <a:latin typeface="PingFang SC" charset="-122"/>
+              </a:rPr>
+              <a:t>Docker </a:t>
+            </a:r>
+            <a:r>
+              <a:rPr lang="zh-CN" altLang="en-US" dirty="0">
+                <a:solidFill>
+                  <a:srgbClr val="222222"/>
+                </a:solidFill>
+                <a:latin typeface="PingFang SC" charset="-122"/>
+              </a:rPr>
+              <a:t>需要的资源更少。</a:t>
+            </a:r>
+            <a:r>
+              <a:rPr lang="en-US" altLang="zh-CN" dirty="0">
+                <a:solidFill>
+                  <a:srgbClr val="222222"/>
+                </a:solidFill>
+                <a:latin typeface="PingFang SC" charset="-122"/>
+              </a:rPr>
+              <a:t>Docker </a:t>
+            </a:r>
+            <a:r>
+              <a:rPr lang="zh-CN" altLang="en-US" dirty="0">
+                <a:solidFill>
+                  <a:srgbClr val="222222"/>
+                </a:solidFill>
+                <a:latin typeface="PingFang SC" charset="-122"/>
+              </a:rPr>
+              <a:t>在操作系统级别进行虚拟化，</a:t>
+            </a:r>
+            <a:r>
+              <a:rPr lang="en-US" altLang="zh-CN" dirty="0">
+                <a:solidFill>
+                  <a:srgbClr val="222222"/>
+                </a:solidFill>
+                <a:latin typeface="PingFang SC" charset="-122"/>
+              </a:rPr>
+              <a:t>Docker </a:t>
+            </a:r>
+            <a:r>
+              <a:rPr lang="zh-CN" altLang="en-US" dirty="0">
+                <a:solidFill>
+                  <a:srgbClr val="222222"/>
+                </a:solidFill>
+                <a:latin typeface="PingFang SC" charset="-122"/>
+              </a:rPr>
+              <a:t>容器和内核交互，几乎没有性能损耗，性能优于通过 </a:t>
+            </a:r>
+            <a:r>
+              <a:rPr lang="en-US" altLang="zh-CN" dirty="0">
+                <a:solidFill>
+                  <a:srgbClr val="222222"/>
+                </a:solidFill>
+                <a:latin typeface="PingFang SC" charset="-122"/>
+              </a:rPr>
+              <a:t>Hypervisor </a:t>
+            </a:r>
+            <a:r>
+              <a:rPr lang="zh-CN" altLang="en-US" dirty="0">
+                <a:solidFill>
+                  <a:srgbClr val="222222"/>
+                </a:solidFill>
+                <a:latin typeface="PingFang SC" charset="-122"/>
+              </a:rPr>
+              <a:t>层与内核层的虚拟化。</a:t>
+            </a:r>
           </a:p>
           <a:p>
             <a:pPr marL="285750" indent="-285750">
@@ -10800,43 +12960,110 @@
               <a:buChar char="l"/>
             </a:pPr>
             <a:r>
-              <a:rPr kumimoji="1" lang="zh-CN" altLang="en-US" dirty="0" smtClean="0"/>
-              <a:t>官方镜像仓库</a:t>
-            </a:r>
-            <a:r>
-              <a:rPr kumimoji="1" lang="zh-CN" altLang="en-US" dirty="0" smtClean="0"/>
-              <a:t>：</a:t>
-            </a:r>
-            <a:r>
-              <a:rPr kumimoji="1" lang="en-US" altLang="zh-CN" dirty="0"/>
-              <a:t> </a:t>
-            </a:r>
-            <a:r>
-              <a:rPr kumimoji="1" lang="en-US" altLang="zh-CN" dirty="0">
-                <a:hlinkClick r:id="rId4"/>
-              </a:rPr>
-              <a:t>https://</a:t>
-            </a:r>
-            <a:r>
-              <a:rPr kumimoji="1" lang="en-US" altLang="zh-CN" dirty="0" err="1">
-                <a:hlinkClick r:id="rId4"/>
-              </a:rPr>
-              <a:t>hub.docker.com</a:t>
-            </a:r>
-            <a:r>
-              <a:rPr kumimoji="1" lang="en-US" altLang="zh-CN" dirty="0">
-                <a:hlinkClick r:id="rId4"/>
-              </a:rPr>
-              <a:t>/</a:t>
-            </a:r>
-            <a:endParaRPr kumimoji="1" lang="en-US" altLang="zh-CN" dirty="0" smtClean="0"/>
+              <a:rPr lang="en-US" altLang="zh-CN" dirty="0">
+                <a:solidFill>
+                  <a:srgbClr val="222222"/>
+                </a:solidFill>
+                <a:latin typeface="PingFang SC" charset="-122"/>
+              </a:rPr>
+              <a:t>Docker </a:t>
+            </a:r>
+            <a:r>
+              <a:rPr lang="zh-CN" altLang="en-US" dirty="0">
+                <a:solidFill>
+                  <a:srgbClr val="222222"/>
+                </a:solidFill>
+                <a:latin typeface="PingFang SC" charset="-122"/>
+              </a:rPr>
+              <a:t>更轻量。</a:t>
+            </a:r>
+            <a:r>
+              <a:rPr lang="en-US" altLang="zh-CN" dirty="0">
+                <a:solidFill>
+                  <a:srgbClr val="222222"/>
+                </a:solidFill>
+                <a:latin typeface="PingFang SC" charset="-122"/>
+              </a:rPr>
+              <a:t>Docker </a:t>
+            </a:r>
+            <a:r>
+              <a:rPr lang="zh-CN" altLang="en-US" dirty="0">
+                <a:solidFill>
+                  <a:srgbClr val="222222"/>
+                </a:solidFill>
+                <a:latin typeface="PingFang SC" charset="-122"/>
+              </a:rPr>
+              <a:t>的架构可以共用一个内核与共享应用程序库，所占内存极小。同样的硬件环境，</a:t>
+            </a:r>
+            <a:r>
+              <a:rPr lang="en-US" altLang="zh-CN" dirty="0">
+                <a:solidFill>
+                  <a:srgbClr val="222222"/>
+                </a:solidFill>
+                <a:latin typeface="PingFang SC" charset="-122"/>
+              </a:rPr>
+              <a:t>Docker </a:t>
+            </a:r>
+            <a:r>
+              <a:rPr lang="zh-CN" altLang="en-US" dirty="0">
+                <a:solidFill>
+                  <a:srgbClr val="222222"/>
+                </a:solidFill>
+                <a:latin typeface="PingFang SC" charset="-122"/>
+              </a:rPr>
+              <a:t>运行的镜像数远多于虚拟机数量，对系统的利用率非常高。</a:t>
+            </a:r>
           </a:p>
           <a:p>
             <a:pPr marL="285750" indent="-285750">
               <a:buFont typeface="Wingdings" charset="2"/>
               <a:buChar char="l"/>
             </a:pPr>
-            <a:endParaRPr kumimoji="1" lang="en-US" altLang="zh-CN" dirty="0" smtClean="0"/>
+            <a:r>
+              <a:rPr lang="zh-CN" altLang="en-US" dirty="0">
+                <a:solidFill>
+                  <a:srgbClr val="222222"/>
+                </a:solidFill>
+                <a:latin typeface="PingFang SC" charset="-122"/>
+              </a:rPr>
+              <a:t>与虚拟机相比，</a:t>
+            </a:r>
+            <a:r>
+              <a:rPr lang="en-US" altLang="zh-CN" dirty="0">
+                <a:solidFill>
+                  <a:srgbClr val="222222"/>
+                </a:solidFill>
+                <a:latin typeface="PingFang SC" charset="-122"/>
+              </a:rPr>
+              <a:t>Docker </a:t>
+            </a:r>
+            <a:r>
+              <a:rPr lang="zh-CN" altLang="en-US" dirty="0">
+                <a:solidFill>
+                  <a:srgbClr val="222222"/>
+                </a:solidFill>
+                <a:latin typeface="PingFang SC" charset="-122"/>
+              </a:rPr>
+              <a:t>隔离性更弱。</a:t>
+            </a:r>
+            <a:r>
+              <a:rPr lang="en-US" altLang="zh-CN" dirty="0">
+                <a:solidFill>
+                  <a:srgbClr val="222222"/>
+                </a:solidFill>
+                <a:latin typeface="PingFang SC" charset="-122"/>
+              </a:rPr>
+              <a:t>Docker </a:t>
+            </a:r>
+            <a:r>
+              <a:rPr lang="zh-CN" altLang="en-US" dirty="0">
+                <a:solidFill>
+                  <a:srgbClr val="222222"/>
+                </a:solidFill>
+                <a:latin typeface="PingFang SC" charset="-122"/>
+              </a:rPr>
+              <a:t>属于进程之间的隔离，虚拟机可实现系统级别隔离。</a:t>
+            </a:r>
           </a:p>
           <a:p>
             <a:pPr marL="285750" indent="-285750">
@@ -10844,185 +13071,311 @@
               <a:buChar char="l"/>
             </a:pPr>
             <a:r>
-              <a:rPr kumimoji="1" lang="zh-CN" altLang="en-US" dirty="0" smtClean="0"/>
-              <a:t>阿里云镜像仓库：</a:t>
-            </a:r>
-            <a:r>
-              <a:rPr kumimoji="1" lang="en-US" altLang="zh-CN" dirty="0">
-                <a:hlinkClick r:id="rId5"/>
-              </a:rPr>
-              <a:t>https://dev.aliyun.com/search.html</a:t>
-            </a:r>
-            <a:endParaRPr kumimoji="1" lang="en-US" altLang="zh-CN" dirty="0" smtClean="0"/>
-          </a:p>
-          <a:p>
-            <a:pPr marL="285750" indent="-285750">
-              <a:buFont typeface="Wingdings" charset="2"/>
-              <a:buChar char="l"/>
-            </a:pPr>
-            <a:endParaRPr kumimoji="1" lang="en-US" altLang="zh-CN" dirty="0"/>
-          </a:p>
-          <a:p>
-            <a:pPr marL="285750" indent="-285750">
-              <a:buFont typeface="Wingdings" charset="2"/>
-              <a:buChar char="l"/>
-            </a:pPr>
-            <a:r>
-              <a:rPr kumimoji="1" lang="en-US" altLang="zh-CN" dirty="0" err="1" smtClean="0"/>
-              <a:t>DaoCloud</a:t>
-            </a:r>
-            <a:r>
-              <a:rPr kumimoji="1" lang="zh-CN" altLang="en-US" dirty="0" smtClean="0"/>
-              <a:t>镜像仓库：</a:t>
-            </a:r>
-            <a:r>
-              <a:rPr kumimoji="1" lang="en-US" altLang="zh-CN" dirty="0">
-                <a:hlinkClick r:id="rId6"/>
-              </a:rPr>
-              <a:t>https://</a:t>
-            </a:r>
-            <a:r>
-              <a:rPr kumimoji="1" lang="en-US" altLang="zh-CN" dirty="0" smtClean="0">
-                <a:hlinkClick r:id="rId6"/>
-              </a:rPr>
-              <a:t>dashboard.daocloud.io/packages/explore</a:t>
-            </a:r>
-            <a:endParaRPr kumimoji="1" lang="en-US" altLang="zh-CN" dirty="0" smtClean="0"/>
-          </a:p>
-          <a:p>
-            <a:pPr marL="285750" indent="-285750">
-              <a:buFont typeface="Wingdings" charset="2"/>
-              <a:buChar char="l"/>
-            </a:pPr>
-            <a:endParaRPr kumimoji="1" lang="en-US" altLang="zh-CN" dirty="0"/>
-          </a:p>
-          <a:p>
-            <a:pPr marL="285750" indent="-285750">
-              <a:buFont typeface="Wingdings" charset="2"/>
-              <a:buChar char="l"/>
-            </a:pPr>
-            <a:r>
-              <a:rPr kumimoji="1" lang="zh-CN" altLang="en-US" dirty="0" smtClean="0"/>
-              <a:t>其他镜像仓库：</a:t>
-            </a:r>
-            <a:r>
-              <a:rPr kumimoji="1" lang="en-US" altLang="zh-CN" dirty="0" smtClean="0"/>
-              <a:t>AWS</a:t>
-            </a:r>
-            <a:r>
-              <a:rPr kumimoji="1" lang="zh-CN" altLang="en-US" dirty="0" smtClean="0"/>
-              <a:t>、腾讯云、华为云等</a:t>
-            </a:r>
-            <a:endParaRPr kumimoji="1" lang="en-US" altLang="zh-CN" dirty="0" smtClean="0"/>
-          </a:p>
-          <a:p>
-            <a:pPr marL="285750" indent="-285750">
-              <a:buFont typeface="Wingdings" charset="2"/>
-              <a:buChar char="l"/>
-            </a:pPr>
-            <a:endParaRPr kumimoji="1" lang="en-US" altLang="zh-CN" dirty="0" smtClean="0"/>
+              <a:rPr lang="zh-CN" altLang="en-US" dirty="0">
+                <a:solidFill>
+                  <a:srgbClr val="222222"/>
+                </a:solidFill>
+                <a:latin typeface="PingFang SC" charset="-122"/>
+              </a:rPr>
+              <a:t>安全性。</a:t>
+            </a:r>
+            <a:r>
+              <a:rPr lang="en-US" altLang="zh-CN" dirty="0">
+                <a:solidFill>
+                  <a:srgbClr val="222222"/>
+                </a:solidFill>
+                <a:latin typeface="PingFang SC" charset="-122"/>
+              </a:rPr>
+              <a:t>Docker </a:t>
+            </a:r>
+            <a:r>
+              <a:rPr lang="zh-CN" altLang="en-US" dirty="0">
+                <a:solidFill>
+                  <a:srgbClr val="222222"/>
+                </a:solidFill>
+                <a:latin typeface="PingFang SC" charset="-122"/>
+              </a:rPr>
+              <a:t>的安全性也更弱，</a:t>
+            </a:r>
+            <a:r>
+              <a:rPr lang="en-US" altLang="zh-CN" dirty="0">
+                <a:solidFill>
+                  <a:srgbClr val="222222"/>
+                </a:solidFill>
+                <a:latin typeface="PingFang SC" charset="-122"/>
+              </a:rPr>
+              <a:t>Docker </a:t>
+            </a:r>
+            <a:r>
+              <a:rPr lang="zh-CN" altLang="en-US" dirty="0">
+                <a:solidFill>
+                  <a:srgbClr val="222222"/>
+                </a:solidFill>
+                <a:latin typeface="PingFang SC" charset="-122"/>
+              </a:rPr>
+              <a:t>的租户 </a:t>
+            </a:r>
+            <a:r>
+              <a:rPr lang="en-US" altLang="zh-CN" dirty="0">
+                <a:solidFill>
+                  <a:srgbClr val="222222"/>
+                </a:solidFill>
+                <a:latin typeface="PingFang SC" charset="-122"/>
+              </a:rPr>
+              <a:t>Root </a:t>
+            </a:r>
+            <a:r>
+              <a:rPr lang="zh-CN" altLang="en-US" dirty="0">
+                <a:solidFill>
+                  <a:srgbClr val="222222"/>
+                </a:solidFill>
+                <a:latin typeface="PingFang SC" charset="-122"/>
+              </a:rPr>
+              <a:t>和宿主机 </a:t>
+            </a:r>
+            <a:r>
+              <a:rPr lang="en-US" altLang="zh-CN" dirty="0">
+                <a:solidFill>
+                  <a:srgbClr val="222222"/>
+                </a:solidFill>
+                <a:latin typeface="PingFang SC" charset="-122"/>
+              </a:rPr>
+              <a:t>Root </a:t>
+            </a:r>
+            <a:r>
+              <a:rPr lang="zh-CN" altLang="en-US" dirty="0">
+                <a:solidFill>
+                  <a:srgbClr val="222222"/>
+                </a:solidFill>
+                <a:latin typeface="PingFang SC" charset="-122"/>
+              </a:rPr>
+              <a:t>等同，一旦容器内的用户从普通用户权限提升为 </a:t>
+            </a:r>
+            <a:r>
+              <a:rPr lang="en-US" altLang="zh-CN" dirty="0">
+                <a:solidFill>
+                  <a:srgbClr val="222222"/>
+                </a:solidFill>
+                <a:latin typeface="PingFang SC" charset="-122"/>
+              </a:rPr>
+              <a:t>Root </a:t>
+            </a:r>
+            <a:r>
+              <a:rPr lang="zh-CN" altLang="en-US" dirty="0">
+                <a:solidFill>
+                  <a:srgbClr val="222222"/>
+                </a:solidFill>
+                <a:latin typeface="PingFang SC" charset="-122"/>
+              </a:rPr>
+              <a:t>权限，它就直接具备了宿主机的 </a:t>
+            </a:r>
+            <a:r>
+              <a:rPr lang="en-US" altLang="zh-CN" dirty="0">
+                <a:solidFill>
+                  <a:srgbClr val="222222"/>
+                </a:solidFill>
+                <a:latin typeface="PingFang SC" charset="-122"/>
+              </a:rPr>
+              <a:t>Root </a:t>
+            </a:r>
+            <a:r>
+              <a:rPr lang="zh-CN" altLang="en-US" dirty="0">
+                <a:solidFill>
+                  <a:srgbClr val="222222"/>
+                </a:solidFill>
+                <a:latin typeface="PingFang SC" charset="-122"/>
+              </a:rPr>
+              <a:t>权限，进而可进行无限制的操作。</a:t>
+            </a:r>
+            <a:endParaRPr lang="zh-CN" altLang="en-US" b="0" i="0" dirty="0">
+              <a:solidFill>
+                <a:srgbClr val="222222"/>
+              </a:solidFill>
+              <a:effectLst/>
+              <a:latin typeface="PingFang SC" charset="-122"/>
+            </a:endParaRPr>
           </a:p>
         </p:txBody>
       </p:sp>
       <p:sp>
         <p:nvSpPr>
-          <p:cNvPr id="2" name="文本框 1"/>
-          <p:cNvSpPr txBox="1"/>
+          <p:cNvPr id="5" name="矩形 4"/>
+          <p:cNvSpPr/>
           <p:nvPr/>
         </p:nvSpPr>
         <p:spPr>
           <a:xfrm>
-            <a:off x="467544" y="5139194"/>
-            <a:ext cx="7128792" cy="1200329"/>
+            <a:off x="179512" y="4437113"/>
+            <a:ext cx="8784976" cy="923330"/>
           </a:xfrm>
           <a:prstGeom prst="rect">
             <a:avLst/>
           </a:prstGeom>
-          <a:noFill/>
         </p:spPr>
         <p:txBody>
-          <a:bodyPr wrap="square" rtlCol="0">
+          <a:bodyPr wrap="square">
             <a:spAutoFit/>
           </a:bodyPr>
           <a:lstStyle/>
           <a:p>
             <a:r>
-              <a:rPr kumimoji="1" lang="zh-CN" altLang="en-US" dirty="0" smtClean="0"/>
-              <a:t>修改本地镜像仓库源：修改 </a:t>
-            </a:r>
-            <a:r>
-              <a:rPr lang="en-US" altLang="zh-CN" dirty="0"/>
-              <a:t>/</a:t>
-            </a:r>
-            <a:r>
-              <a:rPr lang="en-US" altLang="zh-CN" dirty="0" err="1" smtClean="0"/>
-              <a:t>etc</a:t>
-            </a:r>
-            <a:r>
-              <a:rPr lang="en-US" altLang="zh-CN" dirty="0" smtClean="0"/>
-              <a:t>/</a:t>
-            </a:r>
-            <a:r>
-              <a:rPr lang="en-US" altLang="zh-CN" dirty="0" err="1" smtClean="0"/>
-              <a:t>docker</a:t>
-            </a:r>
-            <a:r>
-              <a:rPr lang="en-US" altLang="zh-CN" dirty="0" smtClean="0"/>
-              <a:t>/</a:t>
-            </a:r>
-            <a:r>
-              <a:rPr lang="en-US" altLang="zh-CN" dirty="0" err="1" smtClean="0"/>
-              <a:t>daemon.json</a:t>
-            </a:r>
-            <a:endParaRPr lang="en-US" altLang="zh-CN" dirty="0" smtClean="0"/>
-          </a:p>
-          <a:p>
-            <a:r>
-              <a:rPr lang="en-US" altLang="zh-CN" dirty="0"/>
-              <a:t>{</a:t>
-            </a:r>
-            <a:r>
-              <a:rPr lang="en-US" altLang="zh-CN" dirty="0"/>
-              <a:t/>
-            </a:r>
-            <a:br>
-              <a:rPr lang="en-US" altLang="zh-CN" dirty="0"/>
-            </a:br>
-            <a:r>
-              <a:rPr lang="en-US" altLang="zh-CN" dirty="0"/>
-              <a:t>  "registry-mirrors": ["https</a:t>
-            </a:r>
-            <a:r>
-              <a:rPr lang="en-US" altLang="zh-CN" dirty="0" smtClean="0"/>
-              <a:t>://</a:t>
-            </a:r>
-            <a:r>
-              <a:rPr lang="en-US" altLang="zh-CN" dirty="0" err="1" smtClean="0"/>
-              <a:t>XXXX.com</a:t>
-            </a:r>
-            <a:r>
-              <a:rPr lang="en-US" altLang="zh-CN" dirty="0" smtClean="0"/>
-              <a:t>"]</a:t>
-            </a:r>
-            <a:r>
-              <a:rPr lang="en-US" altLang="zh-CN" dirty="0"/>
-              <a:t/>
-            </a:r>
-            <a:br>
-              <a:rPr lang="en-US" altLang="zh-CN" dirty="0"/>
-            </a:br>
-            <a:r>
-              <a:rPr lang="en-US" altLang="zh-CN" dirty="0"/>
-              <a:t>}</a:t>
-            </a:r>
-            <a:endParaRPr kumimoji="1" lang="zh-CN" altLang="en-US" dirty="0"/>
+              <a:rPr lang="zh-CN" altLang="en-US" dirty="0">
+                <a:solidFill>
+                  <a:srgbClr val="222222"/>
+                </a:solidFill>
+                <a:latin typeface="PingFang SC" charset="-122"/>
+              </a:rPr>
+              <a:t>虚拟</a:t>
+            </a:r>
+            <a:r>
+              <a:rPr lang="zh-CN" altLang="en-US" dirty="0" smtClean="0">
+                <a:solidFill>
+                  <a:srgbClr val="222222"/>
+                </a:solidFill>
+                <a:latin typeface="PingFang SC" charset="-122"/>
+              </a:rPr>
+              <a:t>机用户 </a:t>
+            </a:r>
+            <a:r>
+              <a:rPr lang="en-US" altLang="zh-CN" dirty="0">
+                <a:solidFill>
+                  <a:srgbClr val="222222"/>
+                </a:solidFill>
+                <a:latin typeface="PingFang SC" charset="-122"/>
+              </a:rPr>
+              <a:t>Root </a:t>
+            </a:r>
+            <a:r>
+              <a:rPr lang="zh-CN" altLang="en-US" dirty="0">
+                <a:solidFill>
+                  <a:srgbClr val="222222"/>
+                </a:solidFill>
+                <a:latin typeface="PingFang SC" charset="-122"/>
+              </a:rPr>
+              <a:t>权限和宿主机的 </a:t>
+            </a:r>
+            <a:r>
+              <a:rPr lang="en-US" altLang="zh-CN" dirty="0">
+                <a:solidFill>
+                  <a:srgbClr val="222222"/>
+                </a:solidFill>
+                <a:latin typeface="PingFang SC" charset="-122"/>
+              </a:rPr>
+              <a:t>Root </a:t>
+            </a:r>
+            <a:r>
+              <a:rPr lang="zh-CN" altLang="en-US" dirty="0">
+                <a:solidFill>
+                  <a:srgbClr val="222222"/>
+                </a:solidFill>
+                <a:latin typeface="PingFang SC" charset="-122"/>
+              </a:rPr>
+              <a:t>虚拟机权限是分离的，并且虚拟机利用如 </a:t>
+            </a:r>
+            <a:r>
+              <a:rPr lang="en-US" altLang="zh-CN" dirty="0">
+                <a:solidFill>
+                  <a:srgbClr val="222222"/>
+                </a:solidFill>
+                <a:latin typeface="PingFang SC" charset="-122"/>
+              </a:rPr>
+              <a:t>Intel </a:t>
+            </a:r>
+            <a:r>
+              <a:rPr lang="zh-CN" altLang="en-US" dirty="0">
+                <a:solidFill>
+                  <a:srgbClr val="222222"/>
+                </a:solidFill>
+                <a:latin typeface="PingFang SC" charset="-122"/>
+              </a:rPr>
+              <a:t>的 </a:t>
+            </a:r>
+            <a:r>
+              <a:rPr lang="en-US" altLang="zh-CN" dirty="0">
+                <a:solidFill>
+                  <a:srgbClr val="222222"/>
+                </a:solidFill>
+                <a:latin typeface="PingFang SC" charset="-122"/>
+              </a:rPr>
+              <a:t>VT-d </a:t>
+            </a:r>
+            <a:r>
+              <a:rPr lang="zh-CN" altLang="en-US" dirty="0">
+                <a:solidFill>
+                  <a:srgbClr val="222222"/>
+                </a:solidFill>
+                <a:latin typeface="PingFang SC" charset="-122"/>
+              </a:rPr>
+              <a:t>和 </a:t>
+            </a:r>
+            <a:r>
+              <a:rPr lang="en-US" altLang="zh-CN" dirty="0">
+                <a:solidFill>
+                  <a:srgbClr val="222222"/>
+                </a:solidFill>
+                <a:latin typeface="PingFang SC" charset="-122"/>
+              </a:rPr>
+              <a:t>VT-x </a:t>
+            </a:r>
+            <a:r>
+              <a:rPr lang="zh-CN" altLang="en-US" dirty="0">
+                <a:solidFill>
+                  <a:srgbClr val="222222"/>
+                </a:solidFill>
+                <a:latin typeface="PingFang SC" charset="-122"/>
+              </a:rPr>
+              <a:t>的 </a:t>
+            </a:r>
+            <a:r>
+              <a:rPr lang="en-US" altLang="zh-CN" dirty="0">
+                <a:solidFill>
+                  <a:srgbClr val="222222"/>
+                </a:solidFill>
+                <a:latin typeface="PingFang SC" charset="-122"/>
+              </a:rPr>
+              <a:t>ring-1 </a:t>
+            </a:r>
+            <a:r>
+              <a:rPr lang="zh-CN" altLang="en-US" dirty="0">
+                <a:solidFill>
+                  <a:srgbClr val="222222"/>
+                </a:solidFill>
+                <a:latin typeface="PingFang SC" charset="-122"/>
+              </a:rPr>
+              <a:t>硬件隔离技术</a:t>
+            </a:r>
+            <a:r>
+              <a:rPr lang="zh-CN" altLang="en-US" dirty="0" smtClean="0">
+                <a:solidFill>
+                  <a:srgbClr val="222222"/>
+                </a:solidFill>
+                <a:latin typeface="PingFang SC" charset="-122"/>
+              </a:rPr>
+              <a:t>。这种</a:t>
+            </a:r>
+            <a:r>
+              <a:rPr lang="zh-CN" altLang="en-US" dirty="0">
+                <a:solidFill>
+                  <a:srgbClr val="222222"/>
+                </a:solidFill>
+                <a:latin typeface="PingFang SC" charset="-122"/>
+              </a:rPr>
+              <a:t>隔离技术可以防止虚拟机突破和彼此交互，而容器至今还没有任何形式的硬件隔离，这使得容器容易受到攻击。</a:t>
+            </a:r>
+            <a:endParaRPr lang="zh-CN" altLang="en-US" b="0" i="0" dirty="0">
+              <a:solidFill>
+                <a:srgbClr val="222222"/>
+              </a:solidFill>
+              <a:effectLst/>
+              <a:latin typeface="PingFang SC" charset="-122"/>
+            </a:endParaRPr>
           </a:p>
         </p:txBody>
       </p:sp>
     </p:spTree>
     <p:extLst>
       <p:ext uri="{BB962C8B-B14F-4D97-AF65-F5344CB8AC3E}">
-        <p14:creationId xmlns:p14="http://schemas.microsoft.com/office/powerpoint/2010/main" val="154152987"/>
+        <p14:creationId xmlns:p14="http://schemas.microsoft.com/office/powerpoint/2010/main" val="1536729072"/>
       </p:ext>
     </p:extLst>
   </p:cSld>
@@ -11032,196 +13385,9 @@
   <p:timing>
     <p:tnLst>
       <p:par>
-        <p:cTn id="1" dur="indefinite" restart="never" nodeType="tmRoot">
-          <p:childTnLst>
-            <p:seq concurrent="1" nextAc="seek">
-              <p:cTn id="2" dur="indefinite" nodeType="mainSeq">
-                <p:childTnLst>
-                  <p:par>
-                    <p:cTn id="3" fill="hold">
-                      <p:stCondLst>
-                        <p:cond delay="indefinite"/>
-                      </p:stCondLst>
-                      <p:childTnLst>
-                        <p:par>
-                          <p:cTn id="4" fill="hold">
-                            <p:stCondLst>
-                              <p:cond delay="0"/>
-                            </p:stCondLst>
-                            <p:childTnLst>
-                              <p:par>
-                                <p:cTn id="5" presetID="3" presetClass="entr" presetSubtype="10" fill="hold" grpId="0" nodeType="clickEffect">
-                                  <p:stCondLst>
-                                    <p:cond delay="0"/>
-                                  </p:stCondLst>
-                                  <p:childTnLst>
-                                    <p:set>
-                                      <p:cBhvr>
-                                        <p:cTn id="6" dur="1" fill="hold">
-                                          <p:stCondLst>
-                                            <p:cond delay="0"/>
-                                          </p:stCondLst>
-                                        </p:cTn>
-                                        <p:tgtEl>
-                                          <p:spTgt spid="3"/>
-                                        </p:tgtEl>
-                                        <p:attrNameLst>
-                                          <p:attrName>style.visibility</p:attrName>
-                                        </p:attrNameLst>
-                                      </p:cBhvr>
-                                      <p:to>
-                                        <p:strVal val="visible"/>
-                                      </p:to>
-                                    </p:set>
-                                    <p:animEffect transition="in" filter="blinds(horizontal)">
-                                      <p:cBhvr>
-                                        <p:cTn id="7" dur="500"/>
-                                        <p:tgtEl>
-                                          <p:spTgt spid="3"/>
-                                        </p:tgtEl>
-                                      </p:cBhvr>
-                                    </p:animEffect>
-                                  </p:childTnLst>
-                                </p:cTn>
-                              </p:par>
-                            </p:childTnLst>
-                          </p:cTn>
-                        </p:par>
-                      </p:childTnLst>
-                    </p:cTn>
-                  </p:par>
-                  <p:par>
-                    <p:cTn id="8" fill="hold">
-                      <p:stCondLst>
-                        <p:cond delay="indefinite"/>
-                      </p:stCondLst>
-                      <p:childTnLst>
-                        <p:par>
-                          <p:cTn id="9" fill="hold">
-                            <p:stCondLst>
-                              <p:cond delay="0"/>
-                            </p:stCondLst>
-                            <p:childTnLst>
-                              <p:par>
-                                <p:cTn id="10" presetID="3" presetClass="entr" presetSubtype="10" fill="hold" grpId="0" nodeType="clickEffect">
-                                  <p:stCondLst>
-                                    <p:cond delay="0"/>
-                                  </p:stCondLst>
-                                  <p:childTnLst>
-                                    <p:set>
-                                      <p:cBhvr>
-                                        <p:cTn id="11" dur="1" fill="hold">
-                                          <p:stCondLst>
-                                            <p:cond delay="0"/>
-                                          </p:stCondLst>
-                                        </p:cTn>
-                                        <p:tgtEl>
-                                          <p:spTgt spid="4"/>
-                                        </p:tgtEl>
-                                        <p:attrNameLst>
-                                          <p:attrName>style.visibility</p:attrName>
-                                        </p:attrNameLst>
-                                      </p:cBhvr>
-                                      <p:to>
-                                        <p:strVal val="visible"/>
-                                      </p:to>
-                                    </p:set>
-                                    <p:animEffect transition="in" filter="blinds(horizontal)">
-                                      <p:cBhvr>
-                                        <p:cTn id="12" dur="500"/>
-                                        <p:tgtEl>
-                                          <p:spTgt spid="4"/>
-                                        </p:tgtEl>
-                                      </p:cBhvr>
-                                    </p:animEffect>
-                                  </p:childTnLst>
-                                </p:cTn>
-                              </p:par>
-                            </p:childTnLst>
-                          </p:cTn>
-                        </p:par>
-                      </p:childTnLst>
-                    </p:cTn>
-                  </p:par>
-                  <p:par>
-                    <p:cTn id="13" fill="hold">
-                      <p:stCondLst>
-                        <p:cond delay="indefinite"/>
-                      </p:stCondLst>
-                      <p:childTnLst>
-                        <p:par>
-                          <p:cTn id="14" fill="hold">
-                            <p:stCondLst>
-                              <p:cond delay="0"/>
-                            </p:stCondLst>
-                            <p:childTnLst>
-                              <p:par>
-                                <p:cTn id="15" presetID="3" presetClass="entr" presetSubtype="10" fill="hold" grpId="0" nodeType="clickEffect">
-                                  <p:stCondLst>
-                                    <p:cond delay="0"/>
-                                  </p:stCondLst>
-                                  <p:childTnLst>
-                                    <p:set>
-                                      <p:cBhvr>
-                                        <p:cTn id="16" dur="1" fill="hold">
-                                          <p:stCondLst>
-                                            <p:cond delay="0"/>
-                                          </p:stCondLst>
-                                        </p:cTn>
-                                        <p:tgtEl>
-                                          <p:spTgt spid="2"/>
-                                        </p:tgtEl>
-                                        <p:attrNameLst>
-                                          <p:attrName>style.visibility</p:attrName>
-                                        </p:attrNameLst>
-                                      </p:cBhvr>
-                                      <p:to>
-                                        <p:strVal val="visible"/>
-                                      </p:to>
-                                    </p:set>
-                                    <p:animEffect transition="in" filter="blinds(horizontal)">
-                                      <p:cBhvr>
-                                        <p:cTn id="17" dur="500"/>
-                                        <p:tgtEl>
-                                          <p:spTgt spid="2"/>
-                                        </p:tgtEl>
-                                      </p:cBhvr>
-                                    </p:animEffect>
-                                  </p:childTnLst>
-                                </p:cTn>
-                              </p:par>
-                            </p:childTnLst>
-                          </p:cTn>
-                        </p:par>
-                      </p:childTnLst>
-                    </p:cTn>
-                  </p:par>
-                </p:childTnLst>
-              </p:cTn>
-              <p:prevCondLst>
-                <p:cond evt="onPrev" delay="0">
-                  <p:tgtEl>
-                    <p:sldTgt/>
-                  </p:tgtEl>
-                </p:cond>
-              </p:prevCondLst>
-              <p:nextCondLst>
-                <p:cond evt="onNext" delay="0">
-                  <p:tgtEl>
-                    <p:sldTgt/>
-                  </p:tgtEl>
-                </p:cond>
-              </p:nextCondLst>
-            </p:seq>
-          </p:childTnLst>
-        </p:cTn>
+        <p:cTn id="1" dur="indefinite" restart="never" nodeType="tmRoot"/>
       </p:par>
     </p:tnLst>
-    <p:bldLst>
-      <p:bldP spid="3" grpId="0"/>
-      <p:bldP spid="4" grpId="0"/>
-      <p:bldP spid="2" grpId="0"/>
-    </p:bldLst>
   </p:timing>
 </p:sld>
 </file>
